--- a/doc/thesis-poster/uct_visualisation_poster.pptx
+++ b/doc/thesis-poster/uct_visualisation_poster.pptx
@@ -107,6 +107,11 @@
       </a:defRPr>
     </a:lvl9pPr>
   </p:defaultTextStyle>
+  <p:extLst>
+    <p:ext uri="{EFAFB233-063F-42B5-8137-9DF3F51BA10A}">
+      <p15:sldGuideLst xmlns:p15="http://schemas.microsoft.com/office/powerpoint/2012/main"/>
+    </p:ext>
+  </p:extLst>
 </p:presentation>
 </file>
 
@@ -2372,6 +2377,13 @@
             <a:noFill/>
           </a:ln>
         </p:spPr>
+        <p:txBody>
+          <a:bodyPr/>
+          <a:lstStyle/>
+          <a:p>
+            <a:endParaRPr lang="pl-PL" dirty="0"/>
+          </a:p>
+        </p:txBody>
       </p:sp>
       <p:sp>
         <p:nvSpPr>
@@ -2424,7 +2436,7 @@
               </a:lnSpc>
             </a:pPr>
             <a:r>
-              <a:rPr lang="pl-PL" sz="8800" dirty="0" smtClean="0">
+              <a:rPr lang="pl-PL" sz="8800" dirty="0">
                 <a:solidFill>
                   <a:srgbClr val="FFFFFF"/>
                 </a:solidFill>
@@ -2466,7 +2478,7 @@
               </a:lnSpc>
             </a:pPr>
             <a:r>
-              <a:rPr lang="pl-PL" sz="4400" dirty="0" smtClean="0">
+              <a:rPr lang="pl-PL" sz="4400" dirty="0">
                 <a:solidFill>
                   <a:srgbClr val="FFFFFF"/>
                 </a:solidFill>
@@ -2483,7 +2495,7 @@
               </a:lnSpc>
             </a:pPr>
             <a:r>
-              <a:rPr lang="pl-PL" sz="4400" dirty="0" smtClean="0">
+              <a:rPr lang="pl-PL" sz="4400" dirty="0">
                 <a:solidFill>
                   <a:srgbClr val="FFFFFF"/>
                 </a:solidFill>
@@ -2500,7 +2512,7 @@
               </a:lnSpc>
             </a:pPr>
             <a:r>
-              <a:rPr lang="pl-PL" sz="4400" dirty="0" smtClean="0">
+              <a:rPr lang="pl-PL" sz="4400" dirty="0">
                 <a:solidFill>
                   <a:srgbClr val="FFFFFF"/>
                 </a:solidFill>
@@ -2721,30 +2733,6 @@
           </a:extLst>
         </p:spPr>
       </p:pic>
-      <p:pic>
-        <p:nvPicPr>
-          <p:cNvPr id="2" name="Picture 1"/>
-          <p:cNvPicPr>
-            <a:picLocks noChangeAspect="1"/>
-          </p:cNvPicPr>
-          <p:nvPr/>
-        </p:nvPicPr>
-        <p:blipFill>
-          <a:blip r:embed="rId4"/>
-          <a:stretch>
-            <a:fillRect/>
-          </a:stretch>
-        </p:blipFill>
-        <p:spPr>
-          <a:xfrm>
-            <a:off x="4156982" y="24437190"/>
-            <a:ext cx="6892076" cy="6938100"/>
-          </a:xfrm>
-          <a:prstGeom prst="rect">
-            <a:avLst/>
-          </a:prstGeom>
-        </p:spPr>
-      </p:pic>
       <p:sp>
         <p:nvSpPr>
           <p:cNvPr id="38" name="CustomShape 9"/>
@@ -2774,7 +2762,7 @@
               </a:lnSpc>
             </a:pPr>
             <a:r>
-              <a:rPr lang="pl-PL" sz="7200" b="1" dirty="0" smtClean="0">
+              <a:rPr lang="pl-PL" sz="7200" b="1" dirty="0">
                 <a:solidFill>
                   <a:srgbClr val="666666"/>
                 </a:solidFill>
@@ -2796,7 +2784,7 @@
         <p:spPr>
           <a:xfrm>
             <a:off x="1791360" y="7683840"/>
-            <a:ext cx="12180600" cy="5262104"/>
+            <a:ext cx="12180600" cy="12085164"/>
           </a:xfrm>
           <a:prstGeom prst="rect">
             <a:avLst/>
@@ -2816,14 +2804,63 @@
               </a:lnSpc>
             </a:pPr>
             <a:r>
-              <a:rPr lang="pl-PL" sz="3600" dirty="0" smtClean="0">
+              <a:rPr lang="pl-PL" sz="3600" dirty="0">
                 <a:solidFill>
                   <a:srgbClr val="434343"/>
                 </a:solidFill>
                 <a:latin typeface="Droid Serif"/>
               </a:rPr>
-              <a:t>Celem prezentowanej pracy było przygotwanie systemu umożliwiającego wizualizację drzew stanów generowanych przez algorytm UCT. Krytyczne dla skuteczności tytułowej heurystyki są odpowiednia konstrukcja i trawersowanie generowanych drzew. Nasze rozwiązanie wykorzysta ten algorytm w podejmowaniu decyzji podczas grania w dwie przykładowe gry planszowe. Skupimy się na przejrzystej wizualizacji, ukazując kolejne etapy rozrastania się drzew.</a:t>
+              <a:t>Celem prezentowanej pracy było przygotowanie systemu umożliwiającego wizualizację drzew stanów generowanych przez algorytm UCT. Krytyczne dla skuteczności tytułowej heurystyki są odpowiednia konstrukcja i trawersowanie generowanych drzew. Wdrożone rozwiązanie wykorzystuje ten algorytm w podejmowaniu decyzji podczas grania w dwie przykładowe gry planszowe. Nacisk położono na przejrzystą wizualizację ukazującą kolejne etapy rozrastania się drzewa.</a:t>
             </a:r>
+          </a:p>
+          <a:p>
+            <a:pPr algn="just">
+              <a:lnSpc>
+                <a:spcPct val="115000"/>
+              </a:lnSpc>
+            </a:pPr>
+            <a:endParaRPr lang="pl-PL" sz="3600" dirty="0">
+              <a:solidFill>
+                <a:srgbClr val="434343"/>
+              </a:solidFill>
+              <a:latin typeface="Droid Serif"/>
+            </a:endParaRPr>
+          </a:p>
+          <a:p>
+            <a:pPr algn="just">
+              <a:lnSpc>
+                <a:spcPct val="115000"/>
+              </a:lnSpc>
+            </a:pPr>
+            <a:r>
+              <a:rPr lang="pl-PL" sz="3600" dirty="0">
+                <a:solidFill>
+                  <a:srgbClr val="434343"/>
+                </a:solidFill>
+                <a:latin typeface="Droid Serif"/>
+              </a:rPr>
+              <a:t>Aplikacja ma stanowić wygodne narzędzie dla użytkownika zainteresowanego tematyką sztucznej inteligencji w grach logicznych, aby pomóc w głębszym zrozumieniu tego zagadnienia.</a:t>
+            </a:r>
+          </a:p>
+          <a:p>
+            <a:pPr algn="just">
+              <a:lnSpc>
+                <a:spcPct val="115000"/>
+              </a:lnSpc>
+            </a:pPr>
+            <a:endParaRPr lang="pl-PL" sz="3600" dirty="0">
+              <a:solidFill>
+                <a:srgbClr val="434343"/>
+              </a:solidFill>
+              <a:latin typeface="Droid Serif"/>
+            </a:endParaRPr>
+          </a:p>
+          <a:p>
+            <a:pPr algn="just">
+              <a:lnSpc>
+                <a:spcPct val="115000"/>
+              </a:lnSpc>
+            </a:pPr>
             <a:endParaRPr sz="3600" dirty="0"/>
           </a:p>
         </p:txBody>
@@ -2836,7 +2873,7 @@
         </p:nvSpPr>
         <p:spPr>
           <a:xfrm>
-            <a:off x="1791360" y="18476948"/>
+            <a:off x="1700691" y="17292057"/>
             <a:ext cx="11623320" cy="1257120"/>
           </a:xfrm>
           <a:prstGeom prst="rect">
@@ -2857,7 +2894,7 @@
               </a:lnSpc>
             </a:pPr>
             <a:r>
-              <a:rPr lang="pl-PL" sz="7200" b="1" dirty="0" smtClean="0">
+              <a:rPr lang="pl-PL" sz="7200" b="1" dirty="0">
                 <a:solidFill>
                   <a:srgbClr val="666666"/>
                 </a:solidFill>
@@ -2878,7 +2915,7 @@
         </p:nvSpPr>
         <p:spPr>
           <a:xfrm>
-            <a:off x="15919800" y="25670783"/>
+            <a:off x="29882117" y="25133680"/>
             <a:ext cx="12100200" cy="1257120"/>
           </a:xfrm>
           <a:prstGeom prst="rect">
@@ -2899,7 +2936,7 @@
               </a:lnSpc>
             </a:pPr>
             <a:r>
-              <a:rPr lang="pl-PL" sz="7200" b="1" dirty="0" smtClean="0">
+              <a:rPr lang="pl-PL" sz="7200" b="1" dirty="0">
                 <a:solidFill>
                   <a:srgbClr val="666666"/>
                 </a:solidFill>
@@ -2919,7 +2956,7 @@
         </p:nvSpPr>
         <p:spPr>
           <a:xfrm>
-            <a:off x="1791360" y="19967514"/>
+            <a:off x="1700691" y="18782623"/>
             <a:ext cx="12180600" cy="3916192"/>
           </a:xfrm>
           <a:prstGeom prst="rect">
@@ -2940,13 +2977,31 @@
               </a:lnSpc>
             </a:pPr>
             <a:r>
-              <a:rPr lang="pl-PL" sz="3600" dirty="0" smtClean="0">
+              <a:rPr lang="pl-PL" sz="3600" dirty="0">
                 <a:solidFill>
                   <a:srgbClr val="434343"/>
                 </a:solidFill>
                 <a:latin typeface="Droid Serif"/>
               </a:rPr>
-              <a:t>Prezentowane rozwiązanie wykorzystuje bibliotekę OpenGL w celu sprawnego wyświetlania i animowania procesu tworzenia dużych drzew stanów. Ponadto, aplikacja udostępnia użytkownikowi interaktywne badanie struktury drzewa poprzez możliwość przybliżania, oddalania i poruszania się po wizualizacji.</a:t>
+              <a:t>Prezentowane rozwiązanie wykorzystuje bibliotekę </a:t>
+            </a:r>
+            <a:r>
+              <a:rPr lang="pl-PL" sz="3600" dirty="0" err="1">
+                <a:solidFill>
+                  <a:srgbClr val="434343"/>
+                </a:solidFill>
+                <a:latin typeface="Droid Serif"/>
+              </a:rPr>
+              <a:t>OpenGL</a:t>
+            </a:r>
+            <a:r>
+              <a:rPr lang="pl-PL" sz="3600" dirty="0">
+                <a:solidFill>
+                  <a:srgbClr val="434343"/>
+                </a:solidFill>
+                <a:latin typeface="Droid Serif"/>
+              </a:rPr>
+              <a:t> w celu sprawnego wyświetlania i animowania procesu tworzenia dużych drzew stanów. Ponadto, aplikacja umożliwia użytkownikowi interaktywne badanie struktury drzewa poprzez możliwość przybliżania, oddalania i poruszania się po wizualizacji.</a:t>
             </a:r>
             <a:endParaRPr sz="3600" dirty="0"/>
           </a:p>
@@ -2960,7 +3015,7 @@
         </p:nvSpPr>
         <p:spPr>
           <a:xfrm>
-            <a:off x="16530840" y="6166685"/>
+            <a:off x="15690060" y="24911480"/>
             <a:ext cx="11623320" cy="1257120"/>
           </a:xfrm>
           <a:prstGeom prst="rect">
@@ -2981,7 +3036,7 @@
               </a:lnSpc>
             </a:pPr>
             <a:r>
-              <a:rPr lang="pl-PL" sz="7200" b="1" dirty="0" smtClean="0">
+              <a:rPr lang="pl-PL" sz="7200" b="1" dirty="0">
                 <a:solidFill>
                   <a:srgbClr val="666666"/>
                 </a:solidFill>
@@ -3000,6 +3055,52 @@
             <a:extLst>
               <a:ext uri="{FF2B5EF4-FFF2-40B4-BE49-F238E27FC236}">
                 <a16:creationId xmlns:a16="http://schemas.microsoft.com/office/drawing/2014/main" id="{9B31740D-251C-4A6C-A21C-D41C6B860B5A}"/>
+              </a:ext>
+            </a:extLst>
+          </p:cNvPr>
+          <p:cNvPicPr>
+            <a:picLocks noChangeAspect="1" noChangeArrowheads="1"/>
+          </p:cNvPicPr>
+          <p:nvPr/>
+        </p:nvPicPr>
+        <p:blipFill>
+          <a:blip r:embed="rId4">
+            <a:extLst>
+              <a:ext uri="{28A0092B-C50C-407E-A947-70E740481C1C}">
+                <a14:useLocalDpi xmlns:a14="http://schemas.microsoft.com/office/drawing/2010/main" val="0"/>
+              </a:ext>
+            </a:extLst>
+          </a:blip>
+          <a:stretch>
+            <a:fillRect/>
+          </a:stretch>
+        </p:blipFill>
+        <p:spPr bwMode="auto">
+          <a:xfrm>
+            <a:off x="30409427" y="26653382"/>
+            <a:ext cx="2283634" cy="2283634"/>
+          </a:xfrm>
+          <a:prstGeom prst="rect">
+            <a:avLst/>
+          </a:prstGeom>
+          <a:noFill/>
+          <a:extLst>
+            <a:ext uri="{909E8E84-426E-40DD-AFC4-6F175D3DCCD1}">
+              <a14:hiddenFill xmlns:a14="http://schemas.microsoft.com/office/drawing/2010/main">
+                <a:solidFill>
+                  <a:srgbClr val="FFFFFF"/>
+                </a:solidFill>
+              </a14:hiddenFill>
+            </a:ext>
+          </a:extLst>
+        </p:spPr>
+      </p:pic>
+      <p:pic>
+        <p:nvPicPr>
+          <p:cNvPr id="79" name="Picture 2" descr="Pdoc (software) logo.png">
+            <a:extLst>
+              <a:ext uri="{FF2B5EF4-FFF2-40B4-BE49-F238E27FC236}">
+                <a16:creationId xmlns:a16="http://schemas.microsoft.com/office/drawing/2014/main" id="{8C52D3F6-C584-471B-BD75-55E7AB0EA4AE}"/>
               </a:ext>
             </a:extLst>
           </p:cNvPr>
@@ -3022,53 +3123,7 @@
         </p:blipFill>
         <p:spPr bwMode="auto">
           <a:xfrm>
-            <a:off x="16447110" y="27190485"/>
-            <a:ext cx="2283634" cy="2283634"/>
-          </a:xfrm>
-          <a:prstGeom prst="rect">
-            <a:avLst/>
-          </a:prstGeom>
-          <a:noFill/>
-          <a:extLst>
-            <a:ext uri="{909E8E84-426E-40DD-AFC4-6F175D3DCCD1}">
-              <a14:hiddenFill xmlns:a14="http://schemas.microsoft.com/office/drawing/2010/main">
-                <a:solidFill>
-                  <a:srgbClr val="FFFFFF"/>
-                </a:solidFill>
-              </a14:hiddenFill>
-            </a:ext>
-          </a:extLst>
-        </p:spPr>
-      </p:pic>
-      <p:pic>
-        <p:nvPicPr>
-          <p:cNvPr id="79" name="Picture 2" descr="Pdoc (software) logo.png">
-            <a:extLst>
-              <a:ext uri="{FF2B5EF4-FFF2-40B4-BE49-F238E27FC236}">
-                <a16:creationId xmlns:a16="http://schemas.microsoft.com/office/drawing/2014/main" id="{8C52D3F6-C584-471B-BD75-55E7AB0EA4AE}"/>
-              </a:ext>
-            </a:extLst>
-          </p:cNvPr>
-          <p:cNvPicPr>
-            <a:picLocks noChangeAspect="1" noChangeArrowheads="1"/>
-          </p:cNvPicPr>
-          <p:nvPr/>
-        </p:nvPicPr>
-        <p:blipFill>
-          <a:blip r:embed="rId6">
-            <a:extLst>
-              <a:ext uri="{28A0092B-C50C-407E-A947-70E740481C1C}">
-                <a14:useLocalDpi xmlns:a14="http://schemas.microsoft.com/office/drawing/2010/main" val="0"/>
-              </a:ext>
-            </a:extLst>
-          </a:blip>
-          <a:stretch>
-            <a:fillRect/>
-          </a:stretch>
-        </p:blipFill>
-        <p:spPr bwMode="auto">
-          <a:xfrm>
-            <a:off x="25539459" y="27190485"/>
+            <a:off x="39501776" y="26653382"/>
             <a:ext cx="2146540" cy="2146540"/>
           </a:xfrm>
           <a:prstGeom prst="rect">
@@ -3101,7 +3156,7 @@
           <p:nvPr/>
         </p:nvPicPr>
         <p:blipFill>
-          <a:blip r:embed="rId7" cstate="print">
+          <a:blip r:embed="rId6" cstate="print">
             <a:extLst>
               <a:ext uri="{28A0092B-C50C-407E-A947-70E740481C1C}">
                 <a14:useLocalDpi xmlns:a14="http://schemas.microsoft.com/office/drawing/2010/main" val="0"/>
@@ -3114,7 +3169,7 @@
         </p:blipFill>
         <p:spPr bwMode="auto">
           <a:xfrm>
-            <a:off x="20946542" y="27152385"/>
+            <a:off x="34908859" y="26615282"/>
             <a:ext cx="2094404" cy="2181670"/>
           </a:xfrm>
           <a:prstGeom prst="rect">
@@ -3147,7 +3202,7 @@
           <p:nvPr/>
         </p:nvPicPr>
         <p:blipFill>
-          <a:blip r:embed="rId8">
+          <a:blip r:embed="rId7">
             <a:extLst>
               <a:ext uri="{28A0092B-C50C-407E-A947-70E740481C1C}">
                 <a14:useLocalDpi xmlns:a14="http://schemas.microsoft.com/office/drawing/2010/main" val="0"/>
@@ -3187,7 +3242,7 @@
           <p:nvPr/>
         </p:nvPicPr>
         <p:blipFill>
-          <a:blip r:embed="rId9">
+          <a:blip r:embed="rId8">
             <a:extLst>
               <a:ext uri="{28A0092B-C50C-407E-A947-70E740481C1C}">
                 <a14:useLocalDpi xmlns:a14="http://schemas.microsoft.com/office/drawing/2010/main" val="0"/>
@@ -3201,7 +3256,7 @@
         </p:blipFill>
         <p:spPr bwMode="auto">
           <a:xfrm>
-            <a:off x="16102890" y="29124180"/>
+            <a:off x="30061895" y="28714363"/>
             <a:ext cx="3149489" cy="2365410"/>
           </a:xfrm>
           <a:prstGeom prst="rect">
@@ -3234,7 +3289,7 @@
           <p:nvPr/>
         </p:nvPicPr>
         <p:blipFill>
-          <a:blip r:embed="rId8">
+          <a:blip r:embed="rId7">
             <a:extLst>
               <a:ext uri="{28A0092B-C50C-407E-A947-70E740481C1C}">
                 <a14:useLocalDpi xmlns:a14="http://schemas.microsoft.com/office/drawing/2010/main" val="0"/>
@@ -3247,7 +3302,7 @@
         </p:blipFill>
         <p:spPr bwMode="auto">
           <a:xfrm>
-            <a:off x="20599871" y="29565993"/>
+            <a:off x="34539648" y="29233825"/>
             <a:ext cx="3039864" cy="1326486"/>
           </a:xfrm>
           <a:prstGeom prst="rect">
@@ -3274,7 +3329,7 @@
           <p:nvPr/>
         </p:nvPicPr>
         <p:blipFill>
-          <a:blip r:embed="rId10" cstate="print">
+          <a:blip r:embed="rId9" cstate="print">
             <a:extLst>
               <a:ext uri="{28A0092B-C50C-407E-A947-70E740481C1C}">
                 <a14:useLocalDpi xmlns:a14="http://schemas.microsoft.com/office/drawing/2010/main" val="0"/>
@@ -3288,7 +3343,7 @@
         </p:blipFill>
         <p:spPr bwMode="auto">
           <a:xfrm>
-            <a:off x="25078868" y="29680293"/>
+            <a:off x="39041184" y="29233825"/>
             <a:ext cx="3067723" cy="1214307"/>
           </a:xfrm>
           <a:prstGeom prst="rect">
@@ -3314,7 +3369,7 @@
         </p:nvSpPr>
         <p:spPr>
           <a:xfrm>
-            <a:off x="30247920" y="6166685"/>
+            <a:off x="15670440" y="16510531"/>
             <a:ext cx="11623320" cy="1257120"/>
           </a:xfrm>
           <a:prstGeom prst="rect">
@@ -3335,14 +3390,14 @@
               </a:lnSpc>
             </a:pPr>
             <a:r>
-              <a:rPr lang="pl-PL" sz="7200" b="1" dirty="0" smtClean="0">
+              <a:rPr lang="pl-PL" sz="7200" b="1" dirty="0">
                 <a:solidFill>
                   <a:srgbClr val="666666"/>
                 </a:solidFill>
                 <a:latin typeface="Oswald"/>
                 <a:ea typeface="Oswald"/>
               </a:rPr>
-              <a:t>Gry</a:t>
+              <a:t>Gry logiczne</a:t>
             </a:r>
             <a:endParaRPr sz="2800" dirty="0"/>
           </a:p>
@@ -3351,6 +3406,258 @@
       <p:pic>
         <p:nvPicPr>
           <p:cNvPr id="3" name="Picture 2"/>
+          <p:cNvPicPr>
+            <a:picLocks noChangeAspect="1"/>
+          </p:cNvPicPr>
+          <p:nvPr/>
+        </p:nvPicPr>
+        <p:blipFill>
+          <a:blip r:embed="rId10"/>
+          <a:stretch>
+            <a:fillRect/>
+          </a:stretch>
+        </p:blipFill>
+        <p:spPr>
+          <a:xfrm>
+            <a:off x="22054877" y="18286814"/>
+            <a:ext cx="5715000" cy="5715000"/>
+          </a:xfrm>
+          <a:prstGeom prst="rect">
+            <a:avLst/>
+          </a:prstGeom>
+        </p:spPr>
+      </p:pic>
+      <p:sp>
+        <p:nvSpPr>
+          <p:cNvPr id="84" name="CustomShape 18"/>
+          <p:cNvSpPr/>
+          <p:nvPr/>
+        </p:nvSpPr>
+        <p:spPr>
+          <a:xfrm>
+            <a:off x="15717335" y="26653382"/>
+            <a:ext cx="6378660" cy="4488615"/>
+          </a:xfrm>
+          <a:prstGeom prst="rect">
+            <a:avLst/>
+          </a:prstGeom>
+          <a:noFill/>
+          <a:ln>
+            <a:noFill/>
+          </a:ln>
+        </p:spPr>
+        <p:txBody>
+          <a:bodyPr tIns="91440" bIns="91440"/>
+          <a:lstStyle/>
+          <a:p>
+            <a:pPr>
+              <a:lnSpc>
+                <a:spcPct val="115000"/>
+              </a:lnSpc>
+            </a:pPr>
+            <a:r>
+              <a:rPr lang="pl-PL" sz="3600" dirty="0">
+                <a:solidFill>
+                  <a:srgbClr val="434343"/>
+                </a:solidFill>
+                <a:latin typeface="Droid Serif"/>
+              </a:rPr>
+              <a:t>Prezentowany system obsługuje dwa formaty zapisu drzew:</a:t>
+            </a:r>
+          </a:p>
+          <a:p>
+            <a:pPr>
+              <a:lnSpc>
+                <a:spcPct val="115000"/>
+              </a:lnSpc>
+            </a:pPr>
+            <a:endParaRPr lang="pl-PL" sz="3600" dirty="0">
+              <a:solidFill>
+                <a:srgbClr val="434343"/>
+              </a:solidFill>
+              <a:latin typeface="Droid Serif"/>
+            </a:endParaRPr>
+          </a:p>
+          <a:p>
+            <a:pPr marL="571500" indent="-571500">
+              <a:lnSpc>
+                <a:spcPct val="115000"/>
+              </a:lnSpc>
+              <a:buFont typeface="Arial" panose="020B0604020202020204" pitchFamily="34" charset="0"/>
+              <a:buChar char="•"/>
+            </a:pPr>
+            <a:r>
+              <a:rPr lang="pl-PL" sz="3600" dirty="0">
+                <a:solidFill>
+                  <a:srgbClr val="434343"/>
+                </a:solidFill>
+                <a:latin typeface="Droid Serif"/>
+              </a:rPr>
+              <a:t>CSV</a:t>
+            </a:r>
+          </a:p>
+          <a:p>
+            <a:pPr marL="571500" indent="-571500">
+              <a:lnSpc>
+                <a:spcPct val="115000"/>
+              </a:lnSpc>
+              <a:buFont typeface="Arial" panose="020B0604020202020204" pitchFamily="34" charset="0"/>
+              <a:buChar char="•"/>
+            </a:pPr>
+            <a:r>
+              <a:rPr lang="pl-PL" sz="3600" dirty="0">
+                <a:solidFill>
+                  <a:srgbClr val="434343"/>
+                </a:solidFill>
+                <a:latin typeface="Droid Serif"/>
+              </a:rPr>
+              <a:t>Binarny</a:t>
+            </a:r>
+          </a:p>
+          <a:p>
+            <a:pPr>
+              <a:lnSpc>
+                <a:spcPct val="115000"/>
+              </a:lnSpc>
+            </a:pPr>
+            <a:endParaRPr sz="3600" dirty="0"/>
+          </a:p>
+        </p:txBody>
+      </p:sp>
+      <p:sp>
+        <p:nvSpPr>
+          <p:cNvPr id="85" name="CustomShape 9"/>
+          <p:cNvSpPr/>
+          <p:nvPr/>
+        </p:nvSpPr>
+        <p:spPr>
+          <a:xfrm>
+            <a:off x="15670440" y="6166685"/>
+            <a:ext cx="11623320" cy="1257120"/>
+          </a:xfrm>
+          <a:prstGeom prst="rect">
+            <a:avLst/>
+          </a:prstGeom>
+          <a:noFill/>
+          <a:ln>
+            <a:noFill/>
+          </a:ln>
+        </p:spPr>
+        <p:txBody>
+          <a:bodyPr tIns="91440" bIns="91440"/>
+          <a:lstStyle/>
+          <a:p>
+            <a:pPr>
+              <a:lnSpc>
+                <a:spcPct val="115000"/>
+              </a:lnSpc>
+            </a:pPr>
+            <a:r>
+              <a:rPr lang="pl-PL" sz="7200" b="1" dirty="0">
+                <a:solidFill>
+                  <a:srgbClr val="666666"/>
+                </a:solidFill>
+                <a:latin typeface="Oswald"/>
+                <a:ea typeface="Oswald"/>
+              </a:rPr>
+              <a:t>Algorytm</a:t>
+            </a:r>
+            <a:endParaRPr sz="2800" dirty="0"/>
+          </a:p>
+        </p:txBody>
+      </p:sp>
+      <p:sp>
+        <p:nvSpPr>
+          <p:cNvPr id="86" name="CustomShape 9"/>
+          <p:cNvSpPr/>
+          <p:nvPr/>
+        </p:nvSpPr>
+        <p:spPr>
+          <a:xfrm>
+            <a:off x="29975357" y="6186166"/>
+            <a:ext cx="11623320" cy="1257120"/>
+          </a:xfrm>
+          <a:prstGeom prst="rect">
+            <a:avLst/>
+          </a:prstGeom>
+          <a:noFill/>
+          <a:ln>
+            <a:noFill/>
+          </a:ln>
+        </p:spPr>
+        <p:txBody>
+          <a:bodyPr tIns="91440" bIns="91440"/>
+          <a:lstStyle/>
+          <a:p>
+            <a:pPr>
+              <a:lnSpc>
+                <a:spcPct val="115000"/>
+              </a:lnSpc>
+            </a:pPr>
+            <a:r>
+              <a:rPr lang="pl-PL" sz="7200" b="1" dirty="0" err="1">
+                <a:solidFill>
+                  <a:srgbClr val="666666"/>
+                </a:solidFill>
+                <a:latin typeface="Oswald"/>
+                <a:ea typeface="Oswald"/>
+              </a:rPr>
+              <a:t>Wieloplatformowość</a:t>
+            </a:r>
+            <a:endParaRPr sz="2800" dirty="0"/>
+          </a:p>
+        </p:txBody>
+      </p:sp>
+      <p:sp>
+        <p:nvSpPr>
+          <p:cNvPr id="87" name="CustomShape 18"/>
+          <p:cNvSpPr/>
+          <p:nvPr/>
+        </p:nvSpPr>
+        <p:spPr>
+          <a:xfrm>
+            <a:off x="29882117" y="7705868"/>
+            <a:ext cx="12180600" cy="2639765"/>
+          </a:xfrm>
+          <a:prstGeom prst="rect">
+            <a:avLst/>
+          </a:prstGeom>
+          <a:noFill/>
+          <a:ln>
+            <a:noFill/>
+          </a:ln>
+        </p:spPr>
+        <p:txBody>
+          <a:bodyPr tIns="91440" bIns="91440"/>
+          <a:lstStyle/>
+          <a:p>
+            <a:pPr algn="just">
+              <a:lnSpc>
+                <a:spcPct val="115000"/>
+              </a:lnSpc>
+            </a:pPr>
+            <a:r>
+              <a:rPr lang="pl-PL" sz="3600" dirty="0">
+                <a:solidFill>
+                  <a:srgbClr val="434343"/>
+                </a:solidFill>
+                <a:latin typeface="Droid Serif"/>
+              </a:rPr>
+              <a:t>Prezentowane rozwiązanie przygotowane jest w formie aplikacji przenośnej. Aplikacja może zostać uruchomiona zarówno na komputerach z systemem operacyjnym Windows jak i Linux.</a:t>
+            </a:r>
+            <a:endParaRPr sz="3600" dirty="0"/>
+          </a:p>
+        </p:txBody>
+      </p:sp>
+      <p:pic>
+        <p:nvPicPr>
+          <p:cNvPr id="6" name="Obraz 5">
+            <a:extLst>
+              <a:ext uri="{FF2B5EF4-FFF2-40B4-BE49-F238E27FC236}">
+                <a16:creationId xmlns:a16="http://schemas.microsoft.com/office/drawing/2014/main" id="{F8A3DEB3-7505-4145-9C45-FFA688E87C15}"/>
+              </a:ext>
+            </a:extLst>
+          </p:cNvPr>
           <p:cNvPicPr>
             <a:picLocks noChangeAspect="1"/>
           </p:cNvPicPr>
@@ -3364,8 +3671,8 @@
         </p:blipFill>
         <p:spPr>
           <a:xfrm>
-            <a:off x="36623520" y="7572769"/>
-            <a:ext cx="5715000" cy="5715000"/>
+            <a:off x="32213207" y="10426617"/>
+            <a:ext cx="8154209" cy="13254650"/>
           </a:xfrm>
           <a:prstGeom prst="rect">
             <a:avLst/>
@@ -3374,7 +3681,13 @@
       </p:pic>
       <p:pic>
         <p:nvPicPr>
-          <p:cNvPr id="4" name="Picture 3"/>
+          <p:cNvPr id="9" name="Obraz 8">
+            <a:extLst>
+              <a:ext uri="{FF2B5EF4-FFF2-40B4-BE49-F238E27FC236}">
+                <a16:creationId xmlns:a16="http://schemas.microsoft.com/office/drawing/2014/main" id="{5BBD58E2-6215-46B0-AF91-2C9BC730FD0C}"/>
+              </a:ext>
+            </a:extLst>
+          </p:cNvPr>
           <p:cNvPicPr>
             <a:picLocks noChangeAspect="1"/>
           </p:cNvPicPr>
@@ -3388,8 +3701,8 @@
         </p:blipFill>
         <p:spPr>
           <a:xfrm>
-            <a:off x="30247920" y="7572769"/>
-            <a:ext cx="5715000" cy="5715000"/>
+            <a:off x="4431267" y="23073402"/>
+            <a:ext cx="6892076" cy="6880513"/>
           </a:xfrm>
           <a:prstGeom prst="rect">
             <a:avLst/>
@@ -3398,7 +3711,13 @@
       </p:pic>
       <p:pic>
         <p:nvPicPr>
-          <p:cNvPr id="5" name="Picture 4"/>
+          <p:cNvPr id="12" name="Obraz 11">
+            <a:extLst>
+              <a:ext uri="{FF2B5EF4-FFF2-40B4-BE49-F238E27FC236}">
+                <a16:creationId xmlns:a16="http://schemas.microsoft.com/office/drawing/2014/main" id="{20672EB3-2FA4-4F73-9A3B-52A52327A804}"/>
+              </a:ext>
+            </a:extLst>
+          </p:cNvPr>
           <p:cNvPicPr>
             <a:picLocks noChangeAspect="1"/>
           </p:cNvPicPr>
@@ -3412,226 +3731,23 @@
         </p:blipFill>
         <p:spPr>
           <a:xfrm>
-            <a:off x="16530840" y="7648287"/>
-            <a:ext cx="5104490" cy="4848513"/>
+            <a:off x="15935852" y="18231455"/>
+            <a:ext cx="5676900" cy="5705475"/>
           </a:xfrm>
           <a:prstGeom prst="rect">
             <a:avLst/>
           </a:prstGeom>
         </p:spPr>
       </p:pic>
-      <p:sp>
-        <p:nvSpPr>
-          <p:cNvPr id="84" name="CustomShape 18"/>
-          <p:cNvSpPr/>
-          <p:nvPr/>
-        </p:nvSpPr>
-        <p:spPr>
-          <a:xfrm>
-            <a:off x="21883100" y="7623749"/>
-            <a:ext cx="6378660" cy="4488615"/>
-          </a:xfrm>
-          <a:prstGeom prst="rect">
-            <a:avLst/>
-          </a:prstGeom>
-          <a:noFill/>
-          <a:ln>
-            <a:noFill/>
-          </a:ln>
-        </p:spPr>
-        <p:txBody>
-          <a:bodyPr tIns="91440" bIns="91440"/>
-          <a:lstStyle/>
-          <a:p>
-            <a:pPr>
-              <a:lnSpc>
-                <a:spcPct val="115000"/>
-              </a:lnSpc>
-            </a:pPr>
-            <a:r>
-              <a:rPr lang="pl-PL" sz="3600" dirty="0" smtClean="0">
-                <a:solidFill>
-                  <a:srgbClr val="434343"/>
-                </a:solidFill>
-                <a:latin typeface="Droid Serif"/>
-              </a:rPr>
-              <a:t>Prezentowany system obsługuje 2 formaty serializacji:</a:t>
-            </a:r>
-          </a:p>
-          <a:p>
-            <a:pPr marL="571500" indent="-571500">
-              <a:lnSpc>
-                <a:spcPct val="115000"/>
-              </a:lnSpc>
-              <a:buFont typeface="Arial" panose="020B0604020202020204" pitchFamily="34" charset="0"/>
-              <a:buChar char="•"/>
-            </a:pPr>
-            <a:r>
-              <a:rPr lang="pl-PL" sz="3600" dirty="0" smtClean="0">
-                <a:solidFill>
-                  <a:srgbClr val="434343"/>
-                </a:solidFill>
-                <a:latin typeface="Droid Serif"/>
-              </a:rPr>
-              <a:t>Csv</a:t>
-            </a:r>
-          </a:p>
-          <a:p>
-            <a:pPr marL="571500" indent="-571500">
-              <a:lnSpc>
-                <a:spcPct val="115000"/>
-              </a:lnSpc>
-              <a:buFont typeface="Arial" panose="020B0604020202020204" pitchFamily="34" charset="0"/>
-              <a:buChar char="•"/>
-            </a:pPr>
-            <a:r>
-              <a:rPr lang="pl-PL" sz="3600" dirty="0" smtClean="0">
-                <a:solidFill>
-                  <a:srgbClr val="434343"/>
-                </a:solidFill>
-                <a:latin typeface="Droid Serif"/>
-              </a:rPr>
-              <a:t>Binarny</a:t>
-            </a:r>
-          </a:p>
-          <a:p>
-            <a:pPr>
-              <a:lnSpc>
-                <a:spcPct val="115000"/>
-              </a:lnSpc>
-            </a:pPr>
-            <a:endParaRPr sz="3600" dirty="0"/>
-          </a:p>
-        </p:txBody>
-      </p:sp>
-      <p:sp>
-        <p:nvSpPr>
-          <p:cNvPr id="85" name="CustomShape 9"/>
-          <p:cNvSpPr/>
-          <p:nvPr/>
-        </p:nvSpPr>
-        <p:spPr>
-          <a:xfrm>
-            <a:off x="16447110" y="13878057"/>
-            <a:ext cx="11623320" cy="1257120"/>
-          </a:xfrm>
-          <a:prstGeom prst="rect">
-            <a:avLst/>
-          </a:prstGeom>
-          <a:noFill/>
-          <a:ln>
-            <a:noFill/>
-          </a:ln>
-        </p:spPr>
-        <p:txBody>
-          <a:bodyPr tIns="91440" bIns="91440"/>
-          <a:lstStyle/>
-          <a:p>
-            <a:pPr>
-              <a:lnSpc>
-                <a:spcPct val="115000"/>
-              </a:lnSpc>
-            </a:pPr>
-            <a:r>
-              <a:rPr lang="pl-PL" sz="7200" b="1" dirty="0" smtClean="0">
-                <a:solidFill>
-                  <a:srgbClr val="666666"/>
-                </a:solidFill>
-                <a:latin typeface="Oswald"/>
-                <a:ea typeface="Oswald"/>
-              </a:rPr>
-              <a:t>Algorytm</a:t>
-            </a:r>
-            <a:endParaRPr sz="2800" dirty="0"/>
-          </a:p>
-        </p:txBody>
-      </p:sp>
-      <p:sp>
-        <p:nvSpPr>
-          <p:cNvPr id="86" name="CustomShape 9"/>
-          <p:cNvSpPr/>
-          <p:nvPr/>
-        </p:nvSpPr>
-        <p:spPr>
-          <a:xfrm>
-            <a:off x="30247920" y="15058372"/>
-            <a:ext cx="11623320" cy="1257120"/>
-          </a:xfrm>
-          <a:prstGeom prst="rect">
-            <a:avLst/>
-          </a:prstGeom>
-          <a:noFill/>
-          <a:ln>
-            <a:noFill/>
-          </a:ln>
-        </p:spPr>
-        <p:txBody>
-          <a:bodyPr tIns="91440" bIns="91440"/>
-          <a:lstStyle/>
-          <a:p>
-            <a:pPr>
-              <a:lnSpc>
-                <a:spcPct val="115000"/>
-              </a:lnSpc>
-            </a:pPr>
-            <a:r>
-              <a:rPr lang="pl-PL" sz="7200" b="1" dirty="0" smtClean="0">
-                <a:solidFill>
-                  <a:srgbClr val="666666"/>
-                </a:solidFill>
-                <a:latin typeface="Oswald"/>
-                <a:ea typeface="Oswald"/>
-              </a:rPr>
-              <a:t>Multiplatformowość</a:t>
-            </a:r>
-            <a:endParaRPr sz="2800" dirty="0"/>
-          </a:p>
-        </p:txBody>
-      </p:sp>
-      <p:sp>
-        <p:nvSpPr>
-          <p:cNvPr id="87" name="CustomShape 18"/>
-          <p:cNvSpPr/>
-          <p:nvPr/>
-        </p:nvSpPr>
-        <p:spPr>
-          <a:xfrm>
-            <a:off x="30247920" y="16399159"/>
-            <a:ext cx="12180600" cy="2639765"/>
-          </a:xfrm>
-          <a:prstGeom prst="rect">
-            <a:avLst/>
-          </a:prstGeom>
-          <a:noFill/>
-          <a:ln>
-            <a:noFill/>
-          </a:ln>
-        </p:spPr>
-        <p:txBody>
-          <a:bodyPr tIns="91440" bIns="91440"/>
-          <a:lstStyle/>
-          <a:p>
-            <a:pPr algn="just">
-              <a:lnSpc>
-                <a:spcPct val="115000"/>
-              </a:lnSpc>
-            </a:pPr>
-            <a:r>
-              <a:rPr lang="pl-PL" sz="3600" dirty="0" smtClean="0">
-                <a:solidFill>
-                  <a:srgbClr val="434343"/>
-                </a:solidFill>
-                <a:latin typeface="Droid Serif"/>
-              </a:rPr>
-              <a:t>Prezentowane rozwiązanie jest przygotowanie w formie aplikacji przenośnej. Aplikacja może zostać uruchomiona zarówno na komputerach z systemem operacyjnym Windows jak i Linux.</a:t>
-            </a:r>
-            <a:endParaRPr sz="3600" dirty="0"/>
-          </a:p>
-        </p:txBody>
-      </p:sp>
       <p:pic>
         <p:nvPicPr>
-          <p:cNvPr id="7" name="Picture 6"/>
+          <p:cNvPr id="13" name="Obraz 12">
+            <a:extLst>
+              <a:ext uri="{FF2B5EF4-FFF2-40B4-BE49-F238E27FC236}">
+                <a16:creationId xmlns:a16="http://schemas.microsoft.com/office/drawing/2014/main" id="{EBBBF28F-DD54-43E9-972A-7DDC02570760}"/>
+              </a:ext>
+            </a:extLst>
+          </p:cNvPr>
           <p:cNvPicPr>
             <a:picLocks noChangeAspect="1"/>
           </p:cNvPicPr>
@@ -3645,38 +3761,185 @@
         </p:blipFill>
         <p:spPr>
           <a:xfrm>
-            <a:off x="33971257" y="19355198"/>
-            <a:ext cx="4733925" cy="6419850"/>
+            <a:off x="16366971" y="11586891"/>
+            <a:ext cx="11296231" cy="4603538"/>
           </a:xfrm>
           <a:prstGeom prst="rect">
             <a:avLst/>
           </a:prstGeom>
         </p:spPr>
       </p:pic>
+      <p:sp>
+        <p:nvSpPr>
+          <p:cNvPr id="50" name="CustomShape 18">
+            <a:extLst>
+              <a:ext uri="{FF2B5EF4-FFF2-40B4-BE49-F238E27FC236}">
+                <a16:creationId xmlns:a16="http://schemas.microsoft.com/office/drawing/2014/main" id="{6285388E-411D-42E0-AB32-92818C3B446A}"/>
+              </a:ext>
+            </a:extLst>
+          </p:cNvPr>
+          <p:cNvSpPr/>
+          <p:nvPr/>
+        </p:nvSpPr>
+        <p:spPr>
+          <a:xfrm>
+            <a:off x="15690060" y="7713414"/>
+            <a:ext cx="12180600" cy="3916192"/>
+          </a:xfrm>
+          <a:prstGeom prst="rect">
+            <a:avLst/>
+          </a:prstGeom>
+          <a:noFill/>
+          <a:ln>
+            <a:noFill/>
+          </a:ln>
+        </p:spPr>
+        <p:txBody>
+          <a:bodyPr tIns="91440" bIns="91440"/>
+          <a:lstStyle/>
+          <a:p>
+            <a:pPr algn="just">
+              <a:lnSpc>
+                <a:spcPct val="115000"/>
+              </a:lnSpc>
+            </a:pPr>
+            <a:r>
+              <a:rPr lang="pl-PL" sz="3600" dirty="0">
+                <a:solidFill>
+                  <a:srgbClr val="434343"/>
+                </a:solidFill>
+                <a:latin typeface="Droid Serif"/>
+              </a:rPr>
+              <a:t>Odpowiada za iteracyjne tworzenie drzewa stanów i przeszukiwanie go w celu wyznaczenia najbardziej korzystnego ruchu. Ewaluacja wartości danego ruchu jest dokonywana z użyciem funkcji wypłaty. Użytkownik ma możliwość zmiany liczby iteracji algorytmu albo ograniczenie czasowe jego działania. </a:t>
+            </a:r>
+          </a:p>
+        </p:txBody>
+      </p:sp>
+      <p:sp>
+        <p:nvSpPr>
+          <p:cNvPr id="54" name="CustomShape 18">
+            <a:extLst>
+              <a:ext uri="{FF2B5EF4-FFF2-40B4-BE49-F238E27FC236}">
+                <a16:creationId xmlns:a16="http://schemas.microsoft.com/office/drawing/2014/main" id="{4AB37410-71D9-410F-A16F-19E4B6509EC3}"/>
+              </a:ext>
+            </a:extLst>
+          </p:cNvPr>
+          <p:cNvSpPr/>
+          <p:nvPr/>
+        </p:nvSpPr>
+        <p:spPr>
+          <a:xfrm>
+            <a:off x="24118335" y="23962425"/>
+            <a:ext cx="1862764" cy="862063"/>
+          </a:xfrm>
+          <a:prstGeom prst="rect">
+            <a:avLst/>
+          </a:prstGeom>
+          <a:noFill/>
+          <a:ln>
+            <a:noFill/>
+          </a:ln>
+        </p:spPr>
+        <p:txBody>
+          <a:bodyPr tIns="91440" bIns="91440"/>
+          <a:lstStyle/>
+          <a:p>
+            <a:pPr algn="just">
+              <a:lnSpc>
+                <a:spcPct val="115000"/>
+              </a:lnSpc>
+            </a:pPr>
+            <a:r>
+              <a:rPr lang="pl-PL" sz="3600" dirty="0" err="1">
+                <a:solidFill>
+                  <a:srgbClr val="434343"/>
+                </a:solidFill>
+                <a:latin typeface="Droid Serif"/>
+              </a:rPr>
+              <a:t>Mankala</a:t>
+            </a:r>
+            <a:r>
+              <a:rPr lang="pl-PL" sz="3600" dirty="0">
+                <a:solidFill>
+                  <a:srgbClr val="434343"/>
+                </a:solidFill>
+                <a:latin typeface="Droid Serif"/>
+              </a:rPr>
+              <a:t> </a:t>
+            </a:r>
+          </a:p>
+        </p:txBody>
+      </p:sp>
+      <p:sp>
+        <p:nvSpPr>
+          <p:cNvPr id="55" name="CustomShape 18">
+            <a:extLst>
+              <a:ext uri="{FF2B5EF4-FFF2-40B4-BE49-F238E27FC236}">
+                <a16:creationId xmlns:a16="http://schemas.microsoft.com/office/drawing/2014/main" id="{004809C1-CF08-4F2B-BF55-6173EF6C7FBF}"/>
+              </a:ext>
+            </a:extLst>
+          </p:cNvPr>
+          <p:cNvSpPr/>
+          <p:nvPr/>
+        </p:nvSpPr>
+        <p:spPr>
+          <a:xfrm>
+            <a:off x="18228001" y="23936930"/>
+            <a:ext cx="1653147" cy="862063"/>
+          </a:xfrm>
+          <a:prstGeom prst="rect">
+            <a:avLst/>
+          </a:prstGeom>
+          <a:noFill/>
+          <a:ln>
+            <a:noFill/>
+          </a:ln>
+        </p:spPr>
+        <p:txBody>
+          <a:bodyPr tIns="91440" bIns="91440"/>
+          <a:lstStyle/>
+          <a:p>
+            <a:pPr algn="just">
+              <a:lnSpc>
+                <a:spcPct val="115000"/>
+              </a:lnSpc>
+            </a:pPr>
+            <a:r>
+              <a:rPr lang="pl-PL" sz="3600" dirty="0">
+                <a:solidFill>
+                  <a:srgbClr val="434343"/>
+                </a:solidFill>
+                <a:latin typeface="Droid Serif"/>
+              </a:rPr>
+              <a:t>Szachy </a:t>
+            </a:r>
+          </a:p>
+        </p:txBody>
+      </p:sp>
       <p:pic>
         <p:nvPicPr>
-          <p:cNvPr id="8" name="Picture 7"/>
+          <p:cNvPr id="15" name="Obraz 14">
+            <a:extLst>
+              <a:ext uri="{FF2B5EF4-FFF2-40B4-BE49-F238E27FC236}">
+                <a16:creationId xmlns:a16="http://schemas.microsoft.com/office/drawing/2014/main" id="{3453F1D5-3219-4036-86D5-BEC4F1C2965B}"/>
+              </a:ext>
+            </a:extLst>
+          </p:cNvPr>
           <p:cNvPicPr>
             <a:picLocks noChangeAspect="1"/>
           </p:cNvPicPr>
           <p:nvPr/>
         </p:nvPicPr>
         <p:blipFill>
-          <a:blip r:embed="rId15">
-            <a:extLst>
-              <a:ext uri="{28A0092B-C50C-407E-A947-70E740481C1C}">
-                <a14:useLocalDpi xmlns:a14="http://schemas.microsoft.com/office/drawing/2010/main" val="0"/>
-              </a:ext>
-            </a:extLst>
-          </a:blip>
+          <a:blip r:embed="rId15"/>
           <a:stretch>
             <a:fillRect/>
           </a:stretch>
         </p:blipFill>
         <p:spPr>
           <a:xfrm>
-            <a:off x="18000789" y="17773267"/>
-            <a:ext cx="7538670" cy="2905967"/>
+            <a:off x="22515015" y="25540040"/>
+            <a:ext cx="5392260" cy="5514597"/>
           </a:xfrm>
           <a:prstGeom prst="rect">
             <a:avLst/>

--- a/doc/thesis-poster/uct_visualisation_poster.pptx
+++ b/doc/thesis-poster/uct_visualisation_poster.pptx
@@ -3435,8 +3435,8 @@
         </p:nvSpPr>
         <p:spPr>
           <a:xfrm>
-            <a:off x="15717335" y="26653382"/>
-            <a:ext cx="6378660" cy="4488615"/>
+            <a:off x="15670440" y="26653382"/>
+            <a:ext cx="6635775" cy="4488615"/>
           </a:xfrm>
           <a:prstGeom prst="rect">
             <a:avLst/>
@@ -3450,11 +3450,20 @@
           <a:bodyPr tIns="91440" bIns="91440"/>
           <a:lstStyle/>
           <a:p>
-            <a:pPr>
+            <a:pPr algn="just">
               <a:lnSpc>
                 <a:spcPct val="115000"/>
               </a:lnSpc>
             </a:pPr>
+            <a:r>
+              <a:rPr lang="pl-PL" sz="3600" dirty="0" smtClean="0">
+                <a:solidFill>
+                  <a:srgbClr val="434343"/>
+                </a:solidFill>
+                <a:latin typeface="Droid Serif"/>
+              </a:rPr>
+              <a:t>Stworzony </a:t>
+            </a:r>
             <a:r>
               <a:rPr lang="pl-PL" sz="3600" dirty="0">
                 <a:solidFill>
@@ -3462,11 +3471,11 @@
                 </a:solidFill>
                 <a:latin typeface="Droid Serif"/>
               </a:rPr>
-              <a:t>Prezentowany system obsługuje dwa formaty zapisu drzew:</a:t>
+              <a:t>system obsługuje dwa formaty zapisu drzew:</a:t>
             </a:r>
           </a:p>
           <a:p>
-            <a:pPr>
+            <a:pPr algn="just">
               <a:lnSpc>
                 <a:spcPct val="115000"/>
               </a:lnSpc>
@@ -3479,7 +3488,7 @@
             </a:endParaRPr>
           </a:p>
           <a:p>
-            <a:pPr marL="571500" indent="-571500">
+            <a:pPr marL="571500" indent="-571500" algn="just">
               <a:lnSpc>
                 <a:spcPct val="115000"/>
               </a:lnSpc>
@@ -3497,7 +3506,7 @@
             </a:r>
           </a:p>
           <a:p>
-            <a:pPr marL="571500" indent="-571500">
+            <a:pPr marL="571500" indent="-571500" algn="just">
               <a:lnSpc>
                 <a:spcPct val="115000"/>
               </a:lnSpc>
@@ -3515,7 +3524,7 @@
             </a:r>
           </a:p>
           <a:p>
-            <a:pPr>
+            <a:pPr algn="just">
               <a:lnSpc>
                 <a:spcPct val="115000"/>
               </a:lnSpc>
@@ -3671,7 +3680,7 @@
         </p:blipFill>
         <p:spPr>
           <a:xfrm>
-            <a:off x="32213207" y="10426617"/>
+            <a:off x="32213207" y="10717564"/>
             <a:ext cx="8154209" cy="13254650"/>
           </a:xfrm>
           <a:prstGeom prst="rect">
@@ -3761,7 +3770,7 @@
         </p:blipFill>
         <p:spPr>
           <a:xfrm>
-            <a:off x="16366971" y="11586891"/>
+            <a:off x="16366971" y="11794711"/>
             <a:ext cx="11296231" cy="4603538"/>
           </a:xfrm>
           <a:prstGeom prst="rect">
@@ -3830,7 +3839,7 @@
         <p:spPr>
           <a:xfrm>
             <a:off x="24118335" y="23962425"/>
-            <a:ext cx="1862764" cy="862063"/>
+            <a:ext cx="2066756" cy="862063"/>
           </a:xfrm>
           <a:prstGeom prst="rect">
             <a:avLst/>
@@ -3885,7 +3894,7 @@
         <p:spPr>
           <a:xfrm>
             <a:off x="18228001" y="23936930"/>
-            <a:ext cx="1653147" cy="862063"/>
+            <a:ext cx="2038098" cy="887558"/>
           </a:xfrm>
           <a:prstGeom prst="rect">
             <a:avLst/>
@@ -3938,7 +3947,7 @@
         </p:blipFill>
         <p:spPr>
           <a:xfrm>
-            <a:off x="22515015" y="25540040"/>
+            <a:off x="22515015" y="25747860"/>
             <a:ext cx="5392260" cy="5514597"/>
           </a:xfrm>
           <a:prstGeom prst="rect">

--- a/doc/thesis-poster/uct_visualisation_poster.pptx
+++ b/doc/thesis-poster/uct_visualisation_poster.pptx
@@ -2364,7 +2364,7 @@
         </p:nvSpPr>
         <p:spPr>
           <a:xfrm>
-            <a:off x="896400" y="5454360"/>
+            <a:off x="916591" y="5454360"/>
             <a:ext cx="13879080" cy="26510040"/>
           </a:xfrm>
           <a:prstGeom prst="rect">
@@ -2783,7 +2783,7 @@
         </p:nvSpPr>
         <p:spPr>
           <a:xfrm>
-            <a:off x="1791360" y="7683840"/>
+            <a:off x="1817025" y="8352377"/>
             <a:ext cx="12180600" cy="12085164"/>
           </a:xfrm>
           <a:prstGeom prst="rect">
@@ -2798,19 +2798,21 @@
           <a:bodyPr tIns="91440" bIns="91440"/>
           <a:lstStyle/>
           <a:p>
-            <a:pPr algn="just">
+            <a:pPr marL="571500" indent="-571500" algn="just">
               <a:lnSpc>
                 <a:spcPct val="115000"/>
               </a:lnSpc>
+              <a:buFont typeface="Arial" panose="020B0604020202020204" pitchFamily="34" charset="0"/>
+              <a:buChar char="•"/>
             </a:pPr>
             <a:r>
-              <a:rPr lang="pl-PL" sz="3600" dirty="0">
+              <a:rPr lang="pl-PL" sz="4100" dirty="0">
                 <a:solidFill>
                   <a:srgbClr val="434343"/>
                 </a:solidFill>
                 <a:latin typeface="Droid Serif"/>
               </a:rPr>
-              <a:t>Celem prezentowanej pracy było przygotowanie systemu umożliwiającego wizualizację drzew stanów generowanych przez algorytm UCT. Krytyczne dla skuteczności tytułowej heurystyki są odpowiednia konstrukcja i trawersowanie generowanych drzew. Wdrożone rozwiązanie wykorzystuje ten algorytm w podejmowaniu decyzji podczas grania w dwie przykładowe gry planszowe. Nacisk położono na przejrzystą wizualizację ukazującą kolejne etapy rozrastania się drzewa.</a:t>
+              <a:t>Przygotowanie systemu umożliwiającego wizualizację  drzew stanów generowanych przez algorytm UCT</a:t>
             </a:r>
           </a:p>
           <a:p>
@@ -2819,7 +2821,7 @@
                 <a:spcPct val="115000"/>
               </a:lnSpc>
             </a:pPr>
-            <a:endParaRPr lang="pl-PL" sz="3600" dirty="0">
+            <a:endParaRPr lang="pl-PL" sz="4100" dirty="0">
               <a:solidFill>
                 <a:srgbClr val="434343"/>
               </a:solidFill>
@@ -2827,28 +2829,32 @@
             </a:endParaRPr>
           </a:p>
           <a:p>
-            <a:pPr algn="just">
+            <a:pPr marL="571500" indent="-571500" algn="just">
               <a:lnSpc>
                 <a:spcPct val="115000"/>
               </a:lnSpc>
+              <a:buFont typeface="Arial" panose="020B0604020202020204" pitchFamily="34" charset="0"/>
+              <a:buChar char="•"/>
             </a:pPr>
             <a:r>
-              <a:rPr lang="pl-PL" sz="3600" dirty="0">
+              <a:rPr lang="pl-PL" sz="4100" dirty="0">
                 <a:solidFill>
                   <a:srgbClr val="434343"/>
                 </a:solidFill>
                 <a:latin typeface="Droid Serif"/>
               </a:rPr>
-              <a:t>Aplikacja ma stanowić wygodne narzędzie dla użytkownika zainteresowanego tematyką sztucznej inteligencji w grach logicznych, aby pomóc w głębszym zrozumieniu tego zagadnienia.</a:t>
+              <a:t>Ukazanie procesu decyzyjnego algorytmu podczas grania w gry logiczne</a:t>
             </a:r>
           </a:p>
           <a:p>
-            <a:pPr algn="just">
+            <a:pPr marL="571500" indent="-571500" algn="just">
               <a:lnSpc>
                 <a:spcPct val="115000"/>
               </a:lnSpc>
-            </a:pPr>
-            <a:endParaRPr lang="pl-PL" sz="3600" dirty="0">
+              <a:buFont typeface="Arial" panose="020B0604020202020204" pitchFamily="34" charset="0"/>
+              <a:buChar char="•"/>
+            </a:pPr>
+            <a:endParaRPr lang="pl-PL" sz="4100" dirty="0">
               <a:solidFill>
                 <a:srgbClr val="434343"/>
               </a:solidFill>
@@ -2856,6 +2862,24 @@
             </a:endParaRPr>
           </a:p>
           <a:p>
+            <a:pPr marL="571500" indent="-571500" algn="just">
+              <a:lnSpc>
+                <a:spcPct val="115000"/>
+              </a:lnSpc>
+              <a:buFont typeface="Arial" panose="020B0604020202020204" pitchFamily="34" charset="0"/>
+              <a:buChar char="•"/>
+            </a:pPr>
+            <a:r>
+              <a:rPr lang="pl-PL" sz="4100" dirty="0">
+                <a:solidFill>
+                  <a:srgbClr val="434343"/>
+                </a:solidFill>
+                <a:latin typeface="Droid Serif"/>
+              </a:rPr>
+              <a:t>Stworzenie narzędzia pomagającemu użytkownikowi zainteresowanemu tematyką sztucznej inteligencji w grach logicznych w zrozumieniu tego zagadnienia</a:t>
+            </a:r>
+          </a:p>
+          <a:p>
             <a:pPr algn="just">
               <a:lnSpc>
                 <a:spcPct val="115000"/>
@@ -2867,14 +2891,14 @@
       </p:sp>
       <p:sp>
         <p:nvSpPr>
-          <p:cNvPr id="40" name="CustomShape 9"/>
+          <p:cNvPr id="41" name="CustomShape 9"/>
           <p:cNvSpPr/>
           <p:nvPr/>
         </p:nvSpPr>
         <p:spPr>
           <a:xfrm>
-            <a:off x="1700691" y="17292057"/>
-            <a:ext cx="11623320" cy="1257120"/>
+            <a:off x="29882117" y="25133680"/>
+            <a:ext cx="12100200" cy="1257120"/>
           </a:xfrm>
           <a:prstGeom prst="rect">
             <a:avLst/>
@@ -2899,9 +2923,8 @@
                   <a:srgbClr val="666666"/>
                 </a:solidFill>
                 <a:latin typeface="Oswald"/>
-                <a:ea typeface="Oswald"/>
-              </a:rPr>
-              <a:t>Wizualizacja</a:t>
+              </a:rPr>
+              <a:t>Wykorzystane technologie</a:t>
             </a:r>
             <a:endParaRPr sz="2800" dirty="0"/>
           </a:p>
@@ -2909,14 +2932,14 @@
       </p:sp>
       <p:sp>
         <p:nvSpPr>
-          <p:cNvPr id="41" name="CustomShape 9"/>
+          <p:cNvPr id="76" name="CustomShape 18"/>
           <p:cNvSpPr/>
           <p:nvPr/>
         </p:nvSpPr>
         <p:spPr>
           <a:xfrm>
-            <a:off x="29882117" y="25133680"/>
-            <a:ext cx="12100200" cy="1257120"/>
+            <a:off x="1720682" y="18049235"/>
+            <a:ext cx="12180600" cy="4722821"/>
           </a:xfrm>
           <a:prstGeom prst="rect">
             <a:avLst/>
@@ -2930,63 +2953,24 @@
           <a:bodyPr tIns="91440" bIns="91440"/>
           <a:lstStyle/>
           <a:p>
-            <a:pPr>
+            <a:pPr marL="571500" indent="-571500" algn="just">
               <a:lnSpc>
                 <a:spcPct val="115000"/>
               </a:lnSpc>
+              <a:buFont typeface="Arial" panose="020B0604020202020204" pitchFamily="34" charset="0"/>
+              <a:buChar char="•"/>
             </a:pPr>
             <a:r>
-              <a:rPr lang="pl-PL" sz="7200" b="1" dirty="0">
-                <a:solidFill>
-                  <a:srgbClr val="666666"/>
-                </a:solidFill>
-                <a:latin typeface="Oswald"/>
-              </a:rPr>
-              <a:t>Wykorzystane technologie</a:t>
-            </a:r>
-            <a:endParaRPr sz="2800" dirty="0"/>
-          </a:p>
-        </p:txBody>
-      </p:sp>
-      <p:sp>
-        <p:nvSpPr>
-          <p:cNvPr id="76" name="CustomShape 18"/>
-          <p:cNvSpPr/>
-          <p:nvPr/>
-        </p:nvSpPr>
-        <p:spPr>
-          <a:xfrm>
-            <a:off x="1700691" y="18782623"/>
-            <a:ext cx="12180600" cy="3916192"/>
-          </a:xfrm>
-          <a:prstGeom prst="rect">
-            <a:avLst/>
-          </a:prstGeom>
-          <a:noFill/>
-          <a:ln>
-            <a:noFill/>
-          </a:ln>
-        </p:spPr>
-        <p:txBody>
-          <a:bodyPr tIns="91440" bIns="91440"/>
-          <a:lstStyle/>
-          <a:p>
-            <a:pPr algn="just">
-              <a:lnSpc>
-                <a:spcPct val="115000"/>
-              </a:lnSpc>
-            </a:pPr>
-            <a:r>
-              <a:rPr lang="pl-PL" sz="3600" dirty="0">
+              <a:rPr lang="pl-PL" sz="4100" dirty="0">
                 <a:solidFill>
                   <a:srgbClr val="434343"/>
                 </a:solidFill>
                 <a:latin typeface="Droid Serif"/>
               </a:rPr>
-              <a:t>Prezentowane rozwiązanie wykorzystuje bibliotekę </a:t>
+              <a:t>Wykorzystanie </a:t>
             </a:r>
             <a:r>
-              <a:rPr lang="pl-PL" sz="3600" dirty="0" err="1">
+              <a:rPr lang="pl-PL" sz="4100" dirty="0" err="1">
                 <a:solidFill>
                   <a:srgbClr val="434343"/>
                 </a:solidFill>
@@ -2994,16 +2978,49 @@
               </a:rPr>
               <a:t>OpenGL</a:t>
             </a:r>
+            <a:endParaRPr lang="pl-PL" sz="4100" dirty="0">
+              <a:solidFill>
+                <a:srgbClr val="434343"/>
+              </a:solidFill>
+              <a:latin typeface="Droid Serif"/>
+            </a:endParaRPr>
+          </a:p>
+          <a:p>
+            <a:pPr marL="571500" indent="-571500" algn="just">
+              <a:lnSpc>
+                <a:spcPct val="115000"/>
+              </a:lnSpc>
+              <a:buFont typeface="Arial" panose="020B0604020202020204" pitchFamily="34" charset="0"/>
+              <a:buChar char="•"/>
+            </a:pPr>
             <a:r>
-              <a:rPr lang="pl-PL" sz="3600" dirty="0">
+              <a:rPr lang="pl-PL" sz="4100" dirty="0">
                 <a:solidFill>
                   <a:srgbClr val="434343"/>
                 </a:solidFill>
                 <a:latin typeface="Droid Serif"/>
               </a:rPr>
-              <a:t> w celu sprawnego wyświetlania i animowania procesu tworzenia dużych drzew stanów. Ponadto, aplikacja umożliwia użytkownikowi interaktywne badanie struktury drzewa poprzez możliwość przybliżania, oddalania i poruszania się po wizualizacji.</a:t>
+              <a:t>Animacja rozrostu drzewa</a:t>
             </a:r>
-            <a:endParaRPr sz="3600" dirty="0"/>
+          </a:p>
+          <a:p>
+            <a:pPr marL="571500" indent="-571500" algn="just">
+              <a:lnSpc>
+                <a:spcPct val="115000"/>
+              </a:lnSpc>
+              <a:buFont typeface="Arial" panose="020B0604020202020204" pitchFamily="34" charset="0"/>
+              <a:buChar char="•"/>
+            </a:pPr>
+            <a:r>
+              <a:rPr lang="pl-PL" sz="4100" dirty="0">
+                <a:solidFill>
+                  <a:srgbClr val="434343"/>
+                </a:solidFill>
+                <a:latin typeface="Droid Serif"/>
+              </a:rPr>
+              <a:t>Interaktywność: przybliżanie, oddalanie i poruszanie się po wizualizacji</a:t>
+            </a:r>
+            <a:endParaRPr sz="4100" dirty="0"/>
           </a:p>
         </p:txBody>
       </p:sp>
@@ -3015,7 +3032,7 @@
         </p:nvSpPr>
         <p:spPr>
           <a:xfrm>
-            <a:off x="15690060" y="24911480"/>
+            <a:off x="29588151" y="6133491"/>
             <a:ext cx="11623320" cy="1257120"/>
           </a:xfrm>
           <a:prstGeom prst="rect">
@@ -3369,7 +3386,7 @@
         </p:nvSpPr>
         <p:spPr>
           <a:xfrm>
-            <a:off x="15670440" y="16510531"/>
+            <a:off x="15648300" y="6125095"/>
             <a:ext cx="11623320" cy="1257120"/>
           </a:xfrm>
           <a:prstGeom prst="rect">
@@ -3419,7 +3436,7 @@
         </p:blipFill>
         <p:spPr>
           <a:xfrm>
-            <a:off x="22054877" y="18286814"/>
+            <a:off x="22032737" y="7901378"/>
             <a:ext cx="5715000" cy="5715000"/>
           </a:xfrm>
           <a:prstGeom prst="rect">
@@ -3435,7 +3452,7 @@
         </p:nvSpPr>
         <p:spPr>
           <a:xfrm>
-            <a:off x="15670440" y="26653382"/>
+            <a:off x="29536515" y="7971889"/>
             <a:ext cx="6635775" cy="4488615"/>
           </a:xfrm>
           <a:prstGeom prst="rect">
@@ -3456,23 +3473,14 @@
               </a:lnSpc>
             </a:pPr>
             <a:r>
-              <a:rPr lang="pl-PL" sz="3600" dirty="0" smtClean="0">
+              <a:rPr lang="pl-PL" sz="4100" dirty="0">
                 <a:solidFill>
                   <a:srgbClr val="434343"/>
                 </a:solidFill>
                 <a:latin typeface="Droid Serif"/>
               </a:rPr>
-              <a:t>Stworzony </a:t>
+              <a:t>Dwa formaty zapisu drzew:</a:t>
             </a:r>
-            <a:r>
-              <a:rPr lang="pl-PL" sz="3600" dirty="0">
-                <a:solidFill>
-                  <a:srgbClr val="434343"/>
-                </a:solidFill>
-                <a:latin typeface="Droid Serif"/>
-              </a:rPr>
-              <a:t>system obsługuje dwa formaty zapisu drzew:</a:t>
-            </a:r>
           </a:p>
           <a:p>
             <a:pPr algn="just">
@@ -3480,7 +3488,7 @@
                 <a:spcPct val="115000"/>
               </a:lnSpc>
             </a:pPr>
-            <a:endParaRPr lang="pl-PL" sz="3600" dirty="0">
+            <a:endParaRPr lang="pl-PL" sz="4100" dirty="0">
               <a:solidFill>
                 <a:srgbClr val="434343"/>
               </a:solidFill>
@@ -3496,7 +3504,7 @@
               <a:buChar char="•"/>
             </a:pPr>
             <a:r>
-              <a:rPr lang="pl-PL" sz="3600" dirty="0">
+              <a:rPr lang="pl-PL" sz="4100" dirty="0">
                 <a:solidFill>
                   <a:srgbClr val="434343"/>
                 </a:solidFill>
@@ -3514,7 +3522,7 @@
               <a:buChar char="•"/>
             </a:pPr>
             <a:r>
-              <a:rPr lang="pl-PL" sz="3600" dirty="0">
+              <a:rPr lang="pl-PL" sz="4100" dirty="0">
                 <a:solidFill>
                   <a:srgbClr val="434343"/>
                 </a:solidFill>
@@ -3529,7 +3537,7 @@
                 <a:spcPct val="115000"/>
               </a:lnSpc>
             </a:pPr>
-            <a:endParaRPr sz="3600" dirty="0"/>
+            <a:endParaRPr sz="4000" dirty="0"/>
           </a:p>
         </p:txBody>
       </p:sp>
@@ -3541,7 +3549,7 @@
         </p:nvSpPr>
         <p:spPr>
           <a:xfrm>
-            <a:off x="15670440" y="6166685"/>
+            <a:off x="15628680" y="15202080"/>
             <a:ext cx="11623320" cy="1257120"/>
           </a:xfrm>
           <a:prstGeom prst="rect">
@@ -3583,7 +3591,7 @@
         </p:nvSpPr>
         <p:spPr>
           <a:xfrm>
-            <a:off x="29975357" y="6186166"/>
+            <a:off x="29588151" y="13488458"/>
             <a:ext cx="11623320" cy="1257120"/>
           </a:xfrm>
           <a:prstGeom prst="rect">
@@ -3625,8 +3633,8 @@
         </p:nvSpPr>
         <p:spPr>
           <a:xfrm>
-            <a:off x="29882117" y="7705868"/>
-            <a:ext cx="12180600" cy="2639765"/>
+            <a:off x="29648995" y="15444356"/>
+            <a:ext cx="5750816" cy="8320459"/>
           </a:xfrm>
           <a:prstGeom prst="rect">
             <a:avLst/>
@@ -3646,15 +3654,64 @@
               </a:lnSpc>
             </a:pPr>
             <a:r>
-              <a:rPr lang="pl-PL" sz="3600" dirty="0">
+              <a:rPr lang="pl-PL" sz="4100" dirty="0">
                 <a:solidFill>
                   <a:srgbClr val="434343"/>
                 </a:solidFill>
                 <a:latin typeface="Droid Serif"/>
               </a:rPr>
-              <a:t>Prezentowane rozwiązanie przygotowane jest w formie aplikacji przenośnej. Aplikacja może zostać uruchomiona zarówno na komputerach z systemem operacyjnym Windows jak i Linux.</a:t>
+              <a:t>Przenośna aplikacja, która działa na komputerach z systemami:</a:t>
             </a:r>
-            <a:endParaRPr sz="3600" dirty="0"/>
+          </a:p>
+          <a:p>
+            <a:pPr algn="just">
+              <a:lnSpc>
+                <a:spcPct val="115000"/>
+              </a:lnSpc>
+            </a:pPr>
+            <a:endParaRPr lang="pl-PL" sz="4100" dirty="0">
+              <a:solidFill>
+                <a:srgbClr val="434343"/>
+              </a:solidFill>
+              <a:latin typeface="Droid Serif"/>
+            </a:endParaRPr>
+          </a:p>
+          <a:p>
+            <a:pPr marL="571500" indent="-571500" algn="just">
+              <a:lnSpc>
+                <a:spcPct val="115000"/>
+              </a:lnSpc>
+              <a:buFont typeface="Arial" panose="020B0604020202020204" pitchFamily="34" charset="0"/>
+              <a:buChar char="•"/>
+            </a:pPr>
+            <a:r>
+              <a:rPr lang="pl-PL" sz="4100" dirty="0">
+                <a:solidFill>
+                  <a:srgbClr val="434343"/>
+                </a:solidFill>
+                <a:latin typeface="Droid Serif"/>
+              </a:rPr>
+              <a:t>Windows</a:t>
+            </a:r>
+          </a:p>
+          <a:p>
+            <a:pPr marL="571500" indent="-571500" algn="just">
+              <a:lnSpc>
+                <a:spcPct val="115000"/>
+              </a:lnSpc>
+              <a:buFont typeface="Arial" panose="020B0604020202020204" pitchFamily="34" charset="0"/>
+              <a:buChar char="•"/>
+            </a:pPr>
+            <a:r>
+              <a:rPr lang="pl-PL" sz="4100" dirty="0">
+                <a:solidFill>
+                  <a:srgbClr val="434343"/>
+                </a:solidFill>
+                <a:latin typeface="Droid Serif"/>
+              </a:rPr>
+              <a:t>Linux</a:t>
+            </a:r>
+            <a:endParaRPr sz="4100" dirty="0"/>
           </a:p>
         </p:txBody>
       </p:sp>
@@ -3680,8 +3737,8 @@
         </p:blipFill>
         <p:spPr>
           <a:xfrm>
-            <a:off x="32213207" y="10717564"/>
-            <a:ext cx="8154209" cy="13254650"/>
+            <a:off x="36202285" y="15179481"/>
+            <a:ext cx="5821076" cy="9462147"/>
           </a:xfrm>
           <a:prstGeom prst="rect">
             <a:avLst/>
@@ -3710,8 +3767,8 @@
         </p:blipFill>
         <p:spPr>
           <a:xfrm>
-            <a:off x="4431267" y="23073402"/>
-            <a:ext cx="6892076" cy="6880513"/>
+            <a:off x="3784232" y="21967448"/>
+            <a:ext cx="8244959" cy="8231126"/>
           </a:xfrm>
           <a:prstGeom prst="rect">
             <a:avLst/>
@@ -3740,7 +3797,7 @@
         </p:blipFill>
         <p:spPr>
           <a:xfrm>
-            <a:off x="15935852" y="18231455"/>
+            <a:off x="15913712" y="7846019"/>
             <a:ext cx="5676900" cy="5705475"/>
           </a:xfrm>
           <a:prstGeom prst="rect">
@@ -3770,7 +3827,7 @@
         </p:blipFill>
         <p:spPr>
           <a:xfrm>
-            <a:off x="16366971" y="11794711"/>
+            <a:off x="16321784" y="21250718"/>
             <a:ext cx="11296231" cy="4603538"/>
           </a:xfrm>
           <a:prstGeom prst="rect">
@@ -3792,8 +3849,8 @@
         </p:nvSpPr>
         <p:spPr>
           <a:xfrm>
-            <a:off x="15690060" y="7713414"/>
-            <a:ext cx="12180600" cy="3916192"/>
+            <a:off x="15648300" y="16748808"/>
+            <a:ext cx="12180600" cy="5711557"/>
           </a:xfrm>
           <a:prstGeom prst="rect">
             <a:avLst/>
@@ -3807,19 +3864,75 @@
           <a:bodyPr tIns="91440" bIns="91440"/>
           <a:lstStyle/>
           <a:p>
-            <a:pPr algn="just">
+            <a:pPr marL="571500" indent="-571500" algn="just">
               <a:lnSpc>
                 <a:spcPct val="115000"/>
               </a:lnSpc>
+              <a:buFont typeface="Arial" panose="020B0604020202020204" pitchFamily="34" charset="0"/>
+              <a:buChar char="•"/>
             </a:pPr>
             <a:r>
-              <a:rPr lang="pl-PL" sz="3600" dirty="0">
+              <a:rPr lang="pl-PL" sz="4100" dirty="0">
                 <a:solidFill>
                   <a:srgbClr val="434343"/>
                 </a:solidFill>
                 <a:latin typeface="Droid Serif"/>
               </a:rPr>
-              <a:t>Odpowiada za iteracyjne tworzenie drzewa stanów i przeszukiwanie go w celu wyznaczenia najbardziej korzystnego ruchu. Ewaluacja wartości danego ruchu jest dokonywana z użyciem funkcji wypłaty. Użytkownik ma możliwość zmiany liczby iteracji algorytmu albo ograniczenie czasowe jego działania. </a:t>
+              <a:t>Iteracyjne tworzenie drzewa stanów</a:t>
+            </a:r>
+          </a:p>
+          <a:p>
+            <a:pPr marL="571500" indent="-571500" algn="just">
+              <a:lnSpc>
+                <a:spcPct val="115000"/>
+              </a:lnSpc>
+              <a:buFont typeface="Arial" panose="020B0604020202020204" pitchFamily="34" charset="0"/>
+              <a:buChar char="•"/>
+            </a:pPr>
+            <a:r>
+              <a:rPr lang="pl-PL" sz="4100" dirty="0">
+                <a:solidFill>
+                  <a:srgbClr val="434343"/>
+                </a:solidFill>
+                <a:latin typeface="Droid Serif"/>
+              </a:rPr>
+              <a:t>Wyznaczanie najbardziej korzystnego ruchu</a:t>
+            </a:r>
+          </a:p>
+          <a:p>
+            <a:pPr marL="571500" indent="-571500" algn="just">
+              <a:lnSpc>
+                <a:spcPct val="115000"/>
+              </a:lnSpc>
+              <a:buFont typeface="Arial" panose="020B0604020202020204" pitchFamily="34" charset="0"/>
+              <a:buChar char="•"/>
+            </a:pPr>
+            <a:r>
+              <a:rPr lang="pl-PL" sz="4100" dirty="0">
+                <a:solidFill>
+                  <a:srgbClr val="434343"/>
+                </a:solidFill>
+                <a:latin typeface="Droid Serif"/>
+              </a:rPr>
+              <a:t>Ewaluacja wartości danego ruchu — funkcja wypłaty</a:t>
+            </a:r>
+          </a:p>
+          <a:p>
+            <a:pPr marL="571500" indent="-571500" algn="just">
+              <a:lnSpc>
+                <a:spcPct val="115000"/>
+              </a:lnSpc>
+              <a:buFont typeface="Arial" panose="020B0604020202020204" pitchFamily="34" charset="0"/>
+              <a:buChar char="•"/>
+            </a:pPr>
+            <a:r>
+              <a:rPr lang="pl-PL" sz="4100" dirty="0">
+                <a:solidFill>
+                  <a:srgbClr val="434343"/>
+                </a:solidFill>
+                <a:latin typeface="Droid Serif"/>
+              </a:rPr>
+              <a:t>Ustawienie liczby iteracji algorytmu lub ograniczenie czasowe jego działania</a:t>
             </a:r>
           </a:p>
         </p:txBody>
@@ -3838,7 +3951,7 @@
         </p:nvSpPr>
         <p:spPr>
           <a:xfrm>
-            <a:off x="24118335" y="23962425"/>
+            <a:off x="24008042" y="13638676"/>
             <a:ext cx="2066756" cy="862063"/>
           </a:xfrm>
           <a:prstGeom prst="rect">
@@ -3859,7 +3972,7 @@
               </a:lnSpc>
             </a:pPr>
             <a:r>
-              <a:rPr lang="pl-PL" sz="3600" dirty="0" err="1">
+              <a:rPr lang="pl-PL" sz="4100" dirty="0" err="1">
                 <a:solidFill>
                   <a:srgbClr val="434343"/>
                 </a:solidFill>
@@ -3868,7 +3981,7 @@
               <a:t>Mankala</a:t>
             </a:r>
             <a:r>
-              <a:rPr lang="pl-PL" sz="3600" dirty="0">
+              <a:rPr lang="pl-PL" sz="4100" dirty="0">
                 <a:solidFill>
                   <a:srgbClr val="434343"/>
                 </a:solidFill>
@@ -3893,7 +4006,7 @@
         </p:nvSpPr>
         <p:spPr>
           <a:xfrm>
-            <a:off x="18228001" y="23936930"/>
+            <a:off x="18114421" y="13638676"/>
             <a:ext cx="2038098" cy="887558"/>
           </a:xfrm>
           <a:prstGeom prst="rect">
@@ -3914,7 +4027,7 @@
               </a:lnSpc>
             </a:pPr>
             <a:r>
-              <a:rPr lang="pl-PL" sz="3600" dirty="0">
+              <a:rPr lang="pl-PL" sz="4100" dirty="0">
                 <a:solidFill>
                   <a:srgbClr val="434343"/>
                 </a:solidFill>
@@ -3947,8 +4060,134 @@
         </p:blipFill>
         <p:spPr>
           <a:xfrm>
-            <a:off x="22515015" y="25747860"/>
-            <a:ext cx="5392260" cy="5514597"/>
+            <a:off x="36707985" y="7630404"/>
+            <a:ext cx="5177750" cy="5295220"/>
+          </a:xfrm>
+          <a:prstGeom prst="rect">
+            <a:avLst/>
+          </a:prstGeom>
+        </p:spPr>
+      </p:pic>
+      <p:sp>
+        <p:nvSpPr>
+          <p:cNvPr id="59" name="CustomShape 9">
+            <a:extLst>
+              <a:ext uri="{FF2B5EF4-FFF2-40B4-BE49-F238E27FC236}">
+                <a16:creationId xmlns:a16="http://schemas.microsoft.com/office/drawing/2014/main" id="{972E8680-F26E-496B-978D-5BF82464A15C}"/>
+              </a:ext>
+            </a:extLst>
+          </p:cNvPr>
+          <p:cNvSpPr/>
+          <p:nvPr/>
+        </p:nvSpPr>
+        <p:spPr>
+          <a:xfrm>
+            <a:off x="1789562" y="16429350"/>
+            <a:ext cx="11623320" cy="1257120"/>
+          </a:xfrm>
+          <a:prstGeom prst="rect">
+            <a:avLst/>
+          </a:prstGeom>
+          <a:noFill/>
+          <a:ln>
+            <a:noFill/>
+          </a:ln>
+        </p:spPr>
+        <p:txBody>
+          <a:bodyPr tIns="91440" bIns="91440"/>
+          <a:lstStyle/>
+          <a:p>
+            <a:pPr>
+              <a:lnSpc>
+                <a:spcPct val="115000"/>
+              </a:lnSpc>
+            </a:pPr>
+            <a:r>
+              <a:rPr lang="pl-PL" sz="7200" b="1" dirty="0">
+                <a:solidFill>
+                  <a:srgbClr val="666666"/>
+                </a:solidFill>
+                <a:latin typeface="Oswald"/>
+                <a:ea typeface="Oswald"/>
+              </a:rPr>
+              <a:t>Wizualizacja</a:t>
+            </a:r>
+            <a:endParaRPr sz="2800" dirty="0"/>
+          </a:p>
+        </p:txBody>
+      </p:sp>
+      <p:pic>
+        <p:nvPicPr>
+          <p:cNvPr id="5" name="Grafika 4">
+            <a:extLst>
+              <a:ext uri="{FF2B5EF4-FFF2-40B4-BE49-F238E27FC236}">
+                <a16:creationId xmlns:a16="http://schemas.microsoft.com/office/drawing/2014/main" id="{68316A81-2ECE-43B5-910F-F37529D53F7F}"/>
+              </a:ext>
+            </a:extLst>
+          </p:cNvPr>
+          <p:cNvPicPr>
+            <a:picLocks noChangeAspect="1"/>
+          </p:cNvPicPr>
+          <p:nvPr/>
+        </p:nvPicPr>
+        <p:blipFill>
+          <a:blip r:embed="rId16">
+            <a:extLst>
+              <a:ext uri="{28A0092B-C50C-407E-A947-70E740481C1C}">
+                <a14:useLocalDpi xmlns:a14="http://schemas.microsoft.com/office/drawing/2010/main" val="0"/>
+              </a:ext>
+              <a:ext uri="{96DAC541-7B7A-43D3-8B79-37D633B846F1}">
+                <asvg:svgBlip xmlns:asvg="http://schemas.microsoft.com/office/drawing/2016/SVG/main" r:embed="rId17"/>
+              </a:ext>
+            </a:extLst>
+          </a:blip>
+          <a:stretch>
+            <a:fillRect/>
+          </a:stretch>
+        </p:blipFill>
+        <p:spPr>
+          <a:xfrm>
+            <a:off x="21835071" y="26576437"/>
+            <a:ext cx="6267450" cy="3629025"/>
+          </a:xfrm>
+          <a:prstGeom prst="rect">
+            <a:avLst/>
+          </a:prstGeom>
+        </p:spPr>
+      </p:pic>
+      <p:pic>
+        <p:nvPicPr>
+          <p:cNvPr id="8" name="Grafika 7">
+            <a:extLst>
+              <a:ext uri="{FF2B5EF4-FFF2-40B4-BE49-F238E27FC236}">
+                <a16:creationId xmlns:a16="http://schemas.microsoft.com/office/drawing/2014/main" id="{7A8D67E6-58A8-4705-AC5D-98CA19B58A93}"/>
+              </a:ext>
+            </a:extLst>
+          </p:cNvPr>
+          <p:cNvPicPr>
+            <a:picLocks noChangeAspect="1"/>
+          </p:cNvPicPr>
+          <p:nvPr/>
+        </p:nvPicPr>
+        <p:blipFill>
+          <a:blip r:embed="rId18">
+            <a:extLst>
+              <a:ext uri="{28A0092B-C50C-407E-A947-70E740481C1C}">
+                <a14:useLocalDpi xmlns:a14="http://schemas.microsoft.com/office/drawing/2010/main" val="0"/>
+              </a:ext>
+              <a:ext uri="{96DAC541-7B7A-43D3-8B79-37D633B846F1}">
+                <asvg:svgBlip xmlns:asvg="http://schemas.microsoft.com/office/drawing/2016/SVG/main" r:embed="rId19"/>
+              </a:ext>
+            </a:extLst>
+          </a:blip>
+          <a:stretch>
+            <a:fillRect/>
+          </a:stretch>
+        </p:blipFill>
+        <p:spPr>
+          <a:xfrm>
+            <a:off x="15694660" y="26566912"/>
+            <a:ext cx="6276975" cy="3638550"/>
           </a:xfrm>
           <a:prstGeom prst="rect">
             <a:avLst/>

--- a/doc/thesis-poster/uct_visualisation_poster.pptx
+++ b/doc/thesis-poster/uct_visualisation_poster.pptx
@@ -2342,7 +2342,7 @@
         </p:nvSpPr>
         <p:spPr>
           <a:xfrm>
-            <a:off x="15032160" y="5454360"/>
+            <a:off x="14973113" y="5445042"/>
             <a:ext cx="13879080" cy="26510040"/>
           </a:xfrm>
           <a:prstGeom prst="rect">
@@ -2364,7 +2364,7 @@
         </p:nvSpPr>
         <p:spPr>
           <a:xfrm>
-            <a:off x="916591" y="5454360"/>
+            <a:off x="871239" y="5445042"/>
             <a:ext cx="13879080" cy="26510040"/>
           </a:xfrm>
           <a:prstGeom prst="rect">
@@ -2612,7 +2612,7 @@
         </p:nvSpPr>
         <p:spPr>
           <a:xfrm>
-            <a:off x="896400" y="31573800"/>
+            <a:off x="871239" y="31583439"/>
             <a:ext cx="13879080" cy="390960"/>
           </a:xfrm>
           <a:prstGeom prst="rect">
@@ -2634,7 +2634,7 @@
         </p:nvSpPr>
         <p:spPr>
           <a:xfrm>
-            <a:off x="15030360" y="31573800"/>
+            <a:off x="14983059" y="31582463"/>
             <a:ext cx="13879080" cy="390960"/>
           </a:xfrm>
           <a:prstGeom prst="rect">
@@ -2741,7 +2741,7 @@
         </p:nvSpPr>
         <p:spPr>
           <a:xfrm>
-            <a:off x="1791360" y="6166685"/>
+            <a:off x="3977229" y="12963896"/>
             <a:ext cx="11623320" cy="1257120"/>
           </a:xfrm>
           <a:prstGeom prst="rect">
@@ -2769,7 +2769,7 @@
                 <a:latin typeface="Oswald"/>
                 <a:ea typeface="Oswald"/>
               </a:rPr>
-              <a:t>Cel pracy</a:t>
+              <a:t>Sztuczna inteligencja</a:t>
             </a:r>
             <a:endParaRPr sz="2800" dirty="0"/>
           </a:p>
@@ -2777,127 +2777,13 @@
       </p:sp>
       <p:sp>
         <p:nvSpPr>
-          <p:cNvPr id="39" name="CustomShape 18"/>
-          <p:cNvSpPr/>
-          <p:nvPr/>
-        </p:nvSpPr>
-        <p:spPr>
-          <a:xfrm>
-            <a:off x="1817025" y="8352377"/>
-            <a:ext cx="12180600" cy="12085164"/>
-          </a:xfrm>
-          <a:prstGeom prst="rect">
-            <a:avLst/>
-          </a:prstGeom>
-          <a:noFill/>
-          <a:ln>
-            <a:noFill/>
-          </a:ln>
-        </p:spPr>
-        <p:txBody>
-          <a:bodyPr tIns="91440" bIns="91440"/>
-          <a:lstStyle/>
-          <a:p>
-            <a:pPr marL="571500" indent="-571500" algn="just">
-              <a:lnSpc>
-                <a:spcPct val="115000"/>
-              </a:lnSpc>
-              <a:buFont typeface="Arial" panose="020B0604020202020204" pitchFamily="34" charset="0"/>
-              <a:buChar char="•"/>
-            </a:pPr>
-            <a:r>
-              <a:rPr lang="pl-PL" sz="4100" dirty="0">
-                <a:solidFill>
-                  <a:srgbClr val="434343"/>
-                </a:solidFill>
-                <a:latin typeface="Droid Serif"/>
-              </a:rPr>
-              <a:t>Przygotowanie systemu umożliwiającego wizualizację  drzew stanów generowanych przez algorytm UCT</a:t>
-            </a:r>
-          </a:p>
-          <a:p>
-            <a:pPr algn="just">
-              <a:lnSpc>
-                <a:spcPct val="115000"/>
-              </a:lnSpc>
-            </a:pPr>
-            <a:endParaRPr lang="pl-PL" sz="4100" dirty="0">
-              <a:solidFill>
-                <a:srgbClr val="434343"/>
-              </a:solidFill>
-              <a:latin typeface="Droid Serif"/>
-            </a:endParaRPr>
-          </a:p>
-          <a:p>
-            <a:pPr marL="571500" indent="-571500" algn="just">
-              <a:lnSpc>
-                <a:spcPct val="115000"/>
-              </a:lnSpc>
-              <a:buFont typeface="Arial" panose="020B0604020202020204" pitchFamily="34" charset="0"/>
-              <a:buChar char="•"/>
-            </a:pPr>
-            <a:r>
-              <a:rPr lang="pl-PL" sz="4100" dirty="0">
-                <a:solidFill>
-                  <a:srgbClr val="434343"/>
-                </a:solidFill>
-                <a:latin typeface="Droid Serif"/>
-              </a:rPr>
-              <a:t>Ukazanie procesu decyzyjnego algorytmu podczas grania w gry logiczne</a:t>
-            </a:r>
-          </a:p>
-          <a:p>
-            <a:pPr marL="571500" indent="-571500" algn="just">
-              <a:lnSpc>
-                <a:spcPct val="115000"/>
-              </a:lnSpc>
-              <a:buFont typeface="Arial" panose="020B0604020202020204" pitchFamily="34" charset="0"/>
-              <a:buChar char="•"/>
-            </a:pPr>
-            <a:endParaRPr lang="pl-PL" sz="4100" dirty="0">
-              <a:solidFill>
-                <a:srgbClr val="434343"/>
-              </a:solidFill>
-              <a:latin typeface="Droid Serif"/>
-            </a:endParaRPr>
-          </a:p>
-          <a:p>
-            <a:pPr marL="571500" indent="-571500" algn="just">
-              <a:lnSpc>
-                <a:spcPct val="115000"/>
-              </a:lnSpc>
-              <a:buFont typeface="Arial" panose="020B0604020202020204" pitchFamily="34" charset="0"/>
-              <a:buChar char="•"/>
-            </a:pPr>
-            <a:r>
-              <a:rPr lang="pl-PL" sz="4100" dirty="0">
-                <a:solidFill>
-                  <a:srgbClr val="434343"/>
-                </a:solidFill>
-                <a:latin typeface="Droid Serif"/>
-              </a:rPr>
-              <a:t>Stworzenie narzędzia pomagającemu użytkownikowi zainteresowanemu tematyką sztucznej inteligencji w grach logicznych w zrozumieniu tego zagadnienia</a:t>
-            </a:r>
-          </a:p>
-          <a:p>
-            <a:pPr algn="just">
-              <a:lnSpc>
-                <a:spcPct val="115000"/>
-              </a:lnSpc>
-            </a:pPr>
-            <a:endParaRPr sz="3600" dirty="0"/>
-          </a:p>
-        </p:txBody>
-      </p:sp>
-      <p:sp>
-        <p:nvSpPr>
           <p:cNvPr id="41" name="CustomShape 9"/>
           <p:cNvSpPr/>
           <p:nvPr/>
         </p:nvSpPr>
         <p:spPr>
           <a:xfrm>
-            <a:off x="29882117" y="25133680"/>
+            <a:off x="31066752" y="24632777"/>
             <a:ext cx="12100200" cy="1257120"/>
           </a:xfrm>
           <a:prstGeom prst="rect">
@@ -2930,142 +2816,6 @@
           </a:p>
         </p:txBody>
       </p:sp>
-      <p:sp>
-        <p:nvSpPr>
-          <p:cNvPr id="76" name="CustomShape 18"/>
-          <p:cNvSpPr/>
-          <p:nvPr/>
-        </p:nvSpPr>
-        <p:spPr>
-          <a:xfrm>
-            <a:off x="1720682" y="18049235"/>
-            <a:ext cx="12180600" cy="4722821"/>
-          </a:xfrm>
-          <a:prstGeom prst="rect">
-            <a:avLst/>
-          </a:prstGeom>
-          <a:noFill/>
-          <a:ln>
-            <a:noFill/>
-          </a:ln>
-        </p:spPr>
-        <p:txBody>
-          <a:bodyPr tIns="91440" bIns="91440"/>
-          <a:lstStyle/>
-          <a:p>
-            <a:pPr marL="571500" indent="-571500" algn="just">
-              <a:lnSpc>
-                <a:spcPct val="115000"/>
-              </a:lnSpc>
-              <a:buFont typeface="Arial" panose="020B0604020202020204" pitchFamily="34" charset="0"/>
-              <a:buChar char="•"/>
-            </a:pPr>
-            <a:r>
-              <a:rPr lang="pl-PL" sz="4100" dirty="0">
-                <a:solidFill>
-                  <a:srgbClr val="434343"/>
-                </a:solidFill>
-                <a:latin typeface="Droid Serif"/>
-              </a:rPr>
-              <a:t>Wykorzystanie </a:t>
-            </a:r>
-            <a:r>
-              <a:rPr lang="pl-PL" sz="4100" dirty="0" err="1">
-                <a:solidFill>
-                  <a:srgbClr val="434343"/>
-                </a:solidFill>
-                <a:latin typeface="Droid Serif"/>
-              </a:rPr>
-              <a:t>OpenGL</a:t>
-            </a:r>
-            <a:endParaRPr lang="pl-PL" sz="4100" dirty="0">
-              <a:solidFill>
-                <a:srgbClr val="434343"/>
-              </a:solidFill>
-              <a:latin typeface="Droid Serif"/>
-            </a:endParaRPr>
-          </a:p>
-          <a:p>
-            <a:pPr marL="571500" indent="-571500" algn="just">
-              <a:lnSpc>
-                <a:spcPct val="115000"/>
-              </a:lnSpc>
-              <a:buFont typeface="Arial" panose="020B0604020202020204" pitchFamily="34" charset="0"/>
-              <a:buChar char="•"/>
-            </a:pPr>
-            <a:r>
-              <a:rPr lang="pl-PL" sz="4100" dirty="0">
-                <a:solidFill>
-                  <a:srgbClr val="434343"/>
-                </a:solidFill>
-                <a:latin typeface="Droid Serif"/>
-              </a:rPr>
-              <a:t>Animacja rozrostu drzewa</a:t>
-            </a:r>
-          </a:p>
-          <a:p>
-            <a:pPr marL="571500" indent="-571500" algn="just">
-              <a:lnSpc>
-                <a:spcPct val="115000"/>
-              </a:lnSpc>
-              <a:buFont typeface="Arial" panose="020B0604020202020204" pitchFamily="34" charset="0"/>
-              <a:buChar char="•"/>
-            </a:pPr>
-            <a:r>
-              <a:rPr lang="pl-PL" sz="4100" dirty="0">
-                <a:solidFill>
-                  <a:srgbClr val="434343"/>
-                </a:solidFill>
-                <a:latin typeface="Droid Serif"/>
-              </a:rPr>
-              <a:t>Interaktywność: przybliżanie, oddalanie i poruszanie się po wizualizacji</a:t>
-            </a:r>
-            <a:endParaRPr sz="4100" dirty="0"/>
-          </a:p>
-        </p:txBody>
-      </p:sp>
-      <p:sp>
-        <p:nvSpPr>
-          <p:cNvPr id="77" name="CustomShape 9"/>
-          <p:cNvSpPr/>
-          <p:nvPr/>
-        </p:nvSpPr>
-        <p:spPr>
-          <a:xfrm>
-            <a:off x="29588151" y="6133491"/>
-            <a:ext cx="11623320" cy="1257120"/>
-          </a:xfrm>
-          <a:prstGeom prst="rect">
-            <a:avLst/>
-          </a:prstGeom>
-          <a:noFill/>
-          <a:ln>
-            <a:noFill/>
-          </a:ln>
-        </p:spPr>
-        <p:txBody>
-          <a:bodyPr tIns="91440" bIns="91440"/>
-          <a:lstStyle/>
-          <a:p>
-            <a:pPr>
-              <a:lnSpc>
-                <a:spcPct val="115000"/>
-              </a:lnSpc>
-            </a:pPr>
-            <a:r>
-              <a:rPr lang="pl-PL" sz="7200" b="1" dirty="0">
-                <a:solidFill>
-                  <a:srgbClr val="666666"/>
-                </a:solidFill>
-                <a:latin typeface="Oswald"/>
-                <a:ea typeface="Oswald"/>
-              </a:rPr>
-              <a:t>Serializacja</a:t>
-            </a:r>
-            <a:endParaRPr sz="2800" dirty="0"/>
-          </a:p>
-        </p:txBody>
-      </p:sp>
       <p:pic>
         <p:nvPicPr>
           <p:cNvPr id="78" name="Picture 4" descr="Znalezione obrazy dla zapytania python">
@@ -3386,7 +3136,7 @@
         </p:nvSpPr>
         <p:spPr>
           <a:xfrm>
-            <a:off x="15648300" y="6125095"/>
+            <a:off x="19443432" y="6126456"/>
             <a:ext cx="11623320" cy="1257120"/>
           </a:xfrm>
           <a:prstGeom prst="rect">
@@ -3446,110 +3196,13 @@
       </p:pic>
       <p:sp>
         <p:nvSpPr>
-          <p:cNvPr id="84" name="CustomShape 18"/>
-          <p:cNvSpPr/>
-          <p:nvPr/>
-        </p:nvSpPr>
-        <p:spPr>
-          <a:xfrm>
-            <a:off x="29536515" y="7971889"/>
-            <a:ext cx="6635775" cy="4488615"/>
-          </a:xfrm>
-          <a:prstGeom prst="rect">
-            <a:avLst/>
-          </a:prstGeom>
-          <a:noFill/>
-          <a:ln>
-            <a:noFill/>
-          </a:ln>
-        </p:spPr>
-        <p:txBody>
-          <a:bodyPr tIns="91440" bIns="91440"/>
-          <a:lstStyle/>
-          <a:p>
-            <a:pPr algn="just">
-              <a:lnSpc>
-                <a:spcPct val="115000"/>
-              </a:lnSpc>
-            </a:pPr>
-            <a:r>
-              <a:rPr lang="pl-PL" sz="4100" dirty="0">
-                <a:solidFill>
-                  <a:srgbClr val="434343"/>
-                </a:solidFill>
-                <a:latin typeface="Droid Serif"/>
-              </a:rPr>
-              <a:t>Dwa formaty zapisu drzew:</a:t>
-            </a:r>
-          </a:p>
-          <a:p>
-            <a:pPr algn="just">
-              <a:lnSpc>
-                <a:spcPct val="115000"/>
-              </a:lnSpc>
-            </a:pPr>
-            <a:endParaRPr lang="pl-PL" sz="4100" dirty="0">
-              <a:solidFill>
-                <a:srgbClr val="434343"/>
-              </a:solidFill>
-              <a:latin typeface="Droid Serif"/>
-            </a:endParaRPr>
-          </a:p>
-          <a:p>
-            <a:pPr marL="571500" indent="-571500" algn="just">
-              <a:lnSpc>
-                <a:spcPct val="115000"/>
-              </a:lnSpc>
-              <a:buFont typeface="Arial" panose="020B0604020202020204" pitchFamily="34" charset="0"/>
-              <a:buChar char="•"/>
-            </a:pPr>
-            <a:r>
-              <a:rPr lang="pl-PL" sz="4100" dirty="0">
-                <a:solidFill>
-                  <a:srgbClr val="434343"/>
-                </a:solidFill>
-                <a:latin typeface="Droid Serif"/>
-              </a:rPr>
-              <a:t>CSV</a:t>
-            </a:r>
-          </a:p>
-          <a:p>
-            <a:pPr marL="571500" indent="-571500" algn="just">
-              <a:lnSpc>
-                <a:spcPct val="115000"/>
-              </a:lnSpc>
-              <a:buFont typeface="Arial" panose="020B0604020202020204" pitchFamily="34" charset="0"/>
-              <a:buChar char="•"/>
-            </a:pPr>
-            <a:r>
-              <a:rPr lang="pl-PL" sz="4100" dirty="0">
-                <a:solidFill>
-                  <a:srgbClr val="434343"/>
-                </a:solidFill>
-                <a:latin typeface="Droid Serif"/>
-              </a:rPr>
-              <a:t>Binarny</a:t>
-            </a:r>
-          </a:p>
-          <a:p>
-            <a:pPr algn="just">
-              <a:lnSpc>
-                <a:spcPct val="115000"/>
-              </a:lnSpc>
-            </a:pPr>
-            <a:endParaRPr sz="4000" dirty="0"/>
-          </a:p>
-        </p:txBody>
-      </p:sp>
-      <p:sp>
-        <p:nvSpPr>
           <p:cNvPr id="85" name="CustomShape 9"/>
           <p:cNvSpPr/>
           <p:nvPr/>
         </p:nvSpPr>
         <p:spPr>
           <a:xfrm>
-            <a:off x="15628680" y="15202080"/>
+            <a:off x="5107757" y="6361211"/>
             <a:ext cx="11623320" cy="1257120"/>
           </a:xfrm>
           <a:prstGeom prst="rect">
@@ -3577,7 +3230,7 @@
                 <a:latin typeface="Oswald"/>
                 <a:ea typeface="Oswald"/>
               </a:rPr>
-              <a:t>Algorytm</a:t>
+              <a:t>Algorytm UCT</a:t>
             </a:r>
             <a:endParaRPr sz="2800" dirty="0"/>
           </a:p>
@@ -3591,7 +3244,7 @@
         </p:nvSpPr>
         <p:spPr>
           <a:xfrm>
-            <a:off x="29588151" y="13488458"/>
+            <a:off x="32262240" y="17508394"/>
             <a:ext cx="11623320" cy="1257120"/>
           </a:xfrm>
           <a:prstGeom prst="rect">
@@ -3653,64 +3306,6 @@
                 <a:spcPct val="115000"/>
               </a:lnSpc>
             </a:pPr>
-            <a:r>
-              <a:rPr lang="pl-PL" sz="4100" dirty="0">
-                <a:solidFill>
-                  <a:srgbClr val="434343"/>
-                </a:solidFill>
-                <a:latin typeface="Droid Serif"/>
-              </a:rPr>
-              <a:t>Przenośna aplikacja, która działa na komputerach z systemami:</a:t>
-            </a:r>
-          </a:p>
-          <a:p>
-            <a:pPr algn="just">
-              <a:lnSpc>
-                <a:spcPct val="115000"/>
-              </a:lnSpc>
-            </a:pPr>
-            <a:endParaRPr lang="pl-PL" sz="4100" dirty="0">
-              <a:solidFill>
-                <a:srgbClr val="434343"/>
-              </a:solidFill>
-              <a:latin typeface="Droid Serif"/>
-            </a:endParaRPr>
-          </a:p>
-          <a:p>
-            <a:pPr marL="571500" indent="-571500" algn="just">
-              <a:lnSpc>
-                <a:spcPct val="115000"/>
-              </a:lnSpc>
-              <a:buFont typeface="Arial" panose="020B0604020202020204" pitchFamily="34" charset="0"/>
-              <a:buChar char="•"/>
-            </a:pPr>
-            <a:r>
-              <a:rPr lang="pl-PL" sz="4100" dirty="0">
-                <a:solidFill>
-                  <a:srgbClr val="434343"/>
-                </a:solidFill>
-                <a:latin typeface="Droid Serif"/>
-              </a:rPr>
-              <a:t>Windows</a:t>
-            </a:r>
-          </a:p>
-          <a:p>
-            <a:pPr marL="571500" indent="-571500" algn="just">
-              <a:lnSpc>
-                <a:spcPct val="115000"/>
-              </a:lnSpc>
-              <a:buFont typeface="Arial" panose="020B0604020202020204" pitchFamily="34" charset="0"/>
-              <a:buChar char="•"/>
-            </a:pPr>
-            <a:r>
-              <a:rPr lang="pl-PL" sz="4100" dirty="0">
-                <a:solidFill>
-                  <a:srgbClr val="434343"/>
-                </a:solidFill>
-                <a:latin typeface="Droid Serif"/>
-              </a:rPr>
-              <a:t>Linux</a:t>
-            </a:r>
             <a:endParaRPr sz="4100" dirty="0"/>
           </a:p>
         </p:txBody>
@@ -3737,8 +3332,8 @@
         </p:blipFill>
         <p:spPr>
           <a:xfrm>
-            <a:off x="36202285" y="15179481"/>
-            <a:ext cx="5821076" cy="9462147"/>
+            <a:off x="33379750" y="7883168"/>
+            <a:ext cx="5636254" cy="9161719"/>
           </a:xfrm>
           <a:prstGeom prst="rect">
             <a:avLst/>
@@ -3767,8 +3362,8 @@
         </p:blipFill>
         <p:spPr>
           <a:xfrm>
-            <a:off x="3784232" y="21967448"/>
-            <a:ext cx="8244959" cy="8231126"/>
+            <a:off x="1759412" y="25481410"/>
+            <a:ext cx="5695981" cy="5686425"/>
           </a:xfrm>
           <a:prstGeom prst="rect">
             <a:avLst/>
@@ -3827,241 +3422,8 @@
         </p:blipFill>
         <p:spPr>
           <a:xfrm>
-            <a:off x="16321784" y="21250718"/>
+            <a:off x="1791360" y="8089486"/>
             <a:ext cx="11296231" cy="4603538"/>
-          </a:xfrm>
-          <a:prstGeom prst="rect">
-            <a:avLst/>
-          </a:prstGeom>
-        </p:spPr>
-      </p:pic>
-      <p:sp>
-        <p:nvSpPr>
-          <p:cNvPr id="50" name="CustomShape 18">
-            <a:extLst>
-              <a:ext uri="{FF2B5EF4-FFF2-40B4-BE49-F238E27FC236}">
-                <a16:creationId xmlns:a16="http://schemas.microsoft.com/office/drawing/2014/main" id="{6285388E-411D-42E0-AB32-92818C3B446A}"/>
-              </a:ext>
-            </a:extLst>
-          </p:cNvPr>
-          <p:cNvSpPr/>
-          <p:nvPr/>
-        </p:nvSpPr>
-        <p:spPr>
-          <a:xfrm>
-            <a:off x="15648300" y="16748808"/>
-            <a:ext cx="12180600" cy="5711557"/>
-          </a:xfrm>
-          <a:prstGeom prst="rect">
-            <a:avLst/>
-          </a:prstGeom>
-          <a:noFill/>
-          <a:ln>
-            <a:noFill/>
-          </a:ln>
-        </p:spPr>
-        <p:txBody>
-          <a:bodyPr tIns="91440" bIns="91440"/>
-          <a:lstStyle/>
-          <a:p>
-            <a:pPr marL="571500" indent="-571500" algn="just">
-              <a:lnSpc>
-                <a:spcPct val="115000"/>
-              </a:lnSpc>
-              <a:buFont typeface="Arial" panose="020B0604020202020204" pitchFamily="34" charset="0"/>
-              <a:buChar char="•"/>
-            </a:pPr>
-            <a:r>
-              <a:rPr lang="pl-PL" sz="4100" dirty="0">
-                <a:solidFill>
-                  <a:srgbClr val="434343"/>
-                </a:solidFill>
-                <a:latin typeface="Droid Serif"/>
-              </a:rPr>
-              <a:t>Iteracyjne tworzenie drzewa stanów</a:t>
-            </a:r>
-          </a:p>
-          <a:p>
-            <a:pPr marL="571500" indent="-571500" algn="just">
-              <a:lnSpc>
-                <a:spcPct val="115000"/>
-              </a:lnSpc>
-              <a:buFont typeface="Arial" panose="020B0604020202020204" pitchFamily="34" charset="0"/>
-              <a:buChar char="•"/>
-            </a:pPr>
-            <a:r>
-              <a:rPr lang="pl-PL" sz="4100" dirty="0">
-                <a:solidFill>
-                  <a:srgbClr val="434343"/>
-                </a:solidFill>
-                <a:latin typeface="Droid Serif"/>
-              </a:rPr>
-              <a:t>Wyznaczanie najbardziej korzystnego ruchu</a:t>
-            </a:r>
-          </a:p>
-          <a:p>
-            <a:pPr marL="571500" indent="-571500" algn="just">
-              <a:lnSpc>
-                <a:spcPct val="115000"/>
-              </a:lnSpc>
-              <a:buFont typeface="Arial" panose="020B0604020202020204" pitchFamily="34" charset="0"/>
-              <a:buChar char="•"/>
-            </a:pPr>
-            <a:r>
-              <a:rPr lang="pl-PL" sz="4100" dirty="0">
-                <a:solidFill>
-                  <a:srgbClr val="434343"/>
-                </a:solidFill>
-                <a:latin typeface="Droid Serif"/>
-              </a:rPr>
-              <a:t>Ewaluacja wartości danego ruchu — funkcja wypłaty</a:t>
-            </a:r>
-          </a:p>
-          <a:p>
-            <a:pPr marL="571500" indent="-571500" algn="just">
-              <a:lnSpc>
-                <a:spcPct val="115000"/>
-              </a:lnSpc>
-              <a:buFont typeface="Arial" panose="020B0604020202020204" pitchFamily="34" charset="0"/>
-              <a:buChar char="•"/>
-            </a:pPr>
-            <a:r>
-              <a:rPr lang="pl-PL" sz="4100" dirty="0">
-                <a:solidFill>
-                  <a:srgbClr val="434343"/>
-                </a:solidFill>
-                <a:latin typeface="Droid Serif"/>
-              </a:rPr>
-              <a:t>Ustawienie liczby iteracji algorytmu lub ograniczenie czasowe jego działania</a:t>
-            </a:r>
-          </a:p>
-        </p:txBody>
-      </p:sp>
-      <p:sp>
-        <p:nvSpPr>
-          <p:cNvPr id="54" name="CustomShape 18">
-            <a:extLst>
-              <a:ext uri="{FF2B5EF4-FFF2-40B4-BE49-F238E27FC236}">
-                <a16:creationId xmlns:a16="http://schemas.microsoft.com/office/drawing/2014/main" id="{4AB37410-71D9-410F-A16F-19E4B6509EC3}"/>
-              </a:ext>
-            </a:extLst>
-          </p:cNvPr>
-          <p:cNvSpPr/>
-          <p:nvPr/>
-        </p:nvSpPr>
-        <p:spPr>
-          <a:xfrm>
-            <a:off x="24008042" y="13638676"/>
-            <a:ext cx="2066756" cy="862063"/>
-          </a:xfrm>
-          <a:prstGeom prst="rect">
-            <a:avLst/>
-          </a:prstGeom>
-          <a:noFill/>
-          <a:ln>
-            <a:noFill/>
-          </a:ln>
-        </p:spPr>
-        <p:txBody>
-          <a:bodyPr tIns="91440" bIns="91440"/>
-          <a:lstStyle/>
-          <a:p>
-            <a:pPr algn="just">
-              <a:lnSpc>
-                <a:spcPct val="115000"/>
-              </a:lnSpc>
-            </a:pPr>
-            <a:r>
-              <a:rPr lang="pl-PL" sz="4100" dirty="0" err="1">
-                <a:solidFill>
-                  <a:srgbClr val="434343"/>
-                </a:solidFill>
-                <a:latin typeface="Droid Serif"/>
-              </a:rPr>
-              <a:t>Mankala</a:t>
-            </a:r>
-            <a:r>
-              <a:rPr lang="pl-PL" sz="4100" dirty="0">
-                <a:solidFill>
-                  <a:srgbClr val="434343"/>
-                </a:solidFill>
-                <a:latin typeface="Droid Serif"/>
-              </a:rPr>
-              <a:t> </a:t>
-            </a:r>
-          </a:p>
-        </p:txBody>
-      </p:sp>
-      <p:sp>
-        <p:nvSpPr>
-          <p:cNvPr id="55" name="CustomShape 18">
-            <a:extLst>
-              <a:ext uri="{FF2B5EF4-FFF2-40B4-BE49-F238E27FC236}">
-                <a16:creationId xmlns:a16="http://schemas.microsoft.com/office/drawing/2014/main" id="{004809C1-CF08-4F2B-BF55-6173EF6C7FBF}"/>
-              </a:ext>
-            </a:extLst>
-          </p:cNvPr>
-          <p:cNvSpPr/>
-          <p:nvPr/>
-        </p:nvSpPr>
-        <p:spPr>
-          <a:xfrm>
-            <a:off x="18114421" y="13638676"/>
-            <a:ext cx="2038098" cy="887558"/>
-          </a:xfrm>
-          <a:prstGeom prst="rect">
-            <a:avLst/>
-          </a:prstGeom>
-          <a:noFill/>
-          <a:ln>
-            <a:noFill/>
-          </a:ln>
-        </p:spPr>
-        <p:txBody>
-          <a:bodyPr tIns="91440" bIns="91440"/>
-          <a:lstStyle/>
-          <a:p>
-            <a:pPr algn="just">
-              <a:lnSpc>
-                <a:spcPct val="115000"/>
-              </a:lnSpc>
-            </a:pPr>
-            <a:r>
-              <a:rPr lang="pl-PL" sz="4100" dirty="0">
-                <a:solidFill>
-                  <a:srgbClr val="434343"/>
-                </a:solidFill>
-                <a:latin typeface="Droid Serif"/>
-              </a:rPr>
-              <a:t>Szachy </a:t>
-            </a:r>
-          </a:p>
-        </p:txBody>
-      </p:sp>
-      <p:pic>
-        <p:nvPicPr>
-          <p:cNvPr id="15" name="Obraz 14">
-            <a:extLst>
-              <a:ext uri="{FF2B5EF4-FFF2-40B4-BE49-F238E27FC236}">
-                <a16:creationId xmlns:a16="http://schemas.microsoft.com/office/drawing/2014/main" id="{3453F1D5-3219-4036-86D5-BEC4F1C2965B}"/>
-              </a:ext>
-            </a:extLst>
-          </p:cNvPr>
-          <p:cNvPicPr>
-            <a:picLocks noChangeAspect="1"/>
-          </p:cNvPicPr>
-          <p:nvPr/>
-        </p:nvPicPr>
-        <p:blipFill>
-          <a:blip r:embed="rId15"/>
-          <a:stretch>
-            <a:fillRect/>
-          </a:stretch>
-        </p:blipFill>
-        <p:spPr>
-          <a:xfrm>
-            <a:off x="36707985" y="7630404"/>
-            <a:ext cx="5177750" cy="5295220"/>
           </a:xfrm>
           <a:prstGeom prst="rect">
             <a:avLst/>
@@ -4082,7 +3444,7 @@
         </p:nvSpPr>
         <p:spPr>
           <a:xfrm>
-            <a:off x="1789562" y="16429350"/>
+            <a:off x="3969819" y="23719437"/>
             <a:ext cx="11623320" cy="1257120"/>
           </a:xfrm>
           <a:prstGeom prst="rect">
@@ -4110,7 +3472,7 @@
                 <a:latin typeface="Oswald"/>
                 <a:ea typeface="Oswald"/>
               </a:rPr>
-              <a:t>Wizualizacja</a:t>
+              <a:t>Wizualizacja drzewa</a:t>
             </a:r>
             <a:endParaRPr sz="2800" dirty="0"/>
           </a:p>
@@ -4131,13 +3493,13 @@
           <p:nvPr/>
         </p:nvPicPr>
         <p:blipFill>
-          <a:blip r:embed="rId16">
+          <a:blip r:embed="rId15">
             <a:extLst>
               <a:ext uri="{28A0092B-C50C-407E-A947-70E740481C1C}">
                 <a14:useLocalDpi xmlns:a14="http://schemas.microsoft.com/office/drawing/2010/main" val="0"/>
               </a:ext>
               <a:ext uri="{96DAC541-7B7A-43D3-8B79-37D633B846F1}">
-                <asvg:svgBlip xmlns:asvg="http://schemas.microsoft.com/office/drawing/2016/SVG/main" r:embed="rId17"/>
+                <asvg:svgBlip xmlns:asvg="http://schemas.microsoft.com/office/drawing/2016/SVG/main" r:embed="rId16"/>
               </a:ext>
             </a:extLst>
           </a:blip>
@@ -4147,7 +3509,7 @@
         </p:blipFill>
         <p:spPr>
           <a:xfrm>
-            <a:off x="21835071" y="26576437"/>
+            <a:off x="15598435" y="17587213"/>
             <a:ext cx="6267450" cy="3629025"/>
           </a:xfrm>
           <a:prstGeom prst="rect">
@@ -4170,13 +3532,13 @@
           <p:nvPr/>
         </p:nvPicPr>
         <p:blipFill>
-          <a:blip r:embed="rId18">
+          <a:blip r:embed="rId17">
             <a:extLst>
               <a:ext uri="{28A0092B-C50C-407E-A947-70E740481C1C}">
                 <a14:useLocalDpi xmlns:a14="http://schemas.microsoft.com/office/drawing/2010/main" val="0"/>
               </a:ext>
               <a:ext uri="{96DAC541-7B7A-43D3-8B79-37D633B846F1}">
-                <asvg:svgBlip xmlns:asvg="http://schemas.microsoft.com/office/drawing/2016/SVG/main" r:embed="rId19"/>
+                <asvg:svgBlip xmlns:asvg="http://schemas.microsoft.com/office/drawing/2016/SVG/main" r:embed="rId18"/>
               </a:ext>
             </a:extLst>
           </a:blip>
@@ -4186,8 +3548,559 @@
         </p:blipFill>
         <p:spPr>
           <a:xfrm>
-            <a:off x="15694660" y="26566912"/>
+            <a:off x="21969900" y="17577688"/>
             <a:ext cx="6276975" cy="3638550"/>
+          </a:xfrm>
+          <a:prstGeom prst="rect">
+            <a:avLst/>
+          </a:prstGeom>
+        </p:spPr>
+      </p:pic>
+      <p:pic>
+        <p:nvPicPr>
+          <p:cNvPr id="4" name="Picture 4" descr="Znalezione obrazy dla zapytania: windows 10 logo&quot;">
+            <a:extLst>
+              <a:ext uri="{FF2B5EF4-FFF2-40B4-BE49-F238E27FC236}">
+                <a16:creationId xmlns:a16="http://schemas.microsoft.com/office/drawing/2014/main" id="{6809AB0A-E217-4006-ABB1-A1DC443C4D43}"/>
+              </a:ext>
+            </a:extLst>
+          </p:cNvPr>
+          <p:cNvPicPr>
+            <a:picLocks noChangeAspect="1" noChangeArrowheads="1"/>
+          </p:cNvPicPr>
+          <p:nvPr/>
+        </p:nvPicPr>
+        <p:blipFill>
+          <a:blip r:embed="rId19">
+            <a:extLst>
+              <a:ext uri="{28A0092B-C50C-407E-A947-70E740481C1C}">
+                <a14:useLocalDpi xmlns:a14="http://schemas.microsoft.com/office/drawing/2010/main" val="0"/>
+              </a:ext>
+            </a:extLst>
+          </a:blip>
+          <a:srcRect/>
+          <a:stretch>
+            <a:fillRect/>
+          </a:stretch>
+        </p:blipFill>
+        <p:spPr bwMode="auto">
+          <a:xfrm>
+            <a:off x="37327738" y="19685975"/>
+            <a:ext cx="3836586" cy="3849418"/>
+          </a:xfrm>
+          <a:prstGeom prst="rect">
+            <a:avLst/>
+          </a:prstGeom>
+          <a:noFill/>
+          <a:extLst>
+            <a:ext uri="{909E8E84-426E-40DD-AFC4-6F175D3DCCD1}">
+              <a14:hiddenFill xmlns:a14="http://schemas.microsoft.com/office/drawing/2010/main">
+                <a:solidFill>
+                  <a:srgbClr val="FFFFFF"/>
+                </a:solidFill>
+              </a14:hiddenFill>
+            </a:ext>
+          </a:extLst>
+        </p:spPr>
+      </p:pic>
+      <p:pic>
+        <p:nvPicPr>
+          <p:cNvPr id="7" name="Picture 6" descr="Znalezione obrazy dla zapytania: linux logo transparent&quot;">
+            <a:extLst>
+              <a:ext uri="{FF2B5EF4-FFF2-40B4-BE49-F238E27FC236}">
+                <a16:creationId xmlns:a16="http://schemas.microsoft.com/office/drawing/2014/main" id="{7A393288-4510-4A2F-BB2D-E1E9AF3A8DE1}"/>
+              </a:ext>
+            </a:extLst>
+          </p:cNvPr>
+          <p:cNvPicPr>
+            <a:picLocks noChangeAspect="1" noChangeArrowheads="1"/>
+          </p:cNvPicPr>
+          <p:nvPr/>
+        </p:nvPicPr>
+        <p:blipFill>
+          <a:blip r:embed="rId20">
+            <a:extLst>
+              <a:ext uri="{28A0092B-C50C-407E-A947-70E740481C1C}">
+                <a14:useLocalDpi xmlns:a14="http://schemas.microsoft.com/office/drawing/2010/main" val="0"/>
+              </a:ext>
+            </a:extLst>
+          </a:blip>
+          <a:srcRect/>
+          <a:stretch>
+            <a:fillRect/>
+          </a:stretch>
+        </p:blipFill>
+        <p:spPr bwMode="auto">
+          <a:xfrm>
+            <a:off x="31044949" y="19569588"/>
+            <a:ext cx="3472896" cy="4022902"/>
+          </a:xfrm>
+          <a:prstGeom prst="rect">
+            <a:avLst/>
+          </a:prstGeom>
+          <a:noFill/>
+          <a:extLst>
+            <a:ext uri="{909E8E84-426E-40DD-AFC4-6F175D3DCCD1}">
+              <a14:hiddenFill xmlns:a14="http://schemas.microsoft.com/office/drawing/2010/main">
+                <a:solidFill>
+                  <a:srgbClr val="FFFFFF"/>
+                </a:solidFill>
+              </a14:hiddenFill>
+            </a:ext>
+          </a:extLst>
+        </p:spPr>
+      </p:pic>
+      <p:sp>
+        <p:nvSpPr>
+          <p:cNvPr id="56" name="CustomShape 9">
+            <a:extLst>
+              <a:ext uri="{FF2B5EF4-FFF2-40B4-BE49-F238E27FC236}">
+                <a16:creationId xmlns:a16="http://schemas.microsoft.com/office/drawing/2014/main" id="{EFF1DB06-2910-497C-A46D-6855FCA1AC02}"/>
+              </a:ext>
+            </a:extLst>
+          </p:cNvPr>
+          <p:cNvSpPr/>
+          <p:nvPr/>
+        </p:nvSpPr>
+        <p:spPr>
+          <a:xfrm>
+            <a:off x="2489630" y="18212432"/>
+            <a:ext cx="11623320" cy="1257120"/>
+          </a:xfrm>
+          <a:prstGeom prst="rect">
+            <a:avLst/>
+          </a:prstGeom>
+          <a:noFill/>
+          <a:ln>
+            <a:noFill/>
+          </a:ln>
+        </p:spPr>
+        <p:txBody>
+          <a:bodyPr tIns="91440" bIns="91440"/>
+          <a:lstStyle/>
+          <a:p>
+            <a:pPr>
+              <a:lnSpc>
+                <a:spcPct val="115000"/>
+              </a:lnSpc>
+            </a:pPr>
+            <a:r>
+              <a:rPr lang="pl-PL" sz="7200" b="1" dirty="0">
+                <a:solidFill>
+                  <a:srgbClr val="666666"/>
+                </a:solidFill>
+                <a:latin typeface="Oswald"/>
+              </a:rPr>
+              <a:t>Ulepszony algorytm Walkera</a:t>
+            </a:r>
+            <a:endParaRPr sz="2800" dirty="0"/>
+          </a:p>
+        </p:txBody>
+      </p:sp>
+      <p:sp>
+        <p:nvSpPr>
+          <p:cNvPr id="57" name="CustomShape 9">
+            <a:extLst>
+              <a:ext uri="{FF2B5EF4-FFF2-40B4-BE49-F238E27FC236}">
+                <a16:creationId xmlns:a16="http://schemas.microsoft.com/office/drawing/2014/main" id="{0CCEA7A4-ACA2-49C0-9677-BB5FC5AA5AB0}"/>
+              </a:ext>
+            </a:extLst>
+          </p:cNvPr>
+          <p:cNvSpPr/>
+          <p:nvPr/>
+        </p:nvSpPr>
+        <p:spPr>
+          <a:xfrm>
+            <a:off x="30743547" y="6252820"/>
+            <a:ext cx="13671929" cy="4368256"/>
+          </a:xfrm>
+          <a:prstGeom prst="rect">
+            <a:avLst/>
+          </a:prstGeom>
+          <a:noFill/>
+          <a:ln>
+            <a:noFill/>
+          </a:ln>
+        </p:spPr>
+        <p:txBody>
+          <a:bodyPr tIns="91440" bIns="91440"/>
+          <a:lstStyle/>
+          <a:p>
+            <a:pPr>
+              <a:lnSpc>
+                <a:spcPct val="115000"/>
+              </a:lnSpc>
+            </a:pPr>
+            <a:r>
+              <a:rPr lang="pl-PL" sz="7200" b="1" dirty="0">
+                <a:solidFill>
+                  <a:srgbClr val="666666"/>
+                </a:solidFill>
+                <a:latin typeface="Oswald"/>
+                <a:ea typeface="Oswald"/>
+              </a:rPr>
+              <a:t>Przejrzysty interfejs graficzny</a:t>
+            </a:r>
+            <a:endParaRPr sz="2800" dirty="0"/>
+          </a:p>
+        </p:txBody>
+      </p:sp>
+      <p:sp>
+        <p:nvSpPr>
+          <p:cNvPr id="63" name="CustomShape 9">
+            <a:extLst>
+              <a:ext uri="{FF2B5EF4-FFF2-40B4-BE49-F238E27FC236}">
+                <a16:creationId xmlns:a16="http://schemas.microsoft.com/office/drawing/2014/main" id="{A680E22C-03A8-412A-8995-F274660EDA05}"/>
+              </a:ext>
+            </a:extLst>
+          </p:cNvPr>
+          <p:cNvSpPr/>
+          <p:nvPr/>
+        </p:nvSpPr>
+        <p:spPr>
+          <a:xfrm>
+            <a:off x="18203738" y="15614970"/>
+            <a:ext cx="11623320" cy="1257120"/>
+          </a:xfrm>
+          <a:prstGeom prst="rect">
+            <a:avLst/>
+          </a:prstGeom>
+          <a:noFill/>
+          <a:ln>
+            <a:noFill/>
+          </a:ln>
+        </p:spPr>
+        <p:txBody>
+          <a:bodyPr tIns="91440" bIns="91440"/>
+          <a:lstStyle/>
+          <a:p>
+            <a:pPr>
+              <a:lnSpc>
+                <a:spcPct val="115000"/>
+              </a:lnSpc>
+            </a:pPr>
+            <a:r>
+              <a:rPr lang="pl-PL" sz="7200" b="1" dirty="0">
+                <a:solidFill>
+                  <a:srgbClr val="666666"/>
+                </a:solidFill>
+                <a:latin typeface="Oswald"/>
+                <a:ea typeface="Oswald"/>
+              </a:rPr>
+              <a:t>Ewaluacja rozgrywki</a:t>
+            </a:r>
+            <a:endParaRPr sz="2800" dirty="0"/>
+          </a:p>
+        </p:txBody>
+      </p:sp>
+      <p:pic>
+        <p:nvPicPr>
+          <p:cNvPr id="1064" name="Picture 40" descr="Znalezione obrazy dla zapytania: artificial intelligence clipart transparent&quot;">
+            <a:extLst>
+              <a:ext uri="{FF2B5EF4-FFF2-40B4-BE49-F238E27FC236}">
+                <a16:creationId xmlns:a16="http://schemas.microsoft.com/office/drawing/2014/main" id="{0E3F6477-FF82-4FC1-A55A-D1C55BF8E22B}"/>
+              </a:ext>
+            </a:extLst>
+          </p:cNvPr>
+          <p:cNvPicPr>
+            <a:picLocks noChangeAspect="1" noChangeArrowheads="1"/>
+          </p:cNvPicPr>
+          <p:nvPr/>
+        </p:nvPicPr>
+        <p:blipFill>
+          <a:blip r:embed="rId21">
+            <a:extLst>
+              <a:ext uri="{28A0092B-C50C-407E-A947-70E740481C1C}">
+                <a14:useLocalDpi xmlns:a14="http://schemas.microsoft.com/office/drawing/2010/main" val="0"/>
+              </a:ext>
+            </a:extLst>
+          </a:blip>
+          <a:srcRect/>
+          <a:stretch>
+            <a:fillRect/>
+          </a:stretch>
+        </p:blipFill>
+        <p:spPr bwMode="auto">
+          <a:xfrm>
+            <a:off x="5648203" y="14410208"/>
+            <a:ext cx="3981500" cy="3615781"/>
+          </a:xfrm>
+          <a:prstGeom prst="rect">
+            <a:avLst/>
+          </a:prstGeom>
+          <a:noFill/>
+          <a:extLst>
+            <a:ext uri="{909E8E84-426E-40DD-AFC4-6F175D3DCCD1}">
+              <a14:hiddenFill xmlns:a14="http://schemas.microsoft.com/office/drawing/2010/main">
+                <a:solidFill>
+                  <a:srgbClr val="FFFFFF"/>
+                </a:solidFill>
+              </a14:hiddenFill>
+            </a:ext>
+          </a:extLst>
+        </p:spPr>
+      </p:pic>
+      <p:pic>
+        <p:nvPicPr>
+          <p:cNvPr id="14" name="Obraz 13">
+            <a:extLst>
+              <a:ext uri="{FF2B5EF4-FFF2-40B4-BE49-F238E27FC236}">
+                <a16:creationId xmlns:a16="http://schemas.microsoft.com/office/drawing/2014/main" id="{CBDAE143-E8D7-403F-9EC8-3FE9772E78F5}"/>
+              </a:ext>
+            </a:extLst>
+          </p:cNvPr>
+          <p:cNvPicPr>
+            <a:picLocks noChangeAspect="1"/>
+          </p:cNvPicPr>
+          <p:nvPr/>
+        </p:nvPicPr>
+        <p:blipFill>
+          <a:blip r:embed="rId22"/>
+          <a:stretch>
+            <a:fillRect/>
+          </a:stretch>
+        </p:blipFill>
+        <p:spPr>
+          <a:xfrm>
+            <a:off x="2302855" y="19740424"/>
+            <a:ext cx="3419475" cy="3638550"/>
+          </a:xfrm>
+          <a:prstGeom prst="rect">
+            <a:avLst/>
+          </a:prstGeom>
+        </p:spPr>
+      </p:pic>
+      <p:pic>
+        <p:nvPicPr>
+          <p:cNvPr id="17" name="Obraz 16">
+            <a:extLst>
+              <a:ext uri="{FF2B5EF4-FFF2-40B4-BE49-F238E27FC236}">
+                <a16:creationId xmlns:a16="http://schemas.microsoft.com/office/drawing/2014/main" id="{F5B598A4-0C0B-4055-83FB-6AE1388D01D0}"/>
+              </a:ext>
+            </a:extLst>
+          </p:cNvPr>
+          <p:cNvPicPr>
+            <a:picLocks noChangeAspect="1"/>
+          </p:cNvPicPr>
+          <p:nvPr/>
+        </p:nvPicPr>
+        <p:blipFill>
+          <a:blip r:embed="rId23"/>
+          <a:stretch>
+            <a:fillRect/>
+          </a:stretch>
+        </p:blipFill>
+        <p:spPr>
+          <a:xfrm>
+            <a:off x="6778256" y="20368984"/>
+            <a:ext cx="6867525" cy="2209800"/>
+          </a:xfrm>
+          <a:prstGeom prst="rect">
+            <a:avLst/>
+          </a:prstGeom>
+        </p:spPr>
+      </p:pic>
+      <p:pic>
+        <p:nvPicPr>
+          <p:cNvPr id="15" name="Obraz 14">
+            <a:extLst>
+              <a:ext uri="{FF2B5EF4-FFF2-40B4-BE49-F238E27FC236}">
+                <a16:creationId xmlns:a16="http://schemas.microsoft.com/office/drawing/2014/main" id="{3453F1D5-3219-4036-86D5-BEC4F1C2965B}"/>
+              </a:ext>
+            </a:extLst>
+          </p:cNvPr>
+          <p:cNvPicPr>
+            <a:picLocks noChangeAspect="1"/>
+          </p:cNvPicPr>
+          <p:nvPr/>
+        </p:nvPicPr>
+        <p:blipFill>
+          <a:blip r:embed="rId24"/>
+          <a:stretch>
+            <a:fillRect/>
+          </a:stretch>
+        </p:blipFill>
+        <p:spPr>
+          <a:xfrm>
+            <a:off x="18902670" y="24239437"/>
+            <a:ext cx="6324356" cy="6467839"/>
+          </a:xfrm>
+          <a:prstGeom prst="rect">
+            <a:avLst/>
+          </a:prstGeom>
+        </p:spPr>
+      </p:pic>
+      <p:sp>
+        <p:nvSpPr>
+          <p:cNvPr id="88" name="CustomShape 9">
+            <a:extLst>
+              <a:ext uri="{FF2B5EF4-FFF2-40B4-BE49-F238E27FC236}">
+                <a16:creationId xmlns:a16="http://schemas.microsoft.com/office/drawing/2014/main" id="{78CD418D-63A7-4303-BAC9-70B9D9CB6939}"/>
+              </a:ext>
+            </a:extLst>
+          </p:cNvPr>
+          <p:cNvSpPr/>
+          <p:nvPr/>
+        </p:nvSpPr>
+        <p:spPr>
+          <a:xfrm>
+            <a:off x="17439473" y="13551494"/>
+            <a:ext cx="11623320" cy="1257120"/>
+          </a:xfrm>
+          <a:prstGeom prst="rect">
+            <a:avLst/>
+          </a:prstGeom>
+          <a:noFill/>
+          <a:ln>
+            <a:noFill/>
+          </a:ln>
+        </p:spPr>
+        <p:txBody>
+          <a:bodyPr tIns="91440" bIns="91440"/>
+          <a:lstStyle/>
+          <a:p>
+            <a:pPr>
+              <a:lnSpc>
+                <a:spcPct val="115000"/>
+              </a:lnSpc>
+            </a:pPr>
+            <a:r>
+              <a:rPr lang="pl-PL" sz="5400" b="1" dirty="0">
+                <a:solidFill>
+                  <a:srgbClr val="666666"/>
+                </a:solidFill>
+                <a:latin typeface="Oswald"/>
+                <a:ea typeface="Oswald"/>
+              </a:rPr>
+              <a:t>Szachy</a:t>
+            </a:r>
+            <a:endParaRPr dirty="0"/>
+          </a:p>
+        </p:txBody>
+      </p:sp>
+      <p:sp>
+        <p:nvSpPr>
+          <p:cNvPr id="89" name="CustomShape 9">
+            <a:extLst>
+              <a:ext uri="{FF2B5EF4-FFF2-40B4-BE49-F238E27FC236}">
+                <a16:creationId xmlns:a16="http://schemas.microsoft.com/office/drawing/2014/main" id="{EB9E126A-9AAE-47DA-A76C-F6F0EEA9E534}"/>
+              </a:ext>
+            </a:extLst>
+          </p:cNvPr>
+          <p:cNvSpPr/>
+          <p:nvPr/>
+        </p:nvSpPr>
+        <p:spPr>
+          <a:xfrm>
+            <a:off x="23700773" y="13603902"/>
+            <a:ext cx="11623320" cy="1257120"/>
+          </a:xfrm>
+          <a:prstGeom prst="rect">
+            <a:avLst/>
+          </a:prstGeom>
+          <a:noFill/>
+          <a:ln>
+            <a:noFill/>
+          </a:ln>
+        </p:spPr>
+        <p:txBody>
+          <a:bodyPr tIns="91440" bIns="91440"/>
+          <a:lstStyle/>
+          <a:p>
+            <a:pPr>
+              <a:lnSpc>
+                <a:spcPct val="115000"/>
+              </a:lnSpc>
+            </a:pPr>
+            <a:r>
+              <a:rPr lang="pl-PL" sz="5400" b="1" dirty="0" err="1">
+                <a:solidFill>
+                  <a:srgbClr val="666666"/>
+                </a:solidFill>
+                <a:latin typeface="Oswald"/>
+              </a:rPr>
+              <a:t>Mankala</a:t>
+            </a:r>
+            <a:endParaRPr dirty="0"/>
+          </a:p>
+        </p:txBody>
+      </p:sp>
+      <p:sp>
+        <p:nvSpPr>
+          <p:cNvPr id="77" name="CustomShape 9"/>
+          <p:cNvSpPr/>
+          <p:nvPr/>
+        </p:nvSpPr>
+        <p:spPr>
+          <a:xfrm>
+            <a:off x="17165869" y="22424925"/>
+            <a:ext cx="10286219" cy="3629025"/>
+          </a:xfrm>
+          <a:prstGeom prst="rect">
+            <a:avLst/>
+          </a:prstGeom>
+          <a:noFill/>
+          <a:ln>
+            <a:noFill/>
+          </a:ln>
+        </p:spPr>
+        <p:txBody>
+          <a:bodyPr tIns="91440" bIns="91440"/>
+          <a:lstStyle/>
+          <a:p>
+            <a:pPr>
+              <a:lnSpc>
+                <a:spcPct val="115000"/>
+              </a:lnSpc>
+            </a:pPr>
+            <a:r>
+              <a:rPr lang="pl-PL" sz="7200" b="1" dirty="0" err="1">
+                <a:solidFill>
+                  <a:srgbClr val="666666"/>
+                </a:solidFill>
+                <a:latin typeface="Oswald"/>
+                <a:ea typeface="Oswald"/>
+              </a:rPr>
+              <a:t>Serializacja</a:t>
+            </a:r>
+            <a:r>
+              <a:rPr lang="pl-PL" sz="7200" b="1" dirty="0">
+                <a:solidFill>
+                  <a:srgbClr val="666666"/>
+                </a:solidFill>
+                <a:latin typeface="Oswald"/>
+                <a:ea typeface="Oswald"/>
+              </a:rPr>
+              <a:t> binarna i CSV</a:t>
+            </a:r>
+            <a:endParaRPr sz="2800" dirty="0"/>
+          </a:p>
+        </p:txBody>
+      </p:sp>
+      <p:pic>
+        <p:nvPicPr>
+          <p:cNvPr id="2" name="Obraz 1">
+            <a:extLst>
+              <a:ext uri="{FF2B5EF4-FFF2-40B4-BE49-F238E27FC236}">
+                <a16:creationId xmlns:a16="http://schemas.microsoft.com/office/drawing/2014/main" id="{77C072B3-03BF-4D84-835B-3B2BD59319A8}"/>
+              </a:ext>
+            </a:extLst>
+          </p:cNvPr>
+          <p:cNvPicPr>
+            <a:picLocks noChangeAspect="1"/>
+          </p:cNvPicPr>
+          <p:nvPr/>
+        </p:nvPicPr>
+        <p:blipFill>
+          <a:blip r:embed="rId25"/>
+          <a:stretch>
+            <a:fillRect/>
+          </a:stretch>
+        </p:blipFill>
+        <p:spPr>
+          <a:xfrm>
+            <a:off x="8076205" y="25488596"/>
+            <a:ext cx="5686425" cy="5686425"/>
           </a:xfrm>
           <a:prstGeom prst="rect">
             <a:avLst/>

--- a/doc/thesis-poster/uct_visualisation_poster.pptx
+++ b/doc/thesis-poster/uct_visualisation_poster.pptx
@@ -10,14 +10,14 @@
   <p:sldIdLst>
     <p:sldId id="256" r:id="rId2"/>
   </p:sldIdLst>
-  <p:sldSz cx="43891200" cy="32918400"/>
+  <p:sldSz cx="15119350" cy="10691813"/>
   <p:notesSz cx="6858000" cy="9144000"/>
   <p:defaultTextStyle>
     <a:defPPr>
       <a:defRPr lang="pl-PL"/>
     </a:defPPr>
-    <a:lvl1pPr marL="0" algn="l" defTabSz="914400" rtl="0" eaLnBrk="1" latinLnBrk="0" hangingPunct="1">
-      <a:defRPr sz="1800" kern="1200">
+    <a:lvl1pPr marL="0" algn="l" defTabSz="307238" rtl="0" eaLnBrk="1" latinLnBrk="0" hangingPunct="1">
+      <a:defRPr sz="605" kern="1200">
         <a:solidFill>
           <a:schemeClr val="tx1"/>
         </a:solidFill>
@@ -26,8 +26,8 @@
         <a:cs typeface="+mn-cs"/>
       </a:defRPr>
     </a:lvl1pPr>
-    <a:lvl2pPr marL="457200" algn="l" defTabSz="914400" rtl="0" eaLnBrk="1" latinLnBrk="0" hangingPunct="1">
-      <a:defRPr sz="1800" kern="1200">
+    <a:lvl2pPr marL="153619" algn="l" defTabSz="307238" rtl="0" eaLnBrk="1" latinLnBrk="0" hangingPunct="1">
+      <a:defRPr sz="605" kern="1200">
         <a:solidFill>
           <a:schemeClr val="tx1"/>
         </a:solidFill>
@@ -36,8 +36,8 @@
         <a:cs typeface="+mn-cs"/>
       </a:defRPr>
     </a:lvl2pPr>
-    <a:lvl3pPr marL="914400" algn="l" defTabSz="914400" rtl="0" eaLnBrk="1" latinLnBrk="0" hangingPunct="1">
-      <a:defRPr sz="1800" kern="1200">
+    <a:lvl3pPr marL="307238" algn="l" defTabSz="307238" rtl="0" eaLnBrk="1" latinLnBrk="0" hangingPunct="1">
+      <a:defRPr sz="605" kern="1200">
         <a:solidFill>
           <a:schemeClr val="tx1"/>
         </a:solidFill>
@@ -46,8 +46,8 @@
         <a:cs typeface="+mn-cs"/>
       </a:defRPr>
     </a:lvl3pPr>
-    <a:lvl4pPr marL="1371600" algn="l" defTabSz="914400" rtl="0" eaLnBrk="1" latinLnBrk="0" hangingPunct="1">
-      <a:defRPr sz="1800" kern="1200">
+    <a:lvl4pPr marL="460858" algn="l" defTabSz="307238" rtl="0" eaLnBrk="1" latinLnBrk="0" hangingPunct="1">
+      <a:defRPr sz="605" kern="1200">
         <a:solidFill>
           <a:schemeClr val="tx1"/>
         </a:solidFill>
@@ -56,8 +56,8 @@
         <a:cs typeface="+mn-cs"/>
       </a:defRPr>
     </a:lvl4pPr>
-    <a:lvl5pPr marL="1828800" algn="l" defTabSz="914400" rtl="0" eaLnBrk="1" latinLnBrk="0" hangingPunct="1">
-      <a:defRPr sz="1800" kern="1200">
+    <a:lvl5pPr marL="614477" algn="l" defTabSz="307238" rtl="0" eaLnBrk="1" latinLnBrk="0" hangingPunct="1">
+      <a:defRPr sz="605" kern="1200">
         <a:solidFill>
           <a:schemeClr val="tx1"/>
         </a:solidFill>
@@ -66,8 +66,8 @@
         <a:cs typeface="+mn-cs"/>
       </a:defRPr>
     </a:lvl5pPr>
-    <a:lvl6pPr marL="2286000" algn="l" defTabSz="914400" rtl="0" eaLnBrk="1" latinLnBrk="0" hangingPunct="1">
-      <a:defRPr sz="1800" kern="1200">
+    <a:lvl6pPr marL="768096" algn="l" defTabSz="307238" rtl="0" eaLnBrk="1" latinLnBrk="0" hangingPunct="1">
+      <a:defRPr sz="605" kern="1200">
         <a:solidFill>
           <a:schemeClr val="tx1"/>
         </a:solidFill>
@@ -76,8 +76,8 @@
         <a:cs typeface="+mn-cs"/>
       </a:defRPr>
     </a:lvl6pPr>
-    <a:lvl7pPr marL="2743200" algn="l" defTabSz="914400" rtl="0" eaLnBrk="1" latinLnBrk="0" hangingPunct="1">
-      <a:defRPr sz="1800" kern="1200">
+    <a:lvl7pPr marL="921715" algn="l" defTabSz="307238" rtl="0" eaLnBrk="1" latinLnBrk="0" hangingPunct="1">
+      <a:defRPr sz="605" kern="1200">
         <a:solidFill>
           <a:schemeClr val="tx1"/>
         </a:solidFill>
@@ -86,8 +86,8 @@
         <a:cs typeface="+mn-cs"/>
       </a:defRPr>
     </a:lvl7pPr>
-    <a:lvl8pPr marL="3200400" algn="l" defTabSz="914400" rtl="0" eaLnBrk="1" latinLnBrk="0" hangingPunct="1">
-      <a:defRPr sz="1800" kern="1200">
+    <a:lvl8pPr marL="1075334" algn="l" defTabSz="307238" rtl="0" eaLnBrk="1" latinLnBrk="0" hangingPunct="1">
+      <a:defRPr sz="605" kern="1200">
         <a:solidFill>
           <a:schemeClr val="tx1"/>
         </a:solidFill>
@@ -96,8 +96,8 @@
         <a:cs typeface="+mn-cs"/>
       </a:defRPr>
     </a:lvl8pPr>
-    <a:lvl9pPr marL="3657600" algn="l" defTabSz="914400" rtl="0" eaLnBrk="1" latinLnBrk="0" hangingPunct="1">
-      <a:defRPr sz="1800" kern="1200">
+    <a:lvl9pPr marL="1228954" algn="l" defTabSz="307238" rtl="0" eaLnBrk="1" latinLnBrk="0" hangingPunct="1">
+      <a:defRPr sz="605" kern="1200">
         <a:solidFill>
           <a:schemeClr val="tx1"/>
         </a:solidFill>
@@ -308,8 +308,8 @@
   </p:cSld>
   <p:clrMap bg1="lt1" tx1="dk1" bg2="lt2" tx2="dk2" accent1="accent1" accent2="accent2" accent3="accent3" accent4="accent4" accent5="accent5" accent6="accent6" hlink="hlink" folHlink="folHlink"/>
   <p:notesStyle>
-    <a:lvl1pPr marL="0" algn="l" defTabSz="914400" rtl="0" eaLnBrk="1" latinLnBrk="0" hangingPunct="1">
-      <a:defRPr sz="1200" kern="1200">
+    <a:lvl1pPr marL="0" algn="l" defTabSz="307238" rtl="0" eaLnBrk="1" latinLnBrk="0" hangingPunct="1">
+      <a:defRPr sz="403" kern="1200">
         <a:solidFill>
           <a:schemeClr val="tx1"/>
         </a:solidFill>
@@ -318,8 +318,8 @@
         <a:cs typeface="+mn-cs"/>
       </a:defRPr>
     </a:lvl1pPr>
-    <a:lvl2pPr marL="457200" algn="l" defTabSz="914400" rtl="0" eaLnBrk="1" latinLnBrk="0" hangingPunct="1">
-      <a:defRPr sz="1200" kern="1200">
+    <a:lvl2pPr marL="153619" algn="l" defTabSz="307238" rtl="0" eaLnBrk="1" latinLnBrk="0" hangingPunct="1">
+      <a:defRPr sz="403" kern="1200">
         <a:solidFill>
           <a:schemeClr val="tx1"/>
         </a:solidFill>
@@ -328,8 +328,8 @@
         <a:cs typeface="+mn-cs"/>
       </a:defRPr>
     </a:lvl2pPr>
-    <a:lvl3pPr marL="914400" algn="l" defTabSz="914400" rtl="0" eaLnBrk="1" latinLnBrk="0" hangingPunct="1">
-      <a:defRPr sz="1200" kern="1200">
+    <a:lvl3pPr marL="307238" algn="l" defTabSz="307238" rtl="0" eaLnBrk="1" latinLnBrk="0" hangingPunct="1">
+      <a:defRPr sz="403" kern="1200">
         <a:solidFill>
           <a:schemeClr val="tx1"/>
         </a:solidFill>
@@ -338,8 +338,8 @@
         <a:cs typeface="+mn-cs"/>
       </a:defRPr>
     </a:lvl3pPr>
-    <a:lvl4pPr marL="1371600" algn="l" defTabSz="914400" rtl="0" eaLnBrk="1" latinLnBrk="0" hangingPunct="1">
-      <a:defRPr sz="1200" kern="1200">
+    <a:lvl4pPr marL="460858" algn="l" defTabSz="307238" rtl="0" eaLnBrk="1" latinLnBrk="0" hangingPunct="1">
+      <a:defRPr sz="403" kern="1200">
         <a:solidFill>
           <a:schemeClr val="tx1"/>
         </a:solidFill>
@@ -348,8 +348,8 @@
         <a:cs typeface="+mn-cs"/>
       </a:defRPr>
     </a:lvl4pPr>
-    <a:lvl5pPr marL="1828800" algn="l" defTabSz="914400" rtl="0" eaLnBrk="1" latinLnBrk="0" hangingPunct="1">
-      <a:defRPr sz="1200" kern="1200">
+    <a:lvl5pPr marL="614477" algn="l" defTabSz="307238" rtl="0" eaLnBrk="1" latinLnBrk="0" hangingPunct="1">
+      <a:defRPr sz="403" kern="1200">
         <a:solidFill>
           <a:schemeClr val="tx1"/>
         </a:solidFill>
@@ -358,8 +358,8 @@
         <a:cs typeface="+mn-cs"/>
       </a:defRPr>
     </a:lvl5pPr>
-    <a:lvl6pPr marL="2286000" algn="l" defTabSz="914400" rtl="0" eaLnBrk="1" latinLnBrk="0" hangingPunct="1">
-      <a:defRPr sz="1200" kern="1200">
+    <a:lvl6pPr marL="768096" algn="l" defTabSz="307238" rtl="0" eaLnBrk="1" latinLnBrk="0" hangingPunct="1">
+      <a:defRPr sz="403" kern="1200">
         <a:solidFill>
           <a:schemeClr val="tx1"/>
         </a:solidFill>
@@ -368,8 +368,8 @@
         <a:cs typeface="+mn-cs"/>
       </a:defRPr>
     </a:lvl6pPr>
-    <a:lvl7pPr marL="2743200" algn="l" defTabSz="914400" rtl="0" eaLnBrk="1" latinLnBrk="0" hangingPunct="1">
-      <a:defRPr sz="1200" kern="1200">
+    <a:lvl7pPr marL="921715" algn="l" defTabSz="307238" rtl="0" eaLnBrk="1" latinLnBrk="0" hangingPunct="1">
+      <a:defRPr sz="403" kern="1200">
         <a:solidFill>
           <a:schemeClr val="tx1"/>
         </a:solidFill>
@@ -378,8 +378,8 @@
         <a:cs typeface="+mn-cs"/>
       </a:defRPr>
     </a:lvl7pPr>
-    <a:lvl8pPr marL="3200400" algn="l" defTabSz="914400" rtl="0" eaLnBrk="1" latinLnBrk="0" hangingPunct="1">
-      <a:defRPr sz="1200" kern="1200">
+    <a:lvl8pPr marL="1075334" algn="l" defTabSz="307238" rtl="0" eaLnBrk="1" latinLnBrk="0" hangingPunct="1">
+      <a:defRPr sz="403" kern="1200">
         <a:solidFill>
           <a:schemeClr val="tx1"/>
         </a:solidFill>
@@ -388,8 +388,8 @@
         <a:cs typeface="+mn-cs"/>
       </a:defRPr>
     </a:lvl8pPr>
-    <a:lvl9pPr marL="3657600" algn="l" defTabSz="914400" rtl="0" eaLnBrk="1" latinLnBrk="0" hangingPunct="1">
-      <a:defRPr sz="1200" kern="1200">
+    <a:lvl9pPr marL="1228954" algn="l" defTabSz="307238" rtl="0" eaLnBrk="1" latinLnBrk="0" hangingPunct="1">
+      <a:defRPr sz="403" kern="1200">
         <a:solidFill>
           <a:schemeClr val="tx1"/>
         </a:solidFill>
@@ -581,8 +581,8 @@
         </p:nvSpPr>
         <p:spPr>
           <a:xfrm>
-            <a:off x="1496160" y="4765320"/>
-            <a:ext cx="40898520" cy="13136760"/>
+            <a:off x="515388" y="1547764"/>
+            <a:ext cx="14088451" cy="4266786"/>
           </a:xfrm>
           <a:prstGeom prst="rect">
             <a:avLst/>
@@ -608,8 +608,8 @@
         </p:nvSpPr>
         <p:spPr>
           <a:xfrm>
-            <a:off x="2194560" y="7702560"/>
-            <a:ext cx="39501720" cy="9106920"/>
+            <a:off x="755968" y="2501772"/>
+            <a:ext cx="13607291" cy="2957905"/>
           </a:xfrm>
           <a:prstGeom prst="rect">
             <a:avLst/>
@@ -635,8 +635,8 @@
         </p:nvSpPr>
         <p:spPr>
           <a:xfrm>
-            <a:off x="2194560" y="17674920"/>
-            <a:ext cx="39501720" cy="9106920"/>
+            <a:off x="755968" y="5740771"/>
+            <a:ext cx="13607291" cy="2957905"/>
           </a:xfrm>
           <a:prstGeom prst="rect">
             <a:avLst/>
@@ -687,8 +687,8 @@
         </p:nvSpPr>
         <p:spPr>
           <a:xfrm>
-            <a:off x="1496160" y="4765320"/>
-            <a:ext cx="40898520" cy="13136760"/>
+            <a:off x="515388" y="1547764"/>
+            <a:ext cx="14088451" cy="4266786"/>
           </a:xfrm>
           <a:prstGeom prst="rect">
             <a:avLst/>
@@ -714,8 +714,8 @@
         </p:nvSpPr>
         <p:spPr>
           <a:xfrm>
-            <a:off x="2194560" y="7702560"/>
-            <a:ext cx="19276560" cy="9106920"/>
+            <a:off x="755967" y="2501772"/>
+            <a:ext cx="6640263" cy="2957905"/>
           </a:xfrm>
           <a:prstGeom prst="rect">
             <a:avLst/>
@@ -741,8 +741,8 @@
         </p:nvSpPr>
         <p:spPr>
           <a:xfrm>
-            <a:off x="22435200" y="7702560"/>
-            <a:ext cx="19276560" cy="9106920"/>
+            <a:off x="7728328" y="2501772"/>
+            <a:ext cx="6640263" cy="2957905"/>
           </a:xfrm>
           <a:prstGeom prst="rect">
             <a:avLst/>
@@ -768,8 +768,8 @@
         </p:nvSpPr>
         <p:spPr>
           <a:xfrm>
-            <a:off x="22435200" y="17674920"/>
-            <a:ext cx="19276560" cy="9106920"/>
+            <a:off x="7728328" y="5740771"/>
+            <a:ext cx="6640263" cy="2957905"/>
           </a:xfrm>
           <a:prstGeom prst="rect">
             <a:avLst/>
@@ -795,8 +795,8 @@
         </p:nvSpPr>
         <p:spPr>
           <a:xfrm>
-            <a:off x="2194560" y="17674920"/>
-            <a:ext cx="19276560" cy="9106920"/>
+            <a:off x="755967" y="5740771"/>
+            <a:ext cx="6640263" cy="2957905"/>
           </a:xfrm>
           <a:prstGeom prst="rect">
             <a:avLst/>
@@ -847,8 +847,8 @@
         </p:nvSpPr>
         <p:spPr>
           <a:xfrm>
-            <a:off x="1496160" y="4765320"/>
-            <a:ext cx="40898520" cy="13136760"/>
+            <a:off x="515388" y="1547764"/>
+            <a:ext cx="14088451" cy="4266786"/>
           </a:xfrm>
           <a:prstGeom prst="rect">
             <a:avLst/>
@@ -874,8 +874,8 @@
         </p:nvSpPr>
         <p:spPr>
           <a:xfrm>
-            <a:off x="2194560" y="7702560"/>
-            <a:ext cx="39501720" cy="19092240"/>
+            <a:off x="755968" y="2501774"/>
+            <a:ext cx="13607291" cy="6201111"/>
           </a:xfrm>
           <a:prstGeom prst="rect">
             <a:avLst/>
@@ -901,8 +901,8 @@
         </p:nvSpPr>
         <p:spPr>
           <a:xfrm>
-            <a:off x="2194560" y="7702560"/>
-            <a:ext cx="39501720" cy="19092240"/>
+            <a:off x="755968" y="2501774"/>
+            <a:ext cx="13607291" cy="6201111"/>
           </a:xfrm>
           <a:prstGeom prst="rect">
             <a:avLst/>
@@ -930,8 +930,8 @@
         </p:blipFill>
         <p:spPr>
           <a:xfrm>
-            <a:off x="9980640" y="7702560"/>
-            <a:ext cx="23928840" cy="19092240"/>
+            <a:off x="3438065" y="2501774"/>
+            <a:ext cx="8242848" cy="6201111"/>
           </a:xfrm>
           <a:prstGeom prst="rect">
             <a:avLst/>
@@ -955,8 +955,8 @@
         </p:blipFill>
         <p:spPr>
           <a:xfrm>
-            <a:off x="9980640" y="7702560"/>
-            <a:ext cx="23928840" cy="19092240"/>
+            <a:off x="3438065" y="2501774"/>
+            <a:ext cx="8242848" cy="6201111"/>
           </a:xfrm>
           <a:prstGeom prst="rect">
             <a:avLst/>
@@ -1003,8 +1003,8 @@
         </p:nvSpPr>
         <p:spPr>
           <a:xfrm>
-            <a:off x="1496160" y="4765320"/>
-            <a:ext cx="40898520" cy="13136760"/>
+            <a:off x="515388" y="1547764"/>
+            <a:ext cx="14088451" cy="4266786"/>
           </a:xfrm>
           <a:prstGeom prst="rect">
             <a:avLst/>
@@ -1030,8 +1030,8 @@
         </p:nvSpPr>
         <p:spPr>
           <a:xfrm>
-            <a:off x="2194560" y="7702560"/>
-            <a:ext cx="39501720" cy="19092600"/>
+            <a:off x="755968" y="2501772"/>
+            <a:ext cx="13607291" cy="6201228"/>
           </a:xfrm>
           <a:prstGeom prst="rect">
             <a:avLst/>
@@ -1083,8 +1083,8 @@
         </p:nvSpPr>
         <p:spPr>
           <a:xfrm>
-            <a:off x="1496160" y="4765320"/>
-            <a:ext cx="40898520" cy="13136760"/>
+            <a:off x="515388" y="1547764"/>
+            <a:ext cx="14088451" cy="4266786"/>
           </a:xfrm>
           <a:prstGeom prst="rect">
             <a:avLst/>
@@ -1110,8 +1110,8 @@
         </p:nvSpPr>
         <p:spPr>
           <a:xfrm>
-            <a:off x="2194560" y="7702560"/>
-            <a:ext cx="39501720" cy="19092240"/>
+            <a:off x="755968" y="2501774"/>
+            <a:ext cx="13607291" cy="6201111"/>
           </a:xfrm>
           <a:prstGeom prst="rect">
             <a:avLst/>
@@ -1162,8 +1162,8 @@
         </p:nvSpPr>
         <p:spPr>
           <a:xfrm>
-            <a:off x="1496160" y="4765320"/>
-            <a:ext cx="40898520" cy="13136760"/>
+            <a:off x="515388" y="1547764"/>
+            <a:ext cx="14088451" cy="4266786"/>
           </a:xfrm>
           <a:prstGeom prst="rect">
             <a:avLst/>
@@ -1189,8 +1189,8 @@
         </p:nvSpPr>
         <p:spPr>
           <a:xfrm>
-            <a:off x="2194560" y="7702560"/>
-            <a:ext cx="19276560" cy="19092240"/>
+            <a:off x="755967" y="2501774"/>
+            <a:ext cx="6640263" cy="6201111"/>
           </a:xfrm>
           <a:prstGeom prst="rect">
             <a:avLst/>
@@ -1216,8 +1216,8 @@
         </p:nvSpPr>
         <p:spPr>
           <a:xfrm>
-            <a:off x="22435200" y="7702560"/>
-            <a:ext cx="19276560" cy="19092240"/>
+            <a:off x="7728328" y="2501774"/>
+            <a:ext cx="6640263" cy="6201111"/>
           </a:xfrm>
           <a:prstGeom prst="rect">
             <a:avLst/>
@@ -1268,8 +1268,8 @@
         </p:nvSpPr>
         <p:spPr>
           <a:xfrm>
-            <a:off x="1496160" y="4765320"/>
-            <a:ext cx="40898520" cy="13136760"/>
+            <a:off x="515388" y="1547764"/>
+            <a:ext cx="14088451" cy="4266786"/>
           </a:xfrm>
           <a:prstGeom prst="rect">
             <a:avLst/>
@@ -1320,8 +1320,8 @@
         </p:nvSpPr>
         <p:spPr>
           <a:xfrm>
-            <a:off x="1496160" y="4765320"/>
-            <a:ext cx="40898520" cy="60894000"/>
+            <a:off x="515388" y="1547766"/>
+            <a:ext cx="14088451" cy="19778217"/>
           </a:xfrm>
           <a:prstGeom prst="rect">
             <a:avLst/>
@@ -1373,8 +1373,8 @@
         </p:nvSpPr>
         <p:spPr>
           <a:xfrm>
-            <a:off x="1496160" y="4765320"/>
-            <a:ext cx="40898520" cy="13136760"/>
+            <a:off x="515388" y="1547764"/>
+            <a:ext cx="14088451" cy="4266786"/>
           </a:xfrm>
           <a:prstGeom prst="rect">
             <a:avLst/>
@@ -1400,8 +1400,8 @@
         </p:nvSpPr>
         <p:spPr>
           <a:xfrm>
-            <a:off x="2194560" y="7702560"/>
-            <a:ext cx="19276560" cy="9106920"/>
+            <a:off x="755967" y="2501772"/>
+            <a:ext cx="6640263" cy="2957905"/>
           </a:xfrm>
           <a:prstGeom prst="rect">
             <a:avLst/>
@@ -1427,8 +1427,8 @@
         </p:nvSpPr>
         <p:spPr>
           <a:xfrm>
-            <a:off x="2194560" y="17674920"/>
-            <a:ext cx="19276560" cy="9106920"/>
+            <a:off x="755967" y="5740771"/>
+            <a:ext cx="6640263" cy="2957905"/>
           </a:xfrm>
           <a:prstGeom prst="rect">
             <a:avLst/>
@@ -1454,8 +1454,8 @@
         </p:nvSpPr>
         <p:spPr>
           <a:xfrm>
-            <a:off x="22435200" y="7702560"/>
-            <a:ext cx="19276560" cy="19092240"/>
+            <a:off x="7728328" y="2501774"/>
+            <a:ext cx="6640263" cy="6201111"/>
           </a:xfrm>
           <a:prstGeom prst="rect">
             <a:avLst/>
@@ -1506,8 +1506,8 @@
         </p:nvSpPr>
         <p:spPr>
           <a:xfrm>
-            <a:off x="1496160" y="4765320"/>
-            <a:ext cx="40898520" cy="13136760"/>
+            <a:off x="515388" y="1547764"/>
+            <a:ext cx="14088451" cy="4266786"/>
           </a:xfrm>
           <a:prstGeom prst="rect">
             <a:avLst/>
@@ -1533,8 +1533,8 @@
         </p:nvSpPr>
         <p:spPr>
           <a:xfrm>
-            <a:off x="2194560" y="7702560"/>
-            <a:ext cx="19276560" cy="19092240"/>
+            <a:off x="755967" y="2501774"/>
+            <a:ext cx="6640263" cy="6201111"/>
           </a:xfrm>
           <a:prstGeom prst="rect">
             <a:avLst/>
@@ -1560,8 +1560,8 @@
         </p:nvSpPr>
         <p:spPr>
           <a:xfrm>
-            <a:off x="22435200" y="7702560"/>
-            <a:ext cx="19276560" cy="9106920"/>
+            <a:off x="7728328" y="2501772"/>
+            <a:ext cx="6640263" cy="2957905"/>
           </a:xfrm>
           <a:prstGeom prst="rect">
             <a:avLst/>
@@ -1587,8 +1587,8 @@
         </p:nvSpPr>
         <p:spPr>
           <a:xfrm>
-            <a:off x="22435200" y="17674920"/>
-            <a:ext cx="19276560" cy="9106920"/>
+            <a:off x="7728328" y="5740771"/>
+            <a:ext cx="6640263" cy="2957905"/>
           </a:xfrm>
           <a:prstGeom prst="rect">
             <a:avLst/>
@@ -1639,8 +1639,8 @@
         </p:nvSpPr>
         <p:spPr>
           <a:xfrm>
-            <a:off x="1496160" y="4765320"/>
-            <a:ext cx="40898520" cy="13136760"/>
+            <a:off x="515388" y="1547764"/>
+            <a:ext cx="14088451" cy="4266786"/>
           </a:xfrm>
           <a:prstGeom prst="rect">
             <a:avLst/>
@@ -1666,8 +1666,8 @@
         </p:nvSpPr>
         <p:spPr>
           <a:xfrm>
-            <a:off x="2194560" y="7702560"/>
-            <a:ext cx="19276560" cy="9106920"/>
+            <a:off x="755967" y="2501772"/>
+            <a:ext cx="6640263" cy="2957905"/>
           </a:xfrm>
           <a:prstGeom prst="rect">
             <a:avLst/>
@@ -1693,8 +1693,8 @@
         </p:nvSpPr>
         <p:spPr>
           <a:xfrm>
-            <a:off x="22435200" y="7702560"/>
-            <a:ext cx="19276560" cy="9106920"/>
+            <a:off x="7728328" y="2501772"/>
+            <a:ext cx="6640263" cy="2957905"/>
           </a:xfrm>
           <a:prstGeom prst="rect">
             <a:avLst/>
@@ -1720,8 +1720,8 @@
         </p:nvSpPr>
         <p:spPr>
           <a:xfrm>
-            <a:off x="2194560" y="17674920"/>
-            <a:ext cx="39501720" cy="9106920"/>
+            <a:off x="755968" y="5740771"/>
+            <a:ext cx="13607291" cy="2957905"/>
           </a:xfrm>
           <a:prstGeom prst="rect">
             <a:avLst/>
@@ -1780,8 +1780,8 @@
         </p:nvSpPr>
         <p:spPr>
           <a:xfrm>
-            <a:off x="1496160" y="4765320"/>
-            <a:ext cx="40898520" cy="13136400"/>
+            <a:off x="515388" y="1547766"/>
+            <a:ext cx="14088451" cy="4266669"/>
           </a:xfrm>
           <a:prstGeom prst="rect">
             <a:avLst/>
@@ -1792,7 +1792,7 @@
           <a:lstStyle/>
           <a:p>
             <a:r>
-              <a:rPr lang="en-IN" sz="27700">
+              <a:rPr lang="en-IN" sz="8997">
                 <a:latin typeface="Arial"/>
               </a:rPr>
               <a:t>Click to edit the title text format</a:t>
@@ -1813,8 +1813,8 @@
         </p:nvSpPr>
         <p:spPr>
           <a:xfrm>
-            <a:off x="40667760" y="29844720"/>
-            <a:ext cx="2633400" cy="2518560"/>
+            <a:off x="14008962" y="9693489"/>
+            <a:ext cx="907136" cy="818022"/>
           </a:xfrm>
           <a:prstGeom prst="rect">
             <a:avLst/>
@@ -1830,7 +1830,7 @@
               </a:lnSpc>
             </a:pPr>
             <a:fld id="{D947A323-11F2-46F4-9240-370675176F29}" type="slidenum">
-              <a:rPr lang="en-IN" sz="1400">
+              <a:rPr lang="en-IN" sz="455">
                 <a:solidFill>
                   <a:srgbClr val="000000"/>
                 </a:solidFill>
@@ -1855,8 +1855,8 @@
         </p:nvSpPr>
         <p:spPr>
           <a:xfrm>
-            <a:off x="2194560" y="7702560"/>
-            <a:ext cx="39501720" cy="19092240"/>
+            <a:off x="755968" y="2501774"/>
+            <a:ext cx="13607291" cy="6201111"/>
           </a:xfrm>
           <a:prstGeom prst="rect">
             <a:avLst/>
@@ -1872,7 +1872,7 @@
               <a:buChar char=""/>
             </a:pPr>
             <a:r>
-              <a:rPr lang="en-IN" sz="1400">
+              <a:rPr lang="en-IN" sz="455">
                 <a:latin typeface="Arial"/>
               </a:rPr>
               <a:t>Click to edit the outline text format</a:t>
@@ -1886,7 +1886,7 @@
               <a:buChar char=""/>
             </a:pPr>
             <a:r>
-              <a:rPr lang="en-IN" sz="1400">
+              <a:rPr lang="en-IN" sz="455">
                 <a:latin typeface="Arial"/>
               </a:rPr>
               <a:t>Second Outline Level</a:t>
@@ -1900,7 +1900,7 @@
               <a:buChar char=""/>
             </a:pPr>
             <a:r>
-              <a:rPr lang="en-IN" sz="1400">
+              <a:rPr lang="en-IN" sz="455">
                 <a:latin typeface="Arial"/>
               </a:rPr>
               <a:t>Third Outline Level</a:t>
@@ -1914,7 +1914,7 @@
               <a:buChar char=""/>
             </a:pPr>
             <a:r>
-              <a:rPr lang="en-IN" sz="1400">
+              <a:rPr lang="en-IN" sz="455">
                 <a:latin typeface="Arial"/>
               </a:rPr>
               <a:t>Fourth Outline Level</a:t>
@@ -1928,7 +1928,7 @@
               <a:buChar char=""/>
             </a:pPr>
             <a:r>
-              <a:rPr lang="en-IN" sz="2000">
+              <a:rPr lang="en-IN" sz="650">
                 <a:latin typeface="Arial"/>
               </a:rPr>
               <a:t>Fifth Outline Level</a:t>
@@ -1942,7 +1942,7 @@
               <a:buChar char=""/>
             </a:pPr>
             <a:r>
-              <a:rPr lang="en-IN" sz="2000">
+              <a:rPr lang="en-IN" sz="650">
                 <a:latin typeface="Arial"/>
               </a:rPr>
               <a:t>Sixth Outline Level</a:t>
@@ -1956,7 +1956,7 @@
               <a:buChar char=""/>
             </a:pPr>
             <a:r>
-              <a:rPr lang="en-IN" sz="2000">
+              <a:rPr lang="en-IN" sz="650">
                 <a:latin typeface="Arial"/>
               </a:rPr>
               <a:t>Seventh Outline Level</a:t>
@@ -1984,7 +1984,7 @@
   </p:sldLayoutIdLst>
   <p:txStyles>
     <p:titleStyle>
-      <a:lvl1pPr algn="l" defTabSz="914400" rtl="0" eaLnBrk="1" latinLnBrk="0" hangingPunct="1">
+      <a:lvl1pPr algn="l" defTabSz="297020" rtl="0" eaLnBrk="1" latinLnBrk="0" hangingPunct="1">
         <a:lnSpc>
           <a:spcPct val="90000"/>
         </a:lnSpc>
@@ -1992,7 +1992,7 @@
           <a:spcPct val="0"/>
         </a:spcBef>
         <a:buNone/>
-        <a:defRPr sz="4400" kern="1200">
+        <a:defRPr sz="1429" kern="1200">
           <a:solidFill>
             <a:schemeClr val="tx1"/>
           </a:solidFill>
@@ -2003,16 +2003,16 @@
       </a:lvl1pPr>
     </p:titleStyle>
     <p:bodyStyle>
-      <a:lvl1pPr marL="228600" indent="-228600" algn="l" defTabSz="914400" rtl="0" eaLnBrk="1" latinLnBrk="0" hangingPunct="1">
+      <a:lvl1pPr marL="74254" indent="-74254" algn="l" defTabSz="297020" rtl="0" eaLnBrk="1" latinLnBrk="0" hangingPunct="1">
         <a:lnSpc>
           <a:spcPct val="90000"/>
         </a:lnSpc>
         <a:spcBef>
-          <a:spcPts val="1000"/>
+          <a:spcPts val="325"/>
         </a:spcBef>
         <a:buFont typeface="Arial" panose="020B0604020202020204" pitchFamily="34" charset="0"/>
         <a:buChar char="•"/>
-        <a:defRPr sz="2800" kern="1200">
+        <a:defRPr sz="909" kern="1200">
           <a:solidFill>
             <a:schemeClr val="tx1"/>
           </a:solidFill>
@@ -2021,16 +2021,16 @@
           <a:cs typeface="+mn-cs"/>
         </a:defRPr>
       </a:lvl1pPr>
-      <a:lvl2pPr marL="685800" indent="-228600" algn="l" defTabSz="914400" rtl="0" eaLnBrk="1" latinLnBrk="0" hangingPunct="1">
+      <a:lvl2pPr marL="222764" indent="-74254" algn="l" defTabSz="297020" rtl="0" eaLnBrk="1" latinLnBrk="0" hangingPunct="1">
         <a:lnSpc>
           <a:spcPct val="90000"/>
         </a:lnSpc>
         <a:spcBef>
-          <a:spcPts val="500"/>
+          <a:spcPts val="162"/>
         </a:spcBef>
         <a:buFont typeface="Arial" panose="020B0604020202020204" pitchFamily="34" charset="0"/>
         <a:buChar char="•"/>
-        <a:defRPr sz="2400" kern="1200">
+        <a:defRPr sz="780" kern="1200">
           <a:solidFill>
             <a:schemeClr val="tx1"/>
           </a:solidFill>
@@ -2039,16 +2039,16 @@
           <a:cs typeface="+mn-cs"/>
         </a:defRPr>
       </a:lvl2pPr>
-      <a:lvl3pPr marL="1143000" indent="-228600" algn="l" defTabSz="914400" rtl="0" eaLnBrk="1" latinLnBrk="0" hangingPunct="1">
+      <a:lvl3pPr marL="371274" indent="-74254" algn="l" defTabSz="297020" rtl="0" eaLnBrk="1" latinLnBrk="0" hangingPunct="1">
         <a:lnSpc>
           <a:spcPct val="90000"/>
         </a:lnSpc>
         <a:spcBef>
-          <a:spcPts val="500"/>
+          <a:spcPts val="162"/>
         </a:spcBef>
         <a:buFont typeface="Arial" panose="020B0604020202020204" pitchFamily="34" charset="0"/>
         <a:buChar char="•"/>
-        <a:defRPr sz="2000" kern="1200">
+        <a:defRPr sz="650" kern="1200">
           <a:solidFill>
             <a:schemeClr val="tx1"/>
           </a:solidFill>
@@ -2057,16 +2057,16 @@
           <a:cs typeface="+mn-cs"/>
         </a:defRPr>
       </a:lvl3pPr>
-      <a:lvl4pPr marL="1600200" indent="-228600" algn="l" defTabSz="914400" rtl="0" eaLnBrk="1" latinLnBrk="0" hangingPunct="1">
+      <a:lvl4pPr marL="519784" indent="-74254" algn="l" defTabSz="297020" rtl="0" eaLnBrk="1" latinLnBrk="0" hangingPunct="1">
         <a:lnSpc>
           <a:spcPct val="90000"/>
         </a:lnSpc>
         <a:spcBef>
-          <a:spcPts val="500"/>
+          <a:spcPts val="162"/>
         </a:spcBef>
         <a:buFont typeface="Arial" panose="020B0604020202020204" pitchFamily="34" charset="0"/>
         <a:buChar char="•"/>
-        <a:defRPr sz="1800" kern="1200">
+        <a:defRPr sz="585" kern="1200">
           <a:solidFill>
             <a:schemeClr val="tx1"/>
           </a:solidFill>
@@ -2075,16 +2075,16 @@
           <a:cs typeface="+mn-cs"/>
         </a:defRPr>
       </a:lvl4pPr>
-      <a:lvl5pPr marL="2057400" indent="-228600" algn="l" defTabSz="914400" rtl="0" eaLnBrk="1" latinLnBrk="0" hangingPunct="1">
+      <a:lvl5pPr marL="668294" indent="-74254" algn="l" defTabSz="297020" rtl="0" eaLnBrk="1" latinLnBrk="0" hangingPunct="1">
         <a:lnSpc>
           <a:spcPct val="90000"/>
         </a:lnSpc>
         <a:spcBef>
-          <a:spcPts val="500"/>
+          <a:spcPts val="162"/>
         </a:spcBef>
         <a:buFont typeface="Arial" panose="020B0604020202020204" pitchFamily="34" charset="0"/>
         <a:buChar char="•"/>
-        <a:defRPr sz="1800" kern="1200">
+        <a:defRPr sz="585" kern="1200">
           <a:solidFill>
             <a:schemeClr val="tx1"/>
           </a:solidFill>
@@ -2093,16 +2093,16 @@
           <a:cs typeface="+mn-cs"/>
         </a:defRPr>
       </a:lvl5pPr>
-      <a:lvl6pPr marL="2514600" indent="-228600" algn="l" defTabSz="914400" rtl="0" eaLnBrk="1" latinLnBrk="0" hangingPunct="1">
+      <a:lvl6pPr marL="816803" indent="-74254" algn="l" defTabSz="297020" rtl="0" eaLnBrk="1" latinLnBrk="0" hangingPunct="1">
         <a:lnSpc>
           <a:spcPct val="90000"/>
         </a:lnSpc>
         <a:spcBef>
-          <a:spcPts val="500"/>
+          <a:spcPts val="162"/>
         </a:spcBef>
         <a:buFont typeface="Arial" panose="020B0604020202020204" pitchFamily="34" charset="0"/>
         <a:buChar char="•"/>
-        <a:defRPr sz="1800" kern="1200">
+        <a:defRPr sz="585" kern="1200">
           <a:solidFill>
             <a:schemeClr val="tx1"/>
           </a:solidFill>
@@ -2111,16 +2111,16 @@
           <a:cs typeface="+mn-cs"/>
         </a:defRPr>
       </a:lvl6pPr>
-      <a:lvl7pPr marL="2971800" indent="-228600" algn="l" defTabSz="914400" rtl="0" eaLnBrk="1" latinLnBrk="0" hangingPunct="1">
+      <a:lvl7pPr marL="965314" indent="-74254" algn="l" defTabSz="297020" rtl="0" eaLnBrk="1" latinLnBrk="0" hangingPunct="1">
         <a:lnSpc>
           <a:spcPct val="90000"/>
         </a:lnSpc>
         <a:spcBef>
-          <a:spcPts val="500"/>
+          <a:spcPts val="162"/>
         </a:spcBef>
         <a:buFont typeface="Arial" panose="020B0604020202020204" pitchFamily="34" charset="0"/>
         <a:buChar char="•"/>
-        <a:defRPr sz="1800" kern="1200">
+        <a:defRPr sz="585" kern="1200">
           <a:solidFill>
             <a:schemeClr val="tx1"/>
           </a:solidFill>
@@ -2129,16 +2129,16 @@
           <a:cs typeface="+mn-cs"/>
         </a:defRPr>
       </a:lvl7pPr>
-      <a:lvl8pPr marL="3429000" indent="-228600" algn="l" defTabSz="914400" rtl="0" eaLnBrk="1" latinLnBrk="0" hangingPunct="1">
+      <a:lvl8pPr marL="1113823" indent="-74254" algn="l" defTabSz="297020" rtl="0" eaLnBrk="1" latinLnBrk="0" hangingPunct="1">
         <a:lnSpc>
           <a:spcPct val="90000"/>
         </a:lnSpc>
         <a:spcBef>
-          <a:spcPts val="500"/>
+          <a:spcPts val="162"/>
         </a:spcBef>
         <a:buFont typeface="Arial" panose="020B0604020202020204" pitchFamily="34" charset="0"/>
         <a:buChar char="•"/>
-        <a:defRPr sz="1800" kern="1200">
+        <a:defRPr sz="585" kern="1200">
           <a:solidFill>
             <a:schemeClr val="tx1"/>
           </a:solidFill>
@@ -2147,16 +2147,16 @@
           <a:cs typeface="+mn-cs"/>
         </a:defRPr>
       </a:lvl8pPr>
-      <a:lvl9pPr marL="3886200" indent="-228600" algn="l" defTabSz="914400" rtl="0" eaLnBrk="1" latinLnBrk="0" hangingPunct="1">
+      <a:lvl9pPr marL="1262333" indent="-74254" algn="l" defTabSz="297020" rtl="0" eaLnBrk="1" latinLnBrk="0" hangingPunct="1">
         <a:lnSpc>
           <a:spcPct val="90000"/>
         </a:lnSpc>
         <a:spcBef>
-          <a:spcPts val="500"/>
+          <a:spcPts val="162"/>
         </a:spcBef>
         <a:buFont typeface="Arial" panose="020B0604020202020204" pitchFamily="34" charset="0"/>
         <a:buChar char="•"/>
-        <a:defRPr sz="1800" kern="1200">
+        <a:defRPr sz="585" kern="1200">
           <a:solidFill>
             <a:schemeClr val="tx1"/>
           </a:solidFill>
@@ -2170,8 +2170,8 @@
       <a:defPPr>
         <a:defRPr lang="pl-PL"/>
       </a:defPPr>
-      <a:lvl1pPr marL="0" algn="l" defTabSz="914400" rtl="0" eaLnBrk="1" latinLnBrk="0" hangingPunct="1">
-        <a:defRPr sz="1800" kern="1200">
+      <a:lvl1pPr marL="0" algn="l" defTabSz="297020" rtl="0" eaLnBrk="1" latinLnBrk="0" hangingPunct="1">
+        <a:defRPr sz="585" kern="1200">
           <a:solidFill>
             <a:schemeClr val="tx1"/>
           </a:solidFill>
@@ -2180,8 +2180,8 @@
           <a:cs typeface="+mn-cs"/>
         </a:defRPr>
       </a:lvl1pPr>
-      <a:lvl2pPr marL="457200" algn="l" defTabSz="914400" rtl="0" eaLnBrk="1" latinLnBrk="0" hangingPunct="1">
-        <a:defRPr sz="1800" kern="1200">
+      <a:lvl2pPr marL="148510" algn="l" defTabSz="297020" rtl="0" eaLnBrk="1" latinLnBrk="0" hangingPunct="1">
+        <a:defRPr sz="585" kern="1200">
           <a:solidFill>
             <a:schemeClr val="tx1"/>
           </a:solidFill>
@@ -2190,8 +2190,8 @@
           <a:cs typeface="+mn-cs"/>
         </a:defRPr>
       </a:lvl2pPr>
-      <a:lvl3pPr marL="914400" algn="l" defTabSz="914400" rtl="0" eaLnBrk="1" latinLnBrk="0" hangingPunct="1">
-        <a:defRPr sz="1800" kern="1200">
+      <a:lvl3pPr marL="297020" algn="l" defTabSz="297020" rtl="0" eaLnBrk="1" latinLnBrk="0" hangingPunct="1">
+        <a:defRPr sz="585" kern="1200">
           <a:solidFill>
             <a:schemeClr val="tx1"/>
           </a:solidFill>
@@ -2200,8 +2200,8 @@
           <a:cs typeface="+mn-cs"/>
         </a:defRPr>
       </a:lvl3pPr>
-      <a:lvl4pPr marL="1371600" algn="l" defTabSz="914400" rtl="0" eaLnBrk="1" latinLnBrk="0" hangingPunct="1">
-        <a:defRPr sz="1800" kern="1200">
+      <a:lvl4pPr marL="445530" algn="l" defTabSz="297020" rtl="0" eaLnBrk="1" latinLnBrk="0" hangingPunct="1">
+        <a:defRPr sz="585" kern="1200">
           <a:solidFill>
             <a:schemeClr val="tx1"/>
           </a:solidFill>
@@ -2210,8 +2210,8 @@
           <a:cs typeface="+mn-cs"/>
         </a:defRPr>
       </a:lvl4pPr>
-      <a:lvl5pPr marL="1828800" algn="l" defTabSz="914400" rtl="0" eaLnBrk="1" latinLnBrk="0" hangingPunct="1">
-        <a:defRPr sz="1800" kern="1200">
+      <a:lvl5pPr marL="594039" algn="l" defTabSz="297020" rtl="0" eaLnBrk="1" latinLnBrk="0" hangingPunct="1">
+        <a:defRPr sz="585" kern="1200">
           <a:solidFill>
             <a:schemeClr val="tx1"/>
           </a:solidFill>
@@ -2220,8 +2220,8 @@
           <a:cs typeface="+mn-cs"/>
         </a:defRPr>
       </a:lvl5pPr>
-      <a:lvl6pPr marL="2286000" algn="l" defTabSz="914400" rtl="0" eaLnBrk="1" latinLnBrk="0" hangingPunct="1">
-        <a:defRPr sz="1800" kern="1200">
+      <a:lvl6pPr marL="742549" algn="l" defTabSz="297020" rtl="0" eaLnBrk="1" latinLnBrk="0" hangingPunct="1">
+        <a:defRPr sz="585" kern="1200">
           <a:solidFill>
             <a:schemeClr val="tx1"/>
           </a:solidFill>
@@ -2230,8 +2230,8 @@
           <a:cs typeface="+mn-cs"/>
         </a:defRPr>
       </a:lvl6pPr>
-      <a:lvl7pPr marL="2743200" algn="l" defTabSz="914400" rtl="0" eaLnBrk="1" latinLnBrk="0" hangingPunct="1">
-        <a:defRPr sz="1800" kern="1200">
+      <a:lvl7pPr marL="891059" algn="l" defTabSz="297020" rtl="0" eaLnBrk="1" latinLnBrk="0" hangingPunct="1">
+        <a:defRPr sz="585" kern="1200">
           <a:solidFill>
             <a:schemeClr val="tx1"/>
           </a:solidFill>
@@ -2240,8 +2240,8 @@
           <a:cs typeface="+mn-cs"/>
         </a:defRPr>
       </a:lvl7pPr>
-      <a:lvl8pPr marL="3200400" algn="l" defTabSz="914400" rtl="0" eaLnBrk="1" latinLnBrk="0" hangingPunct="1">
-        <a:defRPr sz="1800" kern="1200">
+      <a:lvl8pPr marL="1039569" algn="l" defTabSz="297020" rtl="0" eaLnBrk="1" latinLnBrk="0" hangingPunct="1">
+        <a:defRPr sz="585" kern="1200">
           <a:solidFill>
             <a:schemeClr val="tx1"/>
           </a:solidFill>
@@ -2250,8 +2250,8 @@
           <a:cs typeface="+mn-cs"/>
         </a:defRPr>
       </a:lvl8pPr>
-      <a:lvl9pPr marL="3657600" algn="l" defTabSz="914400" rtl="0" eaLnBrk="1" latinLnBrk="0" hangingPunct="1">
-        <a:defRPr sz="1800" kern="1200">
+      <a:lvl9pPr marL="1188078" algn="l" defTabSz="297020" rtl="0" eaLnBrk="1" latinLnBrk="0" hangingPunct="1">
+        <a:defRPr sz="585" kern="1200">
           <a:solidFill>
             <a:schemeClr val="tx1"/>
           </a:solidFill>
@@ -2298,8 +2298,8 @@
         </p:nvSpPr>
         <p:spPr>
           <a:xfrm>
-            <a:off x="7083720" y="912240"/>
-            <a:ext cx="35915400" cy="4309920"/>
+            <a:off x="2732574" y="296294"/>
+            <a:ext cx="11665230" cy="1399851"/>
           </a:xfrm>
           <a:prstGeom prst="rect">
             <a:avLst/>
@@ -2320,8 +2320,8 @@
         </p:nvSpPr>
         <p:spPr>
           <a:xfrm>
-            <a:off x="1791360" y="911880"/>
-            <a:ext cx="5025240" cy="4892040"/>
+            <a:off x="1013630" y="296176"/>
+            <a:ext cx="1632185" cy="1588922"/>
           </a:xfrm>
           <a:prstGeom prst="rect">
             <a:avLst/>
@@ -2342,8 +2342,8 @@
         </p:nvSpPr>
         <p:spPr>
           <a:xfrm>
-            <a:off x="14973113" y="5445042"/>
-            <a:ext cx="13879080" cy="26510040"/>
+            <a:off x="5295029" y="1768537"/>
+            <a:ext cx="4507890" cy="8610393"/>
           </a:xfrm>
           <a:prstGeom prst="rect">
             <a:avLst/>
@@ -2364,8 +2364,8 @@
         </p:nvSpPr>
         <p:spPr>
           <a:xfrm>
-            <a:off x="871239" y="5445042"/>
-            <a:ext cx="13879080" cy="26510040"/>
+            <a:off x="714776" y="1768537"/>
+            <a:ext cx="4507890" cy="8610393"/>
           </a:xfrm>
           <a:prstGeom prst="rect">
             <a:avLst/>
@@ -2381,7 +2381,7 @@
           <a:bodyPr/>
           <a:lstStyle/>
           <a:p>
-            <a:endParaRPr lang="pl-PL" dirty="0"/>
+            <a:endParaRPr lang="pl-PL" sz="197" dirty="0"/>
           </a:p>
         </p:txBody>
       </p:sp>
@@ -2393,8 +2393,8 @@
         </p:nvSpPr>
         <p:spPr>
           <a:xfrm>
-            <a:off x="29120040" y="5454360"/>
-            <a:ext cx="13879080" cy="26510040"/>
+            <a:off x="9889915" y="1771563"/>
+            <a:ext cx="4507890" cy="8610393"/>
           </a:xfrm>
           <a:prstGeom prst="rect">
             <a:avLst/>
@@ -2415,8 +2415,8 @@
         </p:nvSpPr>
         <p:spPr>
           <a:xfrm>
-            <a:off x="7738560" y="997890"/>
-            <a:ext cx="29207880" cy="1660350"/>
+            <a:off x="2945265" y="324112"/>
+            <a:ext cx="9486645" cy="539277"/>
           </a:xfrm>
           <a:prstGeom prst="rect">
             <a:avLst/>
@@ -2427,7 +2427,7 @@
           </a:ln>
         </p:spPr>
         <p:txBody>
-          <a:bodyPr tIns="91440" bIns="91440"/>
+          <a:bodyPr tIns="29699" bIns="29699"/>
           <a:lstStyle/>
           <a:p>
             <a:pPr>
@@ -2436,7 +2436,7 @@
               </a:lnSpc>
             </a:pPr>
             <a:r>
-              <a:rPr lang="pl-PL" sz="8800" dirty="0">
+              <a:rPr lang="pl-PL" sz="2858" dirty="0">
                 <a:solidFill>
                   <a:srgbClr val="FFFFFF"/>
                 </a:solidFill>
@@ -2445,7 +2445,7 @@
               </a:rPr>
               <a:t>Wizualizacja drzewa stanów algorytmu UCT</a:t>
             </a:r>
-            <a:endParaRPr sz="2400" dirty="0"/>
+            <a:endParaRPr sz="780" dirty="0"/>
           </a:p>
         </p:txBody>
       </p:sp>
@@ -2457,8 +2457,8 @@
         </p:nvSpPr>
         <p:spPr>
           <a:xfrm>
-            <a:off x="7794000" y="2570975"/>
-            <a:ext cx="34077240" cy="2389358"/>
+            <a:off x="2963271" y="835047"/>
+            <a:ext cx="11068201" cy="776057"/>
           </a:xfrm>
           <a:prstGeom prst="rect">
             <a:avLst/>
@@ -2469,7 +2469,7 @@
           </a:ln>
         </p:spPr>
         <p:txBody>
-          <a:bodyPr tIns="91440" bIns="91440"/>
+          <a:bodyPr tIns="29699" bIns="29699"/>
           <a:lstStyle/>
           <a:p>
             <a:pPr>
@@ -2478,7 +2478,7 @@
               </a:lnSpc>
             </a:pPr>
             <a:r>
-              <a:rPr lang="pl-PL" sz="4400" dirty="0">
+              <a:rPr lang="pl-PL" sz="1429" dirty="0">
                 <a:solidFill>
                   <a:srgbClr val="FFFFFF"/>
                 </a:solidFill>
@@ -2495,7 +2495,7 @@
               </a:lnSpc>
             </a:pPr>
             <a:r>
-              <a:rPr lang="pl-PL" sz="4400" dirty="0">
+              <a:rPr lang="pl-PL" sz="1429" dirty="0">
                 <a:solidFill>
                   <a:srgbClr val="FFFFFF"/>
                 </a:solidFill>
@@ -2512,7 +2512,7 @@
               </a:lnSpc>
             </a:pPr>
             <a:r>
-              <a:rPr lang="pl-PL" sz="4400" dirty="0">
+              <a:rPr lang="pl-PL" sz="1429" dirty="0">
                 <a:solidFill>
                   <a:srgbClr val="FFFFFF"/>
                 </a:solidFill>
@@ -2532,8 +2532,8 @@
         </p:nvSpPr>
         <p:spPr>
           <a:xfrm>
-            <a:off x="24904080" y="3308400"/>
-            <a:ext cx="12130920" cy="1230840"/>
+            <a:off x="8520583" y="1074559"/>
+            <a:ext cx="3940092" cy="399774"/>
           </a:xfrm>
           <a:prstGeom prst="rect">
             <a:avLst/>
@@ -2544,7 +2544,7 @@
           </a:ln>
         </p:spPr>
         <p:txBody>
-          <a:bodyPr tIns="91440" bIns="91440"/>
+          <a:bodyPr tIns="29699" bIns="29699"/>
           <a:lstStyle/>
           <a:p>
             <a:pPr>
@@ -2552,7 +2552,7 @@
                 <a:spcPct val="115000"/>
               </a:lnSpc>
             </a:pPr>
-            <a:endParaRPr/>
+            <a:endParaRPr sz="197"/>
           </a:p>
           <a:p>
             <a:pPr>
@@ -2560,7 +2560,7 @@
                 <a:spcPct val="115000"/>
               </a:lnSpc>
             </a:pPr>
-            <a:endParaRPr/>
+            <a:endParaRPr sz="197"/>
           </a:p>
           <a:p>
             <a:pPr>
@@ -2568,7 +2568,7 @@
                 <a:spcPct val="115000"/>
               </a:lnSpc>
             </a:pPr>
-            <a:endParaRPr/>
+            <a:endParaRPr sz="197"/>
           </a:p>
           <a:p>
             <a:pPr>
@@ -2576,7 +2576,7 @@
                 <a:spcPct val="115000"/>
               </a:lnSpc>
             </a:pPr>
-            <a:endParaRPr/>
+            <a:endParaRPr sz="197"/>
           </a:p>
           <a:p>
             <a:pPr>
@@ -2584,7 +2584,7 @@
                 <a:spcPct val="100000"/>
               </a:lnSpc>
             </a:pPr>
-            <a:endParaRPr/>
+            <a:endParaRPr sz="197"/>
           </a:p>
           <a:p>
             <a:pPr>
@@ -2592,7 +2592,7 @@
                 <a:spcPct val="115000"/>
               </a:lnSpc>
             </a:pPr>
-            <a:endParaRPr/>
+            <a:endParaRPr sz="197"/>
           </a:p>
           <a:p>
             <a:pPr>
@@ -2600,7 +2600,7 @@
                 <a:spcPct val="100000"/>
               </a:lnSpc>
             </a:pPr>
-            <a:endParaRPr/>
+            <a:endParaRPr sz="197"/>
           </a:p>
         </p:txBody>
       </p:sp>
@@ -2612,8 +2612,8 @@
         </p:nvSpPr>
         <p:spPr>
           <a:xfrm>
-            <a:off x="871239" y="31583439"/>
-            <a:ext cx="13879080" cy="390960"/>
+            <a:off x="714776" y="10258221"/>
+            <a:ext cx="4507890" cy="126983"/>
           </a:xfrm>
           <a:prstGeom prst="rect">
             <a:avLst/>
@@ -2634,8 +2634,8 @@
         </p:nvSpPr>
         <p:spPr>
           <a:xfrm>
-            <a:off x="14983059" y="31582463"/>
-            <a:ext cx="13879080" cy="390960"/>
+            <a:off x="5298258" y="10257904"/>
+            <a:ext cx="4507890" cy="126983"/>
           </a:xfrm>
           <a:prstGeom prst="rect">
             <a:avLst/>
@@ -2656,8 +2656,8 @@
         </p:nvSpPr>
         <p:spPr>
           <a:xfrm>
-            <a:off x="29120040" y="31573800"/>
-            <a:ext cx="13879080" cy="390960"/>
+            <a:off x="9889915" y="10255091"/>
+            <a:ext cx="4507890" cy="126983"/>
           </a:xfrm>
           <a:prstGeom prst="rect">
             <a:avLst/>
@@ -2678,8 +2678,8 @@
         </p:nvSpPr>
         <p:spPr>
           <a:xfrm>
-            <a:off x="896400" y="912240"/>
-            <a:ext cx="659160" cy="4309920"/>
+            <a:off x="722949" y="296294"/>
+            <a:ext cx="214093" cy="1399851"/>
           </a:xfrm>
           <a:prstGeom prst="rect">
             <a:avLst/>
@@ -2701,7 +2701,7 @@
           <p:nvPr/>
         </p:nvPicPr>
         <p:blipFill>
-          <a:blip r:embed="rId3">
+          <a:blip r:embed="rId3" cstate="print">
             <a:extLst>
               <a:ext uri="{28A0092B-C50C-407E-A947-70E740481C1C}">
                 <a14:useLocalDpi xmlns:a14="http://schemas.microsoft.com/office/drawing/2010/main" val="0"/>
@@ -2715,8 +2715,8 @@
         </p:blipFill>
         <p:spPr bwMode="auto">
           <a:xfrm>
-            <a:off x="2265840" y="1172910"/>
-            <a:ext cx="4082940" cy="4082940"/>
+            <a:off x="1167739" y="380959"/>
+            <a:ext cx="1326129" cy="1326129"/>
           </a:xfrm>
           <a:prstGeom prst="rect">
             <a:avLst/>
@@ -2741,8 +2741,8 @@
         </p:nvSpPr>
         <p:spPr>
           <a:xfrm>
-            <a:off x="3977229" y="12963896"/>
-            <a:ext cx="11623320" cy="1257120"/>
+            <a:off x="722949" y="4210641"/>
+            <a:ext cx="4485084" cy="408308"/>
           </a:xfrm>
           <a:prstGeom prst="rect">
             <a:avLst/>
@@ -2753,16 +2753,16 @@
           </a:ln>
         </p:spPr>
         <p:txBody>
-          <a:bodyPr tIns="91440" bIns="91440"/>
-          <a:lstStyle/>
-          <a:p>
-            <a:pPr>
+          <a:bodyPr tIns="29699" bIns="29699"/>
+          <a:lstStyle/>
+          <a:p>
+            <a:pPr algn="ctr">
               <a:lnSpc>
                 <a:spcPct val="115000"/>
               </a:lnSpc>
             </a:pPr>
             <a:r>
-              <a:rPr lang="pl-PL" sz="7200" b="1" dirty="0">
+              <a:rPr lang="pl-PL" sz="2339" b="1" dirty="0">
                 <a:solidFill>
                   <a:srgbClr val="666666"/>
                 </a:solidFill>
@@ -2771,7 +2771,7 @@
               </a:rPr>
               <a:t>Sztuczna inteligencja</a:t>
             </a:r>
-            <a:endParaRPr sz="2800" dirty="0"/>
+            <a:endParaRPr sz="909" dirty="0"/>
           </a:p>
         </p:txBody>
       </p:sp>
@@ -2783,8 +2783,8 @@
         </p:nvSpPr>
         <p:spPr>
           <a:xfrm>
-            <a:off x="31066752" y="24632777"/>
-            <a:ext cx="12100200" cy="1257120"/>
+            <a:off x="9901784" y="8000664"/>
+            <a:ext cx="4496020" cy="408308"/>
           </a:xfrm>
           <a:prstGeom prst="rect">
             <a:avLst/>
@@ -2795,16 +2795,16 @@
           </a:ln>
         </p:spPr>
         <p:txBody>
-          <a:bodyPr tIns="91440" bIns="91440"/>
-          <a:lstStyle/>
-          <a:p>
-            <a:pPr>
+          <a:bodyPr tIns="29699" bIns="29699"/>
+          <a:lstStyle/>
+          <a:p>
+            <a:pPr algn="ctr">
               <a:lnSpc>
                 <a:spcPct val="115000"/>
               </a:lnSpc>
             </a:pPr>
             <a:r>
-              <a:rPr lang="pl-PL" sz="7200" b="1" dirty="0">
+              <a:rPr lang="pl-PL" sz="2339" b="1" dirty="0">
                 <a:solidFill>
                   <a:srgbClr val="666666"/>
                 </a:solidFill>
@@ -2812,7 +2812,7 @@
               </a:rPr>
               <a:t>Wykorzystane technologie</a:t>
             </a:r>
-            <a:endParaRPr sz="2800" dirty="0"/>
+            <a:endParaRPr sz="909" dirty="0"/>
           </a:p>
         </p:txBody>
       </p:sp>
@@ -2831,7 +2831,7 @@
           <p:nvPr/>
         </p:nvPicPr>
         <p:blipFill>
-          <a:blip r:embed="rId4">
+          <a:blip r:embed="rId4" cstate="print">
             <a:extLst>
               <a:ext uri="{28A0092B-C50C-407E-A947-70E740481C1C}">
                 <a14:useLocalDpi xmlns:a14="http://schemas.microsoft.com/office/drawing/2010/main" val="0"/>
@@ -2844,8 +2844,8 @@
         </p:blipFill>
         <p:spPr bwMode="auto">
           <a:xfrm>
-            <a:off x="30409427" y="26653382"/>
-            <a:ext cx="2283634" cy="2283634"/>
+            <a:off x="10308705" y="8656951"/>
+            <a:ext cx="741719" cy="741719"/>
           </a:xfrm>
           <a:prstGeom prst="rect">
             <a:avLst/>
@@ -2877,7 +2877,7 @@
           <p:nvPr/>
         </p:nvPicPr>
         <p:blipFill>
-          <a:blip r:embed="rId5">
+          <a:blip r:embed="rId5" cstate="print">
             <a:extLst>
               <a:ext uri="{28A0092B-C50C-407E-A947-70E740481C1C}">
                 <a14:useLocalDpi xmlns:a14="http://schemas.microsoft.com/office/drawing/2010/main" val="0"/>
@@ -2890,8 +2890,8 @@
         </p:blipFill>
         <p:spPr bwMode="auto">
           <a:xfrm>
-            <a:off x="39501776" y="26653382"/>
-            <a:ext cx="2146540" cy="2146540"/>
+            <a:off x="13261877" y="8656951"/>
+            <a:ext cx="697191" cy="697191"/>
           </a:xfrm>
           <a:prstGeom prst="rect">
             <a:avLst/>
@@ -2936,8 +2936,8 @@
         </p:blipFill>
         <p:spPr bwMode="auto">
           <a:xfrm>
-            <a:off x="34908859" y="26615282"/>
-            <a:ext cx="2094404" cy="2181670"/>
+            <a:off x="11770110" y="8644577"/>
+            <a:ext cx="680257" cy="708601"/>
           </a:xfrm>
           <a:prstGeom prst="rect">
             <a:avLst/>
@@ -2969,7 +2969,7 @@
           <p:nvPr/>
         </p:nvPicPr>
         <p:blipFill>
-          <a:blip r:embed="rId7">
+          <a:blip r:embed="rId7" cstate="print">
             <a:extLst>
               <a:ext uri="{28A0092B-C50C-407E-A947-70E740481C1C}">
                 <a14:useLocalDpi xmlns:a14="http://schemas.microsoft.com/office/drawing/2010/main" val="0"/>
@@ -2982,8 +2982,8 @@
         </p:blipFill>
         <p:spPr bwMode="auto">
           <a:xfrm>
-            <a:off x="40828820" y="52761637"/>
-            <a:ext cx="3056740" cy="1333850"/>
+            <a:off x="13692897" y="17136846"/>
+            <a:ext cx="992821" cy="433231"/>
           </a:xfrm>
           <a:prstGeom prst="rect">
             <a:avLst/>
@@ -3009,7 +3009,7 @@
           <p:nvPr/>
         </p:nvPicPr>
         <p:blipFill>
-          <a:blip r:embed="rId8">
+          <a:blip r:embed="rId8" cstate="print">
             <a:extLst>
               <a:ext uri="{28A0092B-C50C-407E-A947-70E740481C1C}">
                 <a14:useLocalDpi xmlns:a14="http://schemas.microsoft.com/office/drawing/2010/main" val="0"/>
@@ -3023,8 +3023,8 @@
         </p:blipFill>
         <p:spPr bwMode="auto">
           <a:xfrm>
-            <a:off x="30061895" y="28714363"/>
-            <a:ext cx="3149489" cy="2365410"/>
+            <a:off x="10195827" y="9326353"/>
+            <a:ext cx="1022946" cy="768279"/>
           </a:xfrm>
           <a:prstGeom prst="rect">
             <a:avLst/>
@@ -3056,7 +3056,7 @@
           <p:nvPr/>
         </p:nvPicPr>
         <p:blipFill>
-          <a:blip r:embed="rId7">
+          <a:blip r:embed="rId9" cstate="print">
             <a:extLst>
               <a:ext uri="{28A0092B-C50C-407E-A947-70E740481C1C}">
                 <a14:useLocalDpi xmlns:a14="http://schemas.microsoft.com/office/drawing/2010/main" val="0"/>
@@ -3069,8 +3069,8 @@
         </p:blipFill>
         <p:spPr bwMode="auto">
           <a:xfrm>
-            <a:off x="34539648" y="29233825"/>
-            <a:ext cx="3039864" cy="1326486"/>
+            <a:off x="11650190" y="9495073"/>
+            <a:ext cx="987340" cy="430839"/>
           </a:xfrm>
           <a:prstGeom prst="rect">
             <a:avLst/>
@@ -3096,7 +3096,7 @@
           <p:nvPr/>
         </p:nvPicPr>
         <p:blipFill>
-          <a:blip r:embed="rId9" cstate="print">
+          <a:blip r:embed="rId10" cstate="print">
             <a:extLst>
               <a:ext uri="{28A0092B-C50C-407E-A947-70E740481C1C}">
                 <a14:useLocalDpi xmlns:a14="http://schemas.microsoft.com/office/drawing/2010/main" val="0"/>
@@ -3110,8 +3110,8 @@
         </p:blipFill>
         <p:spPr bwMode="auto">
           <a:xfrm>
-            <a:off x="39041184" y="29233825"/>
-            <a:ext cx="3067723" cy="1214307"/>
+            <a:off x="13112278" y="9495072"/>
+            <a:ext cx="996389" cy="394404"/>
           </a:xfrm>
           <a:prstGeom prst="rect">
             <a:avLst/>
@@ -3136,8 +3136,8 @@
         </p:nvSpPr>
         <p:spPr>
           <a:xfrm>
-            <a:off x="19443432" y="6126456"/>
-            <a:ext cx="11623320" cy="1257120"/>
+            <a:off x="5298261" y="1989858"/>
+            <a:ext cx="4504660" cy="408308"/>
           </a:xfrm>
           <a:prstGeom prst="rect">
             <a:avLst/>
@@ -3148,16 +3148,16 @@
           </a:ln>
         </p:spPr>
         <p:txBody>
-          <a:bodyPr tIns="91440" bIns="91440"/>
-          <a:lstStyle/>
-          <a:p>
-            <a:pPr>
+          <a:bodyPr tIns="29699" bIns="29699"/>
+          <a:lstStyle/>
+          <a:p>
+            <a:pPr algn="ctr">
               <a:lnSpc>
                 <a:spcPct val="115000"/>
               </a:lnSpc>
             </a:pPr>
             <a:r>
-              <a:rPr lang="pl-PL" sz="7200" b="1" dirty="0">
+              <a:rPr lang="pl-PL" sz="2339" b="1" dirty="0">
                 <a:solidFill>
                   <a:srgbClr val="666666"/>
                 </a:solidFill>
@@ -3166,7 +3166,7 @@
               </a:rPr>
               <a:t>Gry logiczne</a:t>
             </a:r>
-            <a:endParaRPr sz="2800" dirty="0"/>
+            <a:endParaRPr sz="909" dirty="0"/>
           </a:p>
         </p:txBody>
       </p:sp>
@@ -3179,15 +3179,15 @@
           <p:nvPr/>
         </p:nvPicPr>
         <p:blipFill>
-          <a:blip r:embed="rId10"/>
+          <a:blip r:embed="rId11"/>
           <a:stretch>
             <a:fillRect/>
           </a:stretch>
         </p:blipFill>
         <p:spPr>
           <a:xfrm>
-            <a:off x="22032737" y="7901378"/>
-            <a:ext cx="5715000" cy="5715000"/>
+            <a:off x="7587977" y="2566347"/>
+            <a:ext cx="1856217" cy="1856217"/>
           </a:xfrm>
           <a:prstGeom prst="rect">
             <a:avLst/>
@@ -3202,8 +3202,8 @@
         </p:nvSpPr>
         <p:spPr>
           <a:xfrm>
-            <a:off x="5107757" y="6361211"/>
-            <a:ext cx="11623320" cy="1257120"/>
+            <a:off x="711547" y="2066106"/>
+            <a:ext cx="4496487" cy="408308"/>
           </a:xfrm>
           <a:prstGeom prst="rect">
             <a:avLst/>
@@ -3214,16 +3214,16 @@
           </a:ln>
         </p:spPr>
         <p:txBody>
-          <a:bodyPr tIns="91440" bIns="91440"/>
-          <a:lstStyle/>
-          <a:p>
-            <a:pPr>
+          <a:bodyPr tIns="29699" bIns="29699"/>
+          <a:lstStyle/>
+          <a:p>
+            <a:pPr algn="ctr">
               <a:lnSpc>
                 <a:spcPct val="115000"/>
               </a:lnSpc>
             </a:pPr>
             <a:r>
-              <a:rPr lang="pl-PL" sz="7200" b="1" dirty="0">
+              <a:rPr lang="pl-PL" sz="2339" b="1" dirty="0">
                 <a:solidFill>
                   <a:srgbClr val="666666"/>
                 </a:solidFill>
@@ -3232,7 +3232,7 @@
               </a:rPr>
               <a:t>Algorytm UCT</a:t>
             </a:r>
-            <a:endParaRPr sz="2800" dirty="0"/>
+            <a:endParaRPr sz="909" dirty="0"/>
           </a:p>
         </p:txBody>
       </p:sp>
@@ -3244,8 +3244,8 @@
         </p:nvSpPr>
         <p:spPr>
           <a:xfrm>
-            <a:off x="32262240" y="17508394"/>
-            <a:ext cx="11623320" cy="1257120"/>
+            <a:off x="9889916" y="5686684"/>
+            <a:ext cx="4507889" cy="408308"/>
           </a:xfrm>
           <a:prstGeom prst="rect">
             <a:avLst/>
@@ -3256,16 +3256,16 @@
           </a:ln>
         </p:spPr>
         <p:txBody>
-          <a:bodyPr tIns="91440" bIns="91440"/>
-          <a:lstStyle/>
-          <a:p>
-            <a:pPr>
+          <a:bodyPr tIns="29699" bIns="29699"/>
+          <a:lstStyle/>
+          <a:p>
+            <a:pPr algn="ctr">
               <a:lnSpc>
                 <a:spcPct val="115000"/>
               </a:lnSpc>
             </a:pPr>
             <a:r>
-              <a:rPr lang="pl-PL" sz="7200" b="1" dirty="0" err="1">
+              <a:rPr lang="pl-PL" sz="2339" b="1" dirty="0" err="1">
                 <a:solidFill>
                   <a:srgbClr val="666666"/>
                 </a:solidFill>
@@ -3274,7 +3274,7 @@
               </a:rPr>
               <a:t>Wieloplatformowość</a:t>
             </a:r>
-            <a:endParaRPr sz="2800" dirty="0"/>
+            <a:endParaRPr sz="909" dirty="0"/>
           </a:p>
         </p:txBody>
       </p:sp>
@@ -3286,8 +3286,8 @@
         </p:nvSpPr>
         <p:spPr>
           <a:xfrm>
-            <a:off x="29648995" y="15444356"/>
-            <a:ext cx="5750816" cy="8320459"/>
+            <a:off x="10061719" y="5016287"/>
+            <a:ext cx="1867850" cy="2702464"/>
           </a:xfrm>
           <a:prstGeom prst="rect">
             <a:avLst/>
@@ -3298,7 +3298,7 @@
           </a:ln>
         </p:spPr>
         <p:txBody>
-          <a:bodyPr tIns="91440" bIns="91440"/>
+          <a:bodyPr tIns="29699" bIns="29699"/>
           <a:lstStyle/>
           <a:p>
             <a:pPr algn="just">
@@ -3306,7 +3306,7 @@
                 <a:spcPct val="115000"/>
               </a:lnSpc>
             </a:pPr>
-            <a:endParaRPr sz="4100" dirty="0"/>
+            <a:endParaRPr sz="1332" dirty="0"/>
           </a:p>
         </p:txBody>
       </p:sp>
@@ -3325,15 +3325,15 @@
           <p:nvPr/>
         </p:nvPicPr>
         <p:blipFill>
-          <a:blip r:embed="rId11"/>
+          <a:blip r:embed="rId12"/>
           <a:stretch>
             <a:fillRect/>
           </a:stretch>
         </p:blipFill>
         <p:spPr>
           <a:xfrm>
-            <a:off x="33379750" y="7883168"/>
-            <a:ext cx="5636254" cy="9161719"/>
+            <a:off x="11273459" y="2560433"/>
+            <a:ext cx="1830641" cy="2975703"/>
           </a:xfrm>
           <a:prstGeom prst="rect">
             <a:avLst/>
@@ -3355,15 +3355,15 @@
           <p:nvPr/>
         </p:nvPicPr>
         <p:blipFill>
-          <a:blip r:embed="rId12"/>
+          <a:blip r:embed="rId13"/>
           <a:stretch>
             <a:fillRect/>
           </a:stretch>
         </p:blipFill>
         <p:spPr>
           <a:xfrm>
-            <a:off x="1759412" y="25481410"/>
-            <a:ext cx="5695981" cy="5686425"/>
+            <a:off x="1003253" y="8276298"/>
+            <a:ext cx="1850040" cy="1846936"/>
           </a:xfrm>
           <a:prstGeom prst="rect">
             <a:avLst/>
@@ -3385,15 +3385,15 @@
           <p:nvPr/>
         </p:nvPicPr>
         <p:blipFill>
-          <a:blip r:embed="rId13"/>
+          <a:blip r:embed="rId14"/>
           <a:stretch>
             <a:fillRect/>
           </a:stretch>
         </p:blipFill>
         <p:spPr>
           <a:xfrm>
-            <a:off x="15913712" y="7846019"/>
-            <a:ext cx="5676900" cy="5705475"/>
+            <a:off x="5600534" y="2548367"/>
+            <a:ext cx="1843843" cy="1853124"/>
           </a:xfrm>
           <a:prstGeom prst="rect">
             <a:avLst/>
@@ -3415,15 +3415,15 @@
           <p:nvPr/>
         </p:nvPicPr>
         <p:blipFill>
-          <a:blip r:embed="rId14"/>
+          <a:blip r:embed="rId15"/>
           <a:stretch>
             <a:fillRect/>
           </a:stretch>
         </p:blipFill>
         <p:spPr>
           <a:xfrm>
-            <a:off x="1791360" y="8089486"/>
-            <a:ext cx="11296231" cy="4603538"/>
+            <a:off x="1013630" y="2627445"/>
+            <a:ext cx="3668987" cy="1495217"/>
           </a:xfrm>
           <a:prstGeom prst="rect">
             <a:avLst/>
@@ -3444,8 +3444,8 @@
         </p:nvSpPr>
         <p:spPr>
           <a:xfrm>
-            <a:off x="3969819" y="23719437"/>
-            <a:ext cx="11623320" cy="1257120"/>
+            <a:off x="1721189" y="7704014"/>
+            <a:ext cx="3775225" cy="408308"/>
           </a:xfrm>
           <a:prstGeom prst="rect">
             <a:avLst/>
@@ -3456,7 +3456,7 @@
           </a:ln>
         </p:spPr>
         <p:txBody>
-          <a:bodyPr tIns="91440" bIns="91440"/>
+          <a:bodyPr tIns="29699" bIns="29699"/>
           <a:lstStyle/>
           <a:p>
             <a:pPr>
@@ -3465,7 +3465,7 @@
               </a:lnSpc>
             </a:pPr>
             <a:r>
-              <a:rPr lang="pl-PL" sz="7200" b="1" dirty="0">
+              <a:rPr lang="pl-PL" sz="2339" b="1" dirty="0">
                 <a:solidFill>
                   <a:srgbClr val="666666"/>
                 </a:solidFill>
@@ -3474,7 +3474,7 @@
               </a:rPr>
               <a:t>Wizualizacja drzewa</a:t>
             </a:r>
-            <a:endParaRPr sz="2800" dirty="0"/>
+            <a:endParaRPr sz="909" dirty="0"/>
           </a:p>
         </p:txBody>
       </p:sp>
@@ -3493,13 +3493,13 @@
           <p:nvPr/>
         </p:nvPicPr>
         <p:blipFill>
-          <a:blip r:embed="rId15">
+          <a:blip r:embed="rId16" cstate="print">
             <a:extLst>
               <a:ext uri="{28A0092B-C50C-407E-A947-70E740481C1C}">
                 <a14:useLocalDpi xmlns:a14="http://schemas.microsoft.com/office/drawing/2010/main" val="0"/>
               </a:ext>
               <a:ext uri="{96DAC541-7B7A-43D3-8B79-37D633B846F1}">
-                <asvg:svgBlip xmlns:asvg="http://schemas.microsoft.com/office/drawing/2016/SVG/main" r:embed="rId16"/>
+                <asvg:svgBlip xmlns:asvg="http://schemas.microsoft.com/office/drawing/2016/SVG/main" xmlns="" r:embed="rId17"/>
               </a:ext>
             </a:extLst>
           </a:blip>
@@ -3509,8 +3509,8 @@
         </p:blipFill>
         <p:spPr>
           <a:xfrm>
-            <a:off x="15598435" y="17587213"/>
-            <a:ext cx="6267450" cy="3629025"/>
+            <a:off x="5498133" y="5712283"/>
+            <a:ext cx="2035652" cy="1178698"/>
           </a:xfrm>
           <a:prstGeom prst="rect">
             <a:avLst/>
@@ -3532,13 +3532,13 @@
           <p:nvPr/>
         </p:nvPicPr>
         <p:blipFill>
-          <a:blip r:embed="rId17">
+          <a:blip r:embed="rId18" cstate="print">
             <a:extLst>
               <a:ext uri="{28A0092B-C50C-407E-A947-70E740481C1C}">
                 <a14:useLocalDpi xmlns:a14="http://schemas.microsoft.com/office/drawing/2010/main" val="0"/>
               </a:ext>
               <a:ext uri="{96DAC541-7B7A-43D3-8B79-37D633B846F1}">
-                <asvg:svgBlip xmlns:asvg="http://schemas.microsoft.com/office/drawing/2016/SVG/main" r:embed="rId18"/>
+                <asvg:svgBlip xmlns:asvg="http://schemas.microsoft.com/office/drawing/2016/SVG/main" xmlns="" r:embed="rId19"/>
               </a:ext>
             </a:extLst>
           </a:blip>
@@ -3548,8 +3548,8 @@
         </p:blipFill>
         <p:spPr>
           <a:xfrm>
-            <a:off x="21969900" y="17577688"/>
-            <a:ext cx="6276975" cy="3638550"/>
+            <a:off x="7567569" y="5709188"/>
+            <a:ext cx="2038745" cy="1181792"/>
           </a:xfrm>
           <a:prstGeom prst="rect">
             <a:avLst/>
@@ -3562,53 +3562,6 @@
             <a:extLst>
               <a:ext uri="{FF2B5EF4-FFF2-40B4-BE49-F238E27FC236}">
                 <a16:creationId xmlns:a16="http://schemas.microsoft.com/office/drawing/2014/main" id="{6809AB0A-E217-4006-ABB1-A1DC443C4D43}"/>
-              </a:ext>
-            </a:extLst>
-          </p:cNvPr>
-          <p:cNvPicPr>
-            <a:picLocks noChangeAspect="1" noChangeArrowheads="1"/>
-          </p:cNvPicPr>
-          <p:nvPr/>
-        </p:nvPicPr>
-        <p:blipFill>
-          <a:blip r:embed="rId19">
-            <a:extLst>
-              <a:ext uri="{28A0092B-C50C-407E-A947-70E740481C1C}">
-                <a14:useLocalDpi xmlns:a14="http://schemas.microsoft.com/office/drawing/2010/main" val="0"/>
-              </a:ext>
-            </a:extLst>
-          </a:blip>
-          <a:srcRect/>
-          <a:stretch>
-            <a:fillRect/>
-          </a:stretch>
-        </p:blipFill>
-        <p:spPr bwMode="auto">
-          <a:xfrm>
-            <a:off x="37327738" y="19685975"/>
-            <a:ext cx="3836586" cy="3849418"/>
-          </a:xfrm>
-          <a:prstGeom prst="rect">
-            <a:avLst/>
-          </a:prstGeom>
-          <a:noFill/>
-          <a:extLst>
-            <a:ext uri="{909E8E84-426E-40DD-AFC4-6F175D3DCCD1}">
-              <a14:hiddenFill xmlns:a14="http://schemas.microsoft.com/office/drawing/2010/main">
-                <a:solidFill>
-                  <a:srgbClr val="FFFFFF"/>
-                </a:solidFill>
-              </a14:hiddenFill>
-            </a:ext>
-          </a:extLst>
-        </p:spPr>
-      </p:pic>
-      <p:pic>
-        <p:nvPicPr>
-          <p:cNvPr id="7" name="Picture 6" descr="Znalezione obrazy dla zapytania: linux logo transparent&quot;">
-            <a:extLst>
-              <a:ext uri="{FF2B5EF4-FFF2-40B4-BE49-F238E27FC236}">
-                <a16:creationId xmlns:a16="http://schemas.microsoft.com/office/drawing/2014/main" id="{7A393288-4510-4A2F-BB2D-E1E9AF3A8DE1}"/>
               </a:ext>
             </a:extLst>
           </p:cNvPr>
@@ -3632,8 +3585,8 @@
         </p:blipFill>
         <p:spPr bwMode="auto">
           <a:xfrm>
-            <a:off x="31044949" y="19569588"/>
-            <a:ext cx="3472896" cy="4022902"/>
+            <a:off x="12555754" y="6393956"/>
+            <a:ext cx="1246113" cy="1250281"/>
           </a:xfrm>
           <a:prstGeom prst="rect">
             <a:avLst/>
@@ -3650,6 +3603,53 @@
           </a:extLst>
         </p:spPr>
       </p:pic>
+      <p:pic>
+        <p:nvPicPr>
+          <p:cNvPr id="7" name="Picture 6" descr="Znalezione obrazy dla zapytania: linux logo transparent&quot;">
+            <a:extLst>
+              <a:ext uri="{FF2B5EF4-FFF2-40B4-BE49-F238E27FC236}">
+                <a16:creationId xmlns:a16="http://schemas.microsoft.com/office/drawing/2014/main" id="{7A393288-4510-4A2F-BB2D-E1E9AF3A8DE1}"/>
+              </a:ext>
+            </a:extLst>
+          </p:cNvPr>
+          <p:cNvPicPr>
+            <a:picLocks noChangeAspect="1" noChangeArrowheads="1"/>
+          </p:cNvPicPr>
+          <p:nvPr/>
+        </p:nvPicPr>
+        <p:blipFill>
+          <a:blip r:embed="rId21" cstate="print">
+            <a:extLst>
+              <a:ext uri="{28A0092B-C50C-407E-A947-70E740481C1C}">
+                <a14:useLocalDpi xmlns:a14="http://schemas.microsoft.com/office/drawing/2010/main" val="0"/>
+              </a:ext>
+            </a:extLst>
+          </a:blip>
+          <a:srcRect/>
+          <a:stretch>
+            <a:fillRect/>
+          </a:stretch>
+        </p:blipFill>
+        <p:spPr bwMode="auto">
+          <a:xfrm>
+            <a:off x="10515120" y="6356152"/>
+            <a:ext cx="1127988" cy="1306628"/>
+          </a:xfrm>
+          <a:prstGeom prst="rect">
+            <a:avLst/>
+          </a:prstGeom>
+          <a:noFill/>
+          <a:extLst>
+            <a:ext uri="{909E8E84-426E-40DD-AFC4-6F175D3DCCD1}">
+              <a14:hiddenFill xmlns:a14="http://schemas.microsoft.com/office/drawing/2010/main">
+                <a:solidFill>
+                  <a:srgbClr val="FFFFFF"/>
+                </a:solidFill>
+              </a14:hiddenFill>
+            </a:ext>
+          </a:extLst>
+        </p:spPr>
+      </p:pic>
       <p:sp>
         <p:nvSpPr>
           <p:cNvPr id="56" name="CustomShape 9">
@@ -3664,8 +3664,8 @@
         </p:nvSpPr>
         <p:spPr>
           <a:xfrm>
-            <a:off x="2489630" y="18212432"/>
-            <a:ext cx="11623320" cy="1257120"/>
+            <a:off x="722949" y="5915352"/>
+            <a:ext cx="4485084" cy="408308"/>
           </a:xfrm>
           <a:prstGeom prst="rect">
             <a:avLst/>
@@ -3676,16 +3676,16 @@
           </a:ln>
         </p:spPr>
         <p:txBody>
-          <a:bodyPr tIns="91440" bIns="91440"/>
-          <a:lstStyle/>
-          <a:p>
-            <a:pPr>
+          <a:bodyPr tIns="29699" bIns="29699"/>
+          <a:lstStyle/>
+          <a:p>
+            <a:pPr algn="ctr">
               <a:lnSpc>
                 <a:spcPct val="115000"/>
               </a:lnSpc>
             </a:pPr>
             <a:r>
-              <a:rPr lang="pl-PL" sz="7200" b="1" dirty="0">
+              <a:rPr lang="pl-PL" sz="2339" b="1" dirty="0">
                 <a:solidFill>
                   <a:srgbClr val="666666"/>
                 </a:solidFill>
@@ -3693,7 +3693,7 @@
               </a:rPr>
               <a:t>Ulepszony algorytm Walkera</a:t>
             </a:r>
-            <a:endParaRPr sz="2800" dirty="0"/>
+            <a:endParaRPr sz="909" dirty="0"/>
           </a:p>
         </p:txBody>
       </p:sp>
@@ -3711,8 +3711,8 @@
         </p:nvSpPr>
         <p:spPr>
           <a:xfrm>
-            <a:off x="30743547" y="6252820"/>
-            <a:ext cx="13671929" cy="4368256"/>
+            <a:off x="9871321" y="2030902"/>
+            <a:ext cx="4526483" cy="1418797"/>
           </a:xfrm>
           <a:prstGeom prst="rect">
             <a:avLst/>
@@ -3723,16 +3723,16 @@
           </a:ln>
         </p:spPr>
         <p:txBody>
-          <a:bodyPr tIns="91440" bIns="91440"/>
-          <a:lstStyle/>
-          <a:p>
-            <a:pPr>
+          <a:bodyPr tIns="29699" bIns="29699"/>
+          <a:lstStyle/>
+          <a:p>
+            <a:pPr algn="ctr">
               <a:lnSpc>
                 <a:spcPct val="115000"/>
               </a:lnSpc>
             </a:pPr>
             <a:r>
-              <a:rPr lang="pl-PL" sz="7200" b="1" dirty="0">
+              <a:rPr lang="pl-PL" sz="2339" b="1" dirty="0">
                 <a:solidFill>
                   <a:srgbClr val="666666"/>
                 </a:solidFill>
@@ -3741,7 +3741,7 @@
               </a:rPr>
               <a:t>Przejrzysty interfejs graficzny</a:t>
             </a:r>
-            <a:endParaRPr sz="2800" dirty="0"/>
+            <a:endParaRPr sz="909" dirty="0"/>
           </a:p>
         </p:txBody>
       </p:sp>
@@ -3759,8 +3759,8 @@
         </p:nvSpPr>
         <p:spPr>
           <a:xfrm>
-            <a:off x="18203738" y="15614970"/>
-            <a:ext cx="11623320" cy="1257120"/>
+            <a:off x="5306434" y="5071703"/>
+            <a:ext cx="4496487" cy="408308"/>
           </a:xfrm>
           <a:prstGeom prst="rect">
             <a:avLst/>
@@ -3771,16 +3771,16 @@
           </a:ln>
         </p:spPr>
         <p:txBody>
-          <a:bodyPr tIns="91440" bIns="91440"/>
-          <a:lstStyle/>
-          <a:p>
-            <a:pPr>
+          <a:bodyPr tIns="29699" bIns="29699"/>
+          <a:lstStyle/>
+          <a:p>
+            <a:pPr algn="ctr">
               <a:lnSpc>
                 <a:spcPct val="115000"/>
               </a:lnSpc>
             </a:pPr>
             <a:r>
-              <a:rPr lang="pl-PL" sz="7200" b="1" dirty="0">
+              <a:rPr lang="pl-PL" sz="2339" b="1" dirty="0">
                 <a:solidFill>
                   <a:srgbClr val="666666"/>
                 </a:solidFill>
@@ -3789,7 +3789,7 @@
               </a:rPr>
               <a:t>Ewaluacja rozgrywki</a:t>
             </a:r>
-            <a:endParaRPr sz="2800" dirty="0"/>
+            <a:endParaRPr sz="909" dirty="0"/>
           </a:p>
         </p:txBody>
       </p:sp>
@@ -3808,7 +3808,7 @@
           <p:nvPr/>
         </p:nvPicPr>
         <p:blipFill>
-          <a:blip r:embed="rId21">
+          <a:blip r:embed="rId22" cstate="print">
             <a:extLst>
               <a:ext uri="{28A0092B-C50C-407E-A947-70E740481C1C}">
                 <a14:useLocalDpi xmlns:a14="http://schemas.microsoft.com/office/drawing/2010/main" val="0"/>
@@ -3822,8 +3822,8 @@
         </p:blipFill>
         <p:spPr bwMode="auto">
           <a:xfrm>
-            <a:off x="5648203" y="14410208"/>
-            <a:ext cx="3981500" cy="3615781"/>
+            <a:off x="2266323" y="4680399"/>
+            <a:ext cx="1293181" cy="1174396"/>
           </a:xfrm>
           <a:prstGeom prst="rect">
             <a:avLst/>
@@ -3855,15 +3855,15 @@
           <p:nvPr/>
         </p:nvPicPr>
         <p:blipFill>
-          <a:blip r:embed="rId22"/>
+          <a:blip r:embed="rId23"/>
           <a:stretch>
             <a:fillRect/>
           </a:stretch>
         </p:blipFill>
         <p:spPr>
           <a:xfrm>
-            <a:off x="2302855" y="19740424"/>
-            <a:ext cx="3419475" cy="3638550"/>
+            <a:off x="1179761" y="6411639"/>
+            <a:ext cx="1110637" cy="1181792"/>
           </a:xfrm>
           <a:prstGeom prst="rect">
             <a:avLst/>
@@ -3885,15 +3885,15 @@
           <p:nvPr/>
         </p:nvPicPr>
         <p:blipFill>
-          <a:blip r:embed="rId23"/>
+          <a:blip r:embed="rId24"/>
           <a:stretch>
             <a:fillRect/>
           </a:stretch>
         </p:blipFill>
         <p:spPr>
           <a:xfrm>
-            <a:off x="6778256" y="20368984"/>
-            <a:ext cx="6867525" cy="2209800"/>
+            <a:off x="2633361" y="6615795"/>
+            <a:ext cx="2230555" cy="717737"/>
           </a:xfrm>
           <a:prstGeom prst="rect">
             <a:avLst/>
@@ -3915,15 +3915,15 @@
           <p:nvPr/>
         </p:nvPicPr>
         <p:blipFill>
-          <a:blip r:embed="rId24"/>
+          <a:blip r:embed="rId25"/>
           <a:stretch>
             <a:fillRect/>
           </a:stretch>
         </p:blipFill>
         <p:spPr>
           <a:xfrm>
-            <a:off x="18902670" y="24239437"/>
-            <a:ext cx="6324356" cy="6467839"/>
+            <a:off x="6571340" y="7872907"/>
+            <a:ext cx="2054135" cy="2100738"/>
           </a:xfrm>
           <a:prstGeom prst="rect">
             <a:avLst/>
@@ -3944,8 +3944,8 @@
         </p:nvSpPr>
         <p:spPr>
           <a:xfrm>
-            <a:off x="17439473" y="13551494"/>
-            <a:ext cx="11623320" cy="1257120"/>
+            <a:off x="6096097" y="4401492"/>
+            <a:ext cx="3775225" cy="408308"/>
           </a:xfrm>
           <a:prstGeom prst="rect">
             <a:avLst/>
@@ -3956,7 +3956,7 @@
           </a:ln>
         </p:spPr>
         <p:txBody>
-          <a:bodyPr tIns="91440" bIns="91440"/>
+          <a:bodyPr tIns="29699" bIns="29699"/>
           <a:lstStyle/>
           <a:p>
             <a:pPr>
@@ -3965,7 +3965,7 @@
               </a:lnSpc>
             </a:pPr>
             <a:r>
-              <a:rPr lang="pl-PL" sz="5400" b="1" dirty="0">
+              <a:rPr lang="pl-PL" sz="1754" b="1" dirty="0">
                 <a:solidFill>
                   <a:srgbClr val="666666"/>
                 </a:solidFill>
@@ -3974,7 +3974,7 @@
               </a:rPr>
               <a:t>Szachy</a:t>
             </a:r>
-            <a:endParaRPr dirty="0"/>
+            <a:endParaRPr sz="197" dirty="0"/>
           </a:p>
         </p:txBody>
       </p:sp>
@@ -3992,8 +3992,8 @@
         </p:nvSpPr>
         <p:spPr>
           <a:xfrm>
-            <a:off x="23700773" y="13603902"/>
-            <a:ext cx="11623320" cy="1257120"/>
+            <a:off x="8129752" y="4418514"/>
+            <a:ext cx="3775225" cy="408308"/>
           </a:xfrm>
           <a:prstGeom prst="rect">
             <a:avLst/>
@@ -4004,7 +4004,7 @@
           </a:ln>
         </p:spPr>
         <p:txBody>
-          <a:bodyPr tIns="91440" bIns="91440"/>
+          <a:bodyPr tIns="29699" bIns="29699"/>
           <a:lstStyle/>
           <a:p>
             <a:pPr>
@@ -4013,7 +4013,7 @@
               </a:lnSpc>
             </a:pPr>
             <a:r>
-              <a:rPr lang="pl-PL" sz="5400" b="1" dirty="0" err="1">
+              <a:rPr lang="pl-PL" sz="1754" b="1" dirty="0" err="1">
                 <a:solidFill>
                   <a:srgbClr val="666666"/>
                 </a:solidFill>
@@ -4021,7 +4021,7 @@
               </a:rPr>
               <a:t>Mankala</a:t>
             </a:r>
-            <a:endParaRPr dirty="0"/>
+            <a:endParaRPr sz="197" dirty="0"/>
           </a:p>
         </p:txBody>
       </p:sp>
@@ -4033,8 +4033,8 @@
         </p:nvSpPr>
         <p:spPr>
           <a:xfrm>
-            <a:off x="17165869" y="22424925"/>
-            <a:ext cx="10286219" cy="3629025"/>
+            <a:off x="5291800" y="7283558"/>
+            <a:ext cx="4483459" cy="1178698"/>
           </a:xfrm>
           <a:prstGeom prst="rect">
             <a:avLst/>
@@ -4045,16 +4045,16 @@
           </a:ln>
         </p:spPr>
         <p:txBody>
-          <a:bodyPr tIns="91440" bIns="91440"/>
-          <a:lstStyle/>
-          <a:p>
-            <a:pPr>
+          <a:bodyPr tIns="29699" bIns="29699"/>
+          <a:lstStyle/>
+          <a:p>
+            <a:pPr algn="ctr">
               <a:lnSpc>
                 <a:spcPct val="115000"/>
               </a:lnSpc>
             </a:pPr>
             <a:r>
-              <a:rPr lang="pl-PL" sz="7200" b="1" dirty="0" err="1">
+              <a:rPr lang="pl-PL" sz="2339" b="1" dirty="0" err="1">
                 <a:solidFill>
                   <a:srgbClr val="666666"/>
                 </a:solidFill>
@@ -4064,7 +4064,7 @@
               <a:t>Serializacja</a:t>
             </a:r>
             <a:r>
-              <a:rPr lang="pl-PL" sz="7200" b="1" dirty="0">
+              <a:rPr lang="pl-PL" sz="2339" b="1" dirty="0">
                 <a:solidFill>
                   <a:srgbClr val="666666"/>
                 </a:solidFill>
@@ -4073,7 +4073,7 @@
               </a:rPr>
               <a:t> binarna i CSV</a:t>
             </a:r>
-            <a:endParaRPr sz="2800" dirty="0"/>
+            <a:endParaRPr sz="909" dirty="0"/>
           </a:p>
         </p:txBody>
       </p:sp>
@@ -4092,15 +4092,15 @@
           <p:nvPr/>
         </p:nvPicPr>
         <p:blipFill>
-          <a:blip r:embed="rId25"/>
+          <a:blip r:embed="rId26"/>
           <a:stretch>
             <a:fillRect/>
           </a:stretch>
         </p:blipFill>
         <p:spPr>
           <a:xfrm>
-            <a:off x="8076205" y="25488596"/>
-            <a:ext cx="5686425" cy="5686425"/>
+            <a:off x="3054931" y="8278631"/>
+            <a:ext cx="1846936" cy="1846936"/>
           </a:xfrm>
           <a:prstGeom prst="rect">
             <a:avLst/>
